--- a/garrison_presentation.pptx
+++ b/garrison_presentation.pptx
@@ -7,7 +7,7 @@
     <p:sldMasterId id="2147483676" r:id="rId3"/>
   </p:sldMasterIdLst>
   <p:notesMasterIdLst>
-    <p:notesMasterId r:id="rId33"/>
+    <p:notesMasterId r:id="rId34"/>
   </p:notesMasterIdLst>
   <p:sldIdLst>
     <p:sldId id="256" r:id="rId4"/>
@@ -21,24 +21,25 @@
     <p:sldId id="264" r:id="rId12"/>
     <p:sldId id="265" r:id="rId13"/>
     <p:sldId id="266" r:id="rId14"/>
-    <p:sldId id="267" r:id="rId15"/>
-    <p:sldId id="268" r:id="rId16"/>
-    <p:sldId id="269" r:id="rId17"/>
-    <p:sldId id="270" r:id="rId18"/>
-    <p:sldId id="271" r:id="rId19"/>
-    <p:sldId id="272" r:id="rId20"/>
-    <p:sldId id="273" r:id="rId21"/>
-    <p:sldId id="274" r:id="rId22"/>
-    <p:sldId id="275" r:id="rId23"/>
-    <p:sldId id="276" r:id="rId24"/>
-    <p:sldId id="277" r:id="rId25"/>
-    <p:sldId id="278" r:id="rId26"/>
-    <p:sldId id="279" r:id="rId27"/>
-    <p:sldId id="280" r:id="rId28"/>
-    <p:sldId id="281" r:id="rId29"/>
-    <p:sldId id="282" r:id="rId30"/>
-    <p:sldId id="283" r:id="rId31"/>
-    <p:sldId id="284" r:id="rId32"/>
+    <p:sldId id="285" r:id="rId15"/>
+    <p:sldId id="267" r:id="rId16"/>
+    <p:sldId id="268" r:id="rId17"/>
+    <p:sldId id="269" r:id="rId18"/>
+    <p:sldId id="270" r:id="rId19"/>
+    <p:sldId id="271" r:id="rId20"/>
+    <p:sldId id="272" r:id="rId21"/>
+    <p:sldId id="273" r:id="rId22"/>
+    <p:sldId id="274" r:id="rId23"/>
+    <p:sldId id="275" r:id="rId24"/>
+    <p:sldId id="276" r:id="rId25"/>
+    <p:sldId id="277" r:id="rId26"/>
+    <p:sldId id="278" r:id="rId27"/>
+    <p:sldId id="279" r:id="rId28"/>
+    <p:sldId id="280" r:id="rId29"/>
+    <p:sldId id="281" r:id="rId30"/>
+    <p:sldId id="282" r:id="rId31"/>
+    <p:sldId id="283" r:id="rId32"/>
+    <p:sldId id="284" r:id="rId33"/>
   </p:sldIdLst>
   <p:sldSz cx="9144000" cy="5143500" type="screen16x9"/>
   <p:notesSz cx="6858000" cy="9144000"/>
@@ -4126,7 +4127,7 @@
           <a:p>
             <a:fld id="{2B620634-F1E7-4F42-B7F2-04F33F3FC495}" type="datetimeFigureOut">
               <a:rPr lang="en-US" smtClean="0"/>
-              <a:t>1/10/2015</a:t>
+              <a:t>1/12/2015</a:t>
             </a:fld>
             <a:endParaRPr lang="en-US"/>
           </a:p>
@@ -9978,13 +9979,13 @@
             <a:spLocks noGrp="1"/>
           </p:cNvSpPr>
           <p:nvPr>
-            <p:ph type="ctrTitle"/>
+            <p:ph type="ctrTitle" idx="4294967295"/>
           </p:nvPr>
         </p:nvSpPr>
         <p:spPr>
           <a:xfrm>
-            <a:off x="760614" y="2204648"/>
-            <a:ext cx="7772400" cy="1102519"/>
+            <a:off x="556952" y="3310731"/>
+            <a:ext cx="7772400" cy="1101725"/>
           </a:xfrm>
           <a:prstGeom prst="rect">
             <a:avLst/>
@@ -10002,25 +10003,49 @@
               </a:spcBef>
             </a:pPr>
             <a:r>
-              <a:rPr lang="en" sz="2800" dirty="0"/>
+              <a:rPr lang="en" sz="3200" dirty="0">
+                <a:solidFill>
+                  <a:schemeClr val="bg1"/>
+                </a:solidFill>
+              </a:rPr>
               <a:t>Slapping Some Lipstick on the Big Data </a:t>
             </a:r>
             <a:r>
-              <a:rPr lang="en" sz="2800" dirty="0" smtClean="0"/>
+              <a:rPr lang="en" sz="3200" dirty="0" smtClean="0">
+                <a:solidFill>
+                  <a:schemeClr val="bg1"/>
+                </a:solidFill>
+              </a:rPr>
               <a:t>Pig: </a:t>
             </a:r>
             <a:r>
-              <a:rPr lang="en" sz="2800" dirty="0"/>
+              <a:rPr lang="en" sz="3200" dirty="0">
+                <a:solidFill>
+                  <a:schemeClr val="bg1"/>
+                </a:solidFill>
+              </a:rPr>
               <a:t>Visualize Voluminous Quantities of Data with Oracle R Enterprise</a:t>
             </a:r>
             <a:r>
-              <a:rPr lang="en" dirty="0"/>
+              <a:rPr lang="en" sz="3600" dirty="0">
+                <a:solidFill>
+                  <a:schemeClr val="bg1"/>
+                </a:solidFill>
+              </a:rPr>
               <a:t/>
             </a:r>
             <a:br>
-              <a:rPr lang="en" dirty="0"/>
+              <a:rPr lang="en" sz="3600" dirty="0">
+                <a:solidFill>
+                  <a:schemeClr val="bg1"/>
+                </a:solidFill>
+              </a:rPr>
             </a:br>
-            <a:endParaRPr lang="en" dirty="0"/>
+            <a:endParaRPr lang="en" sz="3600" dirty="0">
+              <a:solidFill>
+                <a:schemeClr val="bg1"/>
+              </a:solidFill>
+            </a:endParaRPr>
           </a:p>
         </p:txBody>
       </p:sp>
@@ -10031,13 +10056,13 @@
             <a:spLocks noGrp="1"/>
           </p:cNvSpPr>
           <p:nvPr>
-            <p:ph type="subTitle" idx="1"/>
+            <p:ph type="subTitle" idx="4294967295"/>
           </p:nvPr>
         </p:nvSpPr>
         <p:spPr>
           <a:xfrm>
-            <a:off x="1446414" y="3479916"/>
-            <a:ext cx="6400800" cy="1314450"/>
+            <a:off x="1795549" y="4030662"/>
+            <a:ext cx="5012575" cy="763588"/>
           </a:xfrm>
           <a:prstGeom prst="rect">
             <a:avLst/>
@@ -10049,7 +10074,7 @@
           </a:bodyPr>
           <a:lstStyle/>
           <a:p>
-            <a:pPr>
+            <a:pPr algn="ctr">
               <a:spcBef>
                 <a:spcPts val="0"/>
               </a:spcBef>
@@ -10060,9 +10085,10 @@
               <a:t>Gary </a:t>
             </a:r>
             <a:r>
-              <a:rPr lang="en" dirty="0"/>
-              <a:t>Garrison, Arisant</a:t>
-            </a:r>
+              <a:rPr lang="en" dirty="0" smtClean="0"/>
+              <a:t>Garrison</a:t>
+            </a:r>
+            <a:endParaRPr lang="en" dirty="0"/>
           </a:p>
         </p:txBody>
       </p:sp>
@@ -10208,6 +10234,23 @@
               <a:rPr lang="en" dirty="0" smtClean="0"/>
               <a:t>tedious</a:t>
             </a:r>
+          </a:p>
+          <a:p>
+            <a:pPr marL="457200" indent="-431800">
+              <a:lnSpc>
+                <a:spcPct val="150000"/>
+              </a:lnSpc>
+              <a:buClr>
+                <a:schemeClr val="dk2"/>
+              </a:buClr>
+              <a:buSzPct val="100000"/>
+              <a:buFont typeface="Arial"/>
+              <a:buChar char="●"/>
+            </a:pPr>
+            <a:r>
+              <a:rPr lang="en" dirty="0" smtClean="0"/>
+              <a:t>We are good at processing visualizations</a:t>
+            </a:r>
             <a:endParaRPr lang="en" dirty="0"/>
           </a:p>
         </p:txBody>
@@ -10370,7 +10413,7 @@
   <p:cSld>
     <p:spTree>
       <p:nvGrpSpPr>
-        <p:cNvPr id="1" name="Shape 112"/>
+        <p:cNvPr id="1" name=""/>
         <p:cNvGrpSpPr/>
         <p:nvPr/>
       </p:nvGrpSpPr>
@@ -10384,105 +10427,102 @@
       </p:grpSpPr>
       <p:sp>
         <p:nvSpPr>
-          <p:cNvPr id="113" name="Shape 113"/>
-          <p:cNvSpPr txBox="1">
+          <p:cNvPr id="2" name="Text Placeholder 1"/>
+          <p:cNvSpPr>
             <a:spLocks noGrp="1"/>
           </p:cNvSpPr>
           <p:nvPr>
             <p:ph type="body" idx="1"/>
           </p:nvPr>
         </p:nvSpPr>
-        <p:spPr>
-          <a:prstGeom prst="rect">
-            <a:avLst/>
-          </a:prstGeom>
-        </p:spPr>
-        <p:txBody>
-          <a:bodyPr lIns="91425" tIns="91425" rIns="91425" bIns="91425" anchor="t" anchorCtr="0">
-            <a:noAutofit/>
-          </a:bodyPr>
+        <p:spPr/>
+        <p:txBody>
+          <a:bodyPr/>
           <a:lstStyle/>
           <a:p>
-            <a:pPr marL="457200" lvl="0" indent="-431800" rtl="0">
+            <a:pPr>
               <a:lnSpc>
                 <a:spcPct val="150000"/>
               </a:lnSpc>
-              <a:spcBef>
-                <a:spcPts val="0"/>
-              </a:spcBef>
-              <a:buClr>
-                <a:schemeClr val="dk2"/>
-              </a:buClr>
-              <a:buSzPct val="100000"/>
-              <a:buFont typeface="Arial"/>
-              <a:buChar char="●"/>
             </a:pPr>
             <a:r>
-              <a:rPr lang="en" dirty="0"/>
-              <a:t>Often first exploratory plot</a:t>
-            </a:r>
-          </a:p>
-          <a:p>
-            <a:pPr marL="457200" lvl="0" indent="-431800" rtl="0">
+              <a:rPr lang="en-US" dirty="0" smtClean="0"/>
+              <a:t>Developed by Hadley Wickham</a:t>
+            </a:r>
+          </a:p>
+          <a:p>
+            <a:pPr>
               <a:lnSpc>
                 <a:spcPct val="150000"/>
               </a:lnSpc>
-              <a:spcBef>
-                <a:spcPts val="0"/>
-              </a:spcBef>
-              <a:buClr>
-                <a:schemeClr val="dk2"/>
-              </a:buClr>
-              <a:buSzPct val="100000"/>
-              <a:buFont typeface="Arial"/>
-              <a:buChar char="●"/>
             </a:pPr>
             <a:r>
-              <a:rPr lang="en" dirty="0"/>
-              <a:t>Shows the distribution of a continuous variable</a:t>
-            </a:r>
-          </a:p>
-          <a:p>
-            <a:pPr marL="457200" lvl="0" indent="-431800">
+              <a:rPr lang="en-US" dirty="0" smtClean="0"/>
+              <a:t>Based on the “The Grammar </a:t>
+            </a:r>
+            <a:r>
+              <a:rPr lang="en-US" dirty="0"/>
+              <a:t>of Graphics”, by Leland </a:t>
+            </a:r>
+            <a:r>
+              <a:rPr lang="en-US" dirty="0" smtClean="0"/>
+              <a:t>Wilkinson</a:t>
+            </a:r>
+          </a:p>
+          <a:p>
+            <a:pPr>
               <a:lnSpc>
                 <a:spcPct val="150000"/>
               </a:lnSpc>
-              <a:spcBef>
-                <a:spcPts val="0"/>
-              </a:spcBef>
-              <a:buClr>
-                <a:schemeClr val="dk2"/>
-              </a:buClr>
-              <a:buSzPct val="100000"/>
-              <a:buFont typeface="Arial"/>
-              <a:buChar char="●"/>
             </a:pPr>
             <a:r>
-              <a:rPr lang="en" dirty="0"/>
-              <a:t>Demo</a:t>
-            </a:r>
-          </a:p>
-        </p:txBody>
-      </p:sp>
-      <p:sp>
-        <p:nvSpPr>
-          <p:cNvPr id="114" name="Shape 114"/>
-          <p:cNvSpPr txBox="1">
+              <a:rPr lang="en-US" dirty="0" smtClean="0"/>
+              <a:t>Better than base R for creating plotting</a:t>
+            </a:r>
+            <a:endParaRPr lang="en-US" dirty="0"/>
+          </a:p>
+        </p:txBody>
+      </p:sp>
+      <p:sp>
+        <p:nvSpPr>
+          <p:cNvPr id="3" name="Title 2"/>
+          <p:cNvSpPr>
             <a:spLocks noGrp="1"/>
           </p:cNvSpPr>
           <p:nvPr>
             <p:ph type="title"/>
           </p:nvPr>
         </p:nvSpPr>
-        <p:spPr>
-          <a:prstGeom prst="rect">
-            <a:avLst/>
-          </a:prstGeom>
-        </p:spPr>
-        <p:txBody>
-          <a:bodyPr lIns="91425" tIns="91425" rIns="91425" bIns="91425" anchor="b" anchorCtr="0">
-            <a:noAutofit/>
-          </a:bodyPr>
+        <p:spPr/>
+        <p:txBody>
+          <a:bodyPr/>
+          <a:lstStyle/>
+          <a:p>
+            <a:r>
+              <a:rPr lang="en-US" dirty="0" err="1" smtClean="0"/>
+              <a:t>ggplot</a:t>
+            </a:r>
+            <a:r>
+              <a:rPr lang="en-US" dirty="0" smtClean="0"/>
+              <a:t> package</a:t>
+            </a:r>
+            <a:endParaRPr lang="en-US" dirty="0"/>
+          </a:p>
+        </p:txBody>
+      </p:sp>
+      <p:sp>
+        <p:nvSpPr>
+          <p:cNvPr id="4" name="Slide Number Placeholder 3"/>
+          <p:cNvSpPr>
+            <a:spLocks noGrp="1"/>
+          </p:cNvSpPr>
+          <p:nvPr>
+            <p:ph type="sldNum" idx="12"/>
+          </p:nvPr>
+        </p:nvSpPr>
+        <p:spPr/>
+        <p:txBody>
+          <a:bodyPr/>
           <a:lstStyle/>
           <a:p>
             <a:pPr>
@@ -10491,14 +10531,20 @@
               </a:spcBef>
               <a:buNone/>
             </a:pPr>
-            <a:r>
-              <a:rPr lang="en"/>
-              <a:t>Histogram</a:t>
-            </a:r>
+            <a:fld id="{00000000-1234-1234-1234-123412341234}" type="slidenum">
+              <a:rPr lang="en" smtClean="0"/>
+              <a:t>12</a:t>
+            </a:fld>
+            <a:endParaRPr lang="en"/>
           </a:p>
         </p:txBody>
       </p:sp>
     </p:spTree>
+    <p:extLst>
+      <p:ext uri="{BB962C8B-B14F-4D97-AF65-F5344CB8AC3E}">
+        <p14:creationId xmlns:p14="http://schemas.microsoft.com/office/powerpoint/2010/main" val="2234043610"/>
+      </p:ext>
+    </p:extLst>
   </p:cSld>
   <p:clrMapOvr>
     <a:masterClrMapping/>
@@ -10521,6 +10567,157 @@
   <p:cSld>
     <p:spTree>
       <p:nvGrpSpPr>
+        <p:cNvPr id="1" name="Shape 112"/>
+        <p:cNvGrpSpPr/>
+        <p:nvPr/>
+      </p:nvGrpSpPr>
+      <p:grpSpPr>
+        <a:xfrm>
+          <a:off x="0" y="0"/>
+          <a:ext cx="0" cy="0"/>
+          <a:chOff x="0" y="0"/>
+          <a:chExt cx="0" cy="0"/>
+        </a:xfrm>
+      </p:grpSpPr>
+      <p:sp>
+        <p:nvSpPr>
+          <p:cNvPr id="113" name="Shape 113"/>
+          <p:cNvSpPr txBox="1">
+            <a:spLocks noGrp="1"/>
+          </p:cNvSpPr>
+          <p:nvPr>
+            <p:ph type="body" idx="1"/>
+          </p:nvPr>
+        </p:nvSpPr>
+        <p:spPr>
+          <a:prstGeom prst="rect">
+            <a:avLst/>
+          </a:prstGeom>
+        </p:spPr>
+        <p:txBody>
+          <a:bodyPr lIns="91425" tIns="91425" rIns="91425" bIns="91425" anchor="t" anchorCtr="0">
+            <a:noAutofit/>
+          </a:bodyPr>
+          <a:lstStyle/>
+          <a:p>
+            <a:pPr marL="457200" lvl="0" indent="-431800" rtl="0">
+              <a:lnSpc>
+                <a:spcPct val="150000"/>
+              </a:lnSpc>
+              <a:spcBef>
+                <a:spcPts val="0"/>
+              </a:spcBef>
+              <a:buClr>
+                <a:schemeClr val="dk2"/>
+              </a:buClr>
+              <a:buSzPct val="100000"/>
+              <a:buFont typeface="Arial"/>
+              <a:buChar char="●"/>
+            </a:pPr>
+            <a:r>
+              <a:rPr lang="en" dirty="0"/>
+              <a:t>Often first exploratory plot</a:t>
+            </a:r>
+          </a:p>
+          <a:p>
+            <a:pPr marL="457200" lvl="0" indent="-431800" rtl="0">
+              <a:lnSpc>
+                <a:spcPct val="150000"/>
+              </a:lnSpc>
+              <a:spcBef>
+                <a:spcPts val="0"/>
+              </a:spcBef>
+              <a:buClr>
+                <a:schemeClr val="dk2"/>
+              </a:buClr>
+              <a:buSzPct val="100000"/>
+              <a:buFont typeface="Arial"/>
+              <a:buChar char="●"/>
+            </a:pPr>
+            <a:r>
+              <a:rPr lang="en" dirty="0"/>
+              <a:t>Shows the distribution of a continuous variable</a:t>
+            </a:r>
+          </a:p>
+          <a:p>
+            <a:pPr marL="457200" lvl="0" indent="-431800">
+              <a:lnSpc>
+                <a:spcPct val="150000"/>
+              </a:lnSpc>
+              <a:spcBef>
+                <a:spcPts val="0"/>
+              </a:spcBef>
+              <a:buClr>
+                <a:schemeClr val="dk2"/>
+              </a:buClr>
+              <a:buSzPct val="100000"/>
+              <a:buFont typeface="Arial"/>
+              <a:buChar char="●"/>
+            </a:pPr>
+            <a:r>
+              <a:rPr lang="en" dirty="0"/>
+              <a:t>Demo</a:t>
+            </a:r>
+          </a:p>
+        </p:txBody>
+      </p:sp>
+      <p:sp>
+        <p:nvSpPr>
+          <p:cNvPr id="114" name="Shape 114"/>
+          <p:cNvSpPr txBox="1">
+            <a:spLocks noGrp="1"/>
+          </p:cNvSpPr>
+          <p:nvPr>
+            <p:ph type="title"/>
+          </p:nvPr>
+        </p:nvSpPr>
+        <p:spPr>
+          <a:prstGeom prst="rect">
+            <a:avLst/>
+          </a:prstGeom>
+        </p:spPr>
+        <p:txBody>
+          <a:bodyPr lIns="91425" tIns="91425" rIns="91425" bIns="91425" anchor="b" anchorCtr="0">
+            <a:noAutofit/>
+          </a:bodyPr>
+          <a:lstStyle/>
+          <a:p>
+            <a:pPr>
+              <a:spcBef>
+                <a:spcPts val="0"/>
+              </a:spcBef>
+              <a:buNone/>
+            </a:pPr>
+            <a:r>
+              <a:rPr lang="en"/>
+              <a:t>Histogram</a:t>
+            </a:r>
+          </a:p>
+        </p:txBody>
+      </p:sp>
+    </p:spTree>
+  </p:cSld>
+  <p:clrMapOvr>
+    <a:masterClrMapping/>
+  </p:clrMapOvr>
+  <p:transition spd="slow">
+    <p:cut/>
+  </p:transition>
+  <p:timing>
+    <p:tnLst>
+      <p:par>
+        <p:cTn id="1" dur="indefinite" restart="never" nodeType="tmRoot"/>
+      </p:par>
+    </p:tnLst>
+  </p:timing>
+</p:sld>
+</file>
+
+<file path=ppt/slides/slide14.xml><?xml version="1.0" encoding="utf-8"?>
+<p:sld xmlns:a="http://schemas.openxmlformats.org/drawingml/2006/main" xmlns:r="http://schemas.openxmlformats.org/officeDocument/2006/relationships" xmlns:p="http://schemas.openxmlformats.org/presentationml/2006/main">
+  <p:cSld>
+    <p:spTree>
+      <p:nvGrpSpPr>
         <p:cNvPr id="1" name="Shape 118"/>
         <p:cNvGrpSpPr/>
         <p:nvPr/>
@@ -10561,9 +10758,10 @@
               <a:buNone/>
             </a:pPr>
             <a:r>
-              <a:rPr lang="en"/>
-              <a:t>Histograms</a:t>
-            </a:r>
+              <a:rPr lang="en" dirty="0" smtClean="0"/>
+              <a:t>Histogram</a:t>
+            </a:r>
+            <a:endParaRPr lang="en" dirty="0"/>
           </a:p>
         </p:txBody>
       </p:sp>
@@ -10583,7 +10781,7 @@
         </p:blipFill>
         <p:spPr>
           <a:xfrm>
-            <a:off x="1276275" y="1377525"/>
+            <a:off x="1552575" y="1377525"/>
             <a:ext cx="6038850" cy="3600450"/>
           </a:xfrm>
           <a:prstGeom prst="rect">
@@ -10622,7 +10820,7 @@
 </p:sld>
 </file>
 
-<file path=ppt/slides/slide14.xml><?xml version="1.0" encoding="utf-8"?>
+<file path=ppt/slides/slide15.xml><?xml version="1.0" encoding="utf-8"?>
 <p:sld xmlns:a="http://schemas.openxmlformats.org/drawingml/2006/main" xmlns:r="http://schemas.openxmlformats.org/officeDocument/2006/relationships" xmlns:p="http://schemas.openxmlformats.org/presentationml/2006/main">
   <p:cSld>
     <p:spTree>
@@ -10793,7 +10991,7 @@
 </p:sld>
 </file>
 
-<file path=ppt/slides/slide15.xml><?xml version="1.0" encoding="utf-8"?>
+<file path=ppt/slides/slide16.xml><?xml version="1.0" encoding="utf-8"?>
 <p:sld xmlns:a="http://schemas.openxmlformats.org/drawingml/2006/main" xmlns:r="http://schemas.openxmlformats.org/officeDocument/2006/relationships" xmlns:p="http://schemas.openxmlformats.org/presentationml/2006/main">
   <p:cSld>
     <p:spTree>
@@ -10899,7 +11097,7 @@
 </p:sld>
 </file>
 
-<file path=ppt/slides/slide16.xml><?xml version="1.0" encoding="utf-8"?>
+<file path=ppt/slides/slide17.xml><?xml version="1.0" encoding="utf-8"?>
 <p:sld xmlns:a="http://schemas.openxmlformats.org/drawingml/2006/main" xmlns:r="http://schemas.openxmlformats.org/officeDocument/2006/relationships" xmlns:p="http://schemas.openxmlformats.org/presentationml/2006/main">
   <p:cSld>
     <p:spTree>
@@ -11055,7 +11253,7 @@
 </p:sld>
 </file>
 
-<file path=ppt/slides/slide17.xml><?xml version="1.0" encoding="utf-8"?>
+<file path=ppt/slides/slide18.xml><?xml version="1.0" encoding="utf-8"?>
 <p:sld xmlns:a="http://schemas.openxmlformats.org/drawingml/2006/main" xmlns:r="http://schemas.openxmlformats.org/officeDocument/2006/relationships" xmlns:p="http://schemas.openxmlformats.org/presentationml/2006/main">
   <p:cSld>
     <p:spTree>
@@ -11161,7 +11359,7 @@
 </p:sld>
 </file>
 
-<file path=ppt/slides/slide18.xml><?xml version="1.0" encoding="utf-8"?>
+<file path=ppt/slides/slide19.xml><?xml version="1.0" encoding="utf-8"?>
 <p:sld xmlns:a="http://schemas.openxmlformats.org/drawingml/2006/main" xmlns:r="http://schemas.openxmlformats.org/officeDocument/2006/relationships" xmlns:p="http://schemas.openxmlformats.org/presentationml/2006/main">
   <p:cSld>
     <p:spTree>
@@ -11206,9 +11404,14 @@
               <a:buNone/>
             </a:pPr>
             <a:r>
-              <a:rPr lang="en"/>
-              <a:t>Scatter with Smooth Line</a:t>
-            </a:r>
+              <a:rPr lang="en" dirty="0"/>
+              <a:t>Scatter with </a:t>
+            </a:r>
+            <a:r>
+              <a:rPr lang="en" dirty="0" smtClean="0"/>
+              <a:t>smoother</a:t>
+            </a:r>
+            <a:endParaRPr lang="en" dirty="0"/>
           </a:p>
         </p:txBody>
       </p:sp>
@@ -11248,116 +11451,6 @@
   <p:transition spd="slow">
     <p:cut/>
   </p:transition>
-  <p:timing>
-    <p:tnLst>
-      <p:par>
-        <p:cTn id="1" dur="indefinite" restart="never" nodeType="tmRoot"/>
-      </p:par>
-    </p:tnLst>
-  </p:timing>
-</p:sld>
-</file>
-
-<file path=ppt/slides/slide19.xml><?xml version="1.0" encoding="utf-8"?>
-<p:sld xmlns:a="http://schemas.openxmlformats.org/drawingml/2006/main" xmlns:r="http://schemas.openxmlformats.org/officeDocument/2006/relationships" xmlns:p="http://schemas.openxmlformats.org/presentationml/2006/main">
-  <p:cSld>
-    <p:spTree>
-      <p:nvGrpSpPr>
-        <p:cNvPr id="1" name="Shape 154"/>
-        <p:cNvGrpSpPr/>
-        <p:nvPr/>
-      </p:nvGrpSpPr>
-      <p:grpSpPr>
-        <a:xfrm>
-          <a:off x="0" y="0"/>
-          <a:ext cx="0" cy="0"/>
-          <a:chOff x="0" y="0"/>
-          <a:chExt cx="0" cy="0"/>
-        </a:xfrm>
-      </p:grpSpPr>
-      <p:sp>
-        <p:nvSpPr>
-          <p:cNvPr id="155" name="Shape 155"/>
-          <p:cNvSpPr txBox="1">
-            <a:spLocks noGrp="1"/>
-          </p:cNvSpPr>
-          <p:nvPr>
-            <p:ph type="title"/>
-          </p:nvPr>
-        </p:nvSpPr>
-        <p:spPr>
-          <a:xfrm>
-            <a:off x="914400" y="205975"/>
-            <a:ext cx="8229600" cy="994200"/>
-          </a:xfrm>
-          <a:prstGeom prst="rect">
-            <a:avLst/>
-          </a:prstGeom>
-        </p:spPr>
-        <p:txBody>
-          <a:bodyPr lIns="91425" tIns="91425" rIns="91425" bIns="91425" anchor="b" anchorCtr="0">
-            <a:noAutofit/>
-          </a:bodyPr>
-          <a:lstStyle/>
-          <a:p>
-            <a:pPr>
-              <a:spcBef>
-                <a:spcPts val="0"/>
-              </a:spcBef>
-              <a:buNone/>
-            </a:pPr>
-            <a:r>
-              <a:rPr lang="en" sz="3600" dirty="0"/>
-              <a:t>Interesting baseball plot with smooth</a:t>
-            </a:r>
-          </a:p>
-        </p:txBody>
-      </p:sp>
-      <p:pic>
-        <p:nvPicPr>
-          <p:cNvPr id="156" name="Shape 156"/>
-          <p:cNvPicPr preferRelativeResize="0"/>
-          <p:nvPr/>
-        </p:nvPicPr>
-        <p:blipFill>
-          <a:blip r:embed="rId3">
-            <a:alphaModFix/>
-          </a:blip>
-          <a:stretch>
-            <a:fillRect/>
-          </a:stretch>
-        </p:blipFill>
-        <p:spPr>
-          <a:xfrm>
-            <a:off x="1347150" y="1200175"/>
-            <a:ext cx="6368100" cy="3796750"/>
-          </a:xfrm>
-          <a:prstGeom prst="rect">
-            <a:avLst/>
-          </a:prstGeom>
-          <a:noFill/>
-          <a:ln>
-            <a:noFill/>
-          </a:ln>
-        </p:spPr>
-      </p:pic>
-    </p:spTree>
-  </p:cSld>
-  <p:clrMapOvr>
-    <a:masterClrMapping/>
-  </p:clrMapOvr>
-  <mc:AlternateContent xmlns:mc="http://schemas.openxmlformats.org/markup-compatibility/2006" xmlns:p14="http://schemas.microsoft.com/office/powerpoint/2010/main">
-    <mc:Choice Requires="p14">
-      <p:transition spd="slow" p14:dur="3400">
-        <p14:reveal/>
-      </p:transition>
-    </mc:Choice>
-    <mc:Fallback xmlns="">
-      <p:transition spd="slow">
-        <p:fade/>
-      </p:transition>
-    </mc:Fallback>
-  </mc:AlternateContent>
   <p:timing>
     <p:tnLst>
       <p:par>
@@ -11582,7 +11675,7 @@
   <p:cSld>
     <p:spTree>
       <p:nvGrpSpPr>
-        <p:cNvPr id="1" name="Shape 160"/>
+        <p:cNvPr id="1" name="Shape 154"/>
         <p:cNvGrpSpPr/>
         <p:nvPr/>
       </p:nvGrpSpPr>
@@ -11596,157 +11689,19 @@
       </p:grpSpPr>
       <p:sp>
         <p:nvSpPr>
-          <p:cNvPr id="161" name="Shape 161"/>
+          <p:cNvPr id="155" name="Shape 155"/>
           <p:cNvSpPr txBox="1">
             <a:spLocks noGrp="1"/>
           </p:cNvSpPr>
           <p:nvPr>
-            <p:ph type="body" idx="1"/>
-          </p:nvPr>
-        </p:nvSpPr>
-        <p:spPr>
-          <a:prstGeom prst="rect">
-            <a:avLst/>
-          </a:prstGeom>
-        </p:spPr>
-        <p:txBody>
-          <a:bodyPr lIns="91425" tIns="91425" rIns="91425" bIns="91425" anchor="t" anchorCtr="0">
-            <a:noAutofit/>
-          </a:bodyPr>
-          <a:lstStyle/>
-          <a:p>
-            <a:pPr marL="457200" lvl="0" indent="-431800" rtl="0">
-              <a:lnSpc>
-                <a:spcPct val="150000"/>
-              </a:lnSpc>
-              <a:spcBef>
-                <a:spcPts val="0"/>
-              </a:spcBef>
-              <a:buClr>
-                <a:schemeClr val="dk2"/>
-              </a:buClr>
-              <a:buSzPct val="100000"/>
-              <a:buFont typeface="Arial"/>
-              <a:buChar char="●"/>
-            </a:pPr>
-            <a:r>
-              <a:rPr lang="en" dirty="0"/>
-              <a:t>Most of our time and effort manipulating data</a:t>
-            </a:r>
-          </a:p>
-          <a:p>
-            <a:pPr marL="457200" lvl="0" indent="-431800" rtl="0">
-              <a:lnSpc>
-                <a:spcPct val="150000"/>
-              </a:lnSpc>
-              <a:spcBef>
-                <a:spcPts val="0"/>
-              </a:spcBef>
-              <a:buClr>
-                <a:schemeClr val="dk2"/>
-              </a:buClr>
-              <a:buSzPct val="100000"/>
-              <a:buFont typeface="Arial"/>
-              <a:buChar char="●"/>
-            </a:pPr>
-            <a:r>
-              <a:rPr lang="en" dirty="0"/>
-              <a:t>Why</a:t>
-            </a:r>
-          </a:p>
-          <a:p>
-            <a:pPr marL="914400" lvl="1" indent="-406400" rtl="0">
-              <a:lnSpc>
-                <a:spcPct val="150000"/>
-              </a:lnSpc>
-              <a:spcBef>
-                <a:spcPts val="0"/>
-              </a:spcBef>
-              <a:buClr>
-                <a:schemeClr val="dk2"/>
-              </a:buClr>
-              <a:buSzPct val="87500"/>
-              <a:buFont typeface="Courier New"/>
-              <a:buChar char="o"/>
-            </a:pPr>
-            <a:r>
-              <a:rPr lang="en" dirty="0"/>
-              <a:t>Fixing data</a:t>
-            </a:r>
-          </a:p>
-          <a:p>
-            <a:pPr marL="914400" lvl="1" indent="-431800" rtl="0">
-              <a:lnSpc>
-                <a:spcPct val="150000"/>
-              </a:lnSpc>
-              <a:spcBef>
-                <a:spcPts val="0"/>
-              </a:spcBef>
-              <a:buClr>
-                <a:schemeClr val="dk2"/>
-              </a:buClr>
-              <a:buSzPct val="100000"/>
-              <a:buFont typeface="Courier New"/>
-              <a:buChar char="o"/>
-            </a:pPr>
-            <a:r>
-              <a:rPr lang="en" dirty="0"/>
-              <a:t>Aggregation</a:t>
-            </a:r>
-          </a:p>
-          <a:p>
-            <a:pPr marL="914400" lvl="1" indent="-431800" rtl="0">
-              <a:lnSpc>
-                <a:spcPct val="150000"/>
-              </a:lnSpc>
-              <a:spcBef>
-                <a:spcPts val="0"/>
-              </a:spcBef>
-              <a:buClr>
-                <a:schemeClr val="dk2"/>
-              </a:buClr>
-              <a:buSzPct val="100000"/>
-              <a:buFont typeface="Courier New"/>
-              <a:buChar char="o"/>
-            </a:pPr>
-            <a:r>
-              <a:rPr lang="en" dirty="0"/>
-              <a:t>Discretization</a:t>
-            </a:r>
-          </a:p>
-          <a:p>
-            <a:pPr marL="457200" lvl="0" indent="-431800">
-              <a:lnSpc>
-                <a:spcPct val="150000"/>
-              </a:lnSpc>
-              <a:spcBef>
-                <a:spcPts val="0"/>
-              </a:spcBef>
-              <a:buClr>
-                <a:schemeClr val="dk2"/>
-              </a:buClr>
-              <a:buSzPct val="100000"/>
-              <a:buFont typeface="Arial"/>
-              <a:buChar char="●"/>
-            </a:pPr>
-            <a:r>
-              <a:rPr lang="en" dirty="0"/>
-              <a:t>dplyr package</a:t>
-            </a:r>
-          </a:p>
-        </p:txBody>
-      </p:sp>
-      <p:sp>
-        <p:nvSpPr>
-          <p:cNvPr id="162" name="Shape 162"/>
-          <p:cNvSpPr txBox="1">
-            <a:spLocks noGrp="1"/>
-          </p:cNvSpPr>
-          <p:nvPr>
             <p:ph type="title"/>
           </p:nvPr>
         </p:nvSpPr>
         <p:spPr>
+          <a:xfrm>
+            <a:off x="914400" y="205975"/>
+            <a:ext cx="8229600" cy="994200"/>
+          </a:xfrm>
           <a:prstGeom prst="rect">
             <a:avLst/>
           </a:prstGeom>
@@ -11764,255 +11719,20 @@
               <a:buNone/>
             </a:pPr>
             <a:r>
-              <a:rPr lang="en"/>
-              <a:t>A diversion for data munging</a:t>
-            </a:r>
-          </a:p>
-        </p:txBody>
-      </p:sp>
-    </p:spTree>
-  </p:cSld>
-  <p:clrMapOvr>
-    <a:masterClrMapping/>
-  </p:clrMapOvr>
-  <p:transition spd="slow">
-    <p:cut/>
-  </p:transition>
-  <p:timing>
-    <p:tnLst>
-      <p:par>
-        <p:cTn id="1" dur="indefinite" restart="never" nodeType="tmRoot"/>
-      </p:par>
-    </p:tnLst>
-  </p:timing>
-</p:sld>
-</file>
-
-<file path=ppt/slides/slide21.xml><?xml version="1.0" encoding="utf-8"?>
-<p:sld xmlns:a="http://schemas.openxmlformats.org/drawingml/2006/main" xmlns:r="http://schemas.openxmlformats.org/officeDocument/2006/relationships" xmlns:p="http://schemas.openxmlformats.org/presentationml/2006/main">
-  <p:cSld>
-    <p:spTree>
-      <p:nvGrpSpPr>
-        <p:cNvPr id="1" name="Shape 166"/>
-        <p:cNvGrpSpPr/>
-        <p:nvPr/>
-      </p:nvGrpSpPr>
-      <p:grpSpPr>
-        <a:xfrm>
-          <a:off x="0" y="0"/>
-          <a:ext cx="0" cy="0"/>
-          <a:chOff x="0" y="0"/>
-          <a:chExt cx="0" cy="0"/>
-        </a:xfrm>
-      </p:grpSpPr>
-      <p:sp>
-        <p:nvSpPr>
-          <p:cNvPr id="168" name="Shape 168"/>
-          <p:cNvSpPr txBox="1">
-            <a:spLocks noGrp="1"/>
-          </p:cNvSpPr>
-          <p:nvPr>
-            <p:ph type="body" idx="1"/>
-          </p:nvPr>
-        </p:nvSpPr>
-        <p:spPr>
-          <a:prstGeom prst="rect">
-            <a:avLst/>
-          </a:prstGeom>
-        </p:spPr>
-        <p:txBody>
-          <a:bodyPr lIns="91425" tIns="91425" rIns="91425" bIns="91425" anchor="t" anchorCtr="0">
-            <a:noAutofit/>
-          </a:bodyPr>
-          <a:lstStyle/>
-          <a:p>
-            <a:pPr marL="457200" lvl="0" indent="-431800" rtl="0">
-              <a:lnSpc>
-                <a:spcPct val="150000"/>
-              </a:lnSpc>
-              <a:spcBef>
-                <a:spcPts val="0"/>
-              </a:spcBef>
-              <a:buClr>
-                <a:schemeClr val="dk2"/>
-              </a:buClr>
-              <a:buSzPct val="100000"/>
-              <a:buFont typeface="Arial"/>
-              <a:buChar char="●"/>
-            </a:pPr>
-            <a:r>
-              <a:rPr lang="en" dirty="0"/>
-              <a:t>Why put plots on maps?</a:t>
-            </a:r>
-          </a:p>
-          <a:p>
-            <a:pPr marL="457200" lvl="0" indent="-431800" rtl="0">
-              <a:lnSpc>
-                <a:spcPct val="150000"/>
-              </a:lnSpc>
-              <a:spcBef>
-                <a:spcPts val="0"/>
-              </a:spcBef>
-              <a:buClr>
-                <a:schemeClr val="dk2"/>
-              </a:buClr>
-              <a:buSzPct val="100000"/>
-              <a:buFont typeface="Arial"/>
-              <a:buChar char="●"/>
-            </a:pPr>
-            <a:r>
-              <a:rPr lang="en" dirty="0"/>
-              <a:t>They are fun</a:t>
-            </a:r>
-          </a:p>
-          <a:p>
-            <a:pPr marL="457200" lvl="0" indent="-431800" rtl="0">
-              <a:lnSpc>
-                <a:spcPct val="150000"/>
-              </a:lnSpc>
-              <a:spcBef>
-                <a:spcPts val="0"/>
-              </a:spcBef>
-              <a:buClr>
-                <a:schemeClr val="dk2"/>
-              </a:buClr>
-              <a:buSzPct val="100000"/>
-              <a:buFont typeface="Arial"/>
-              <a:buChar char="●"/>
-            </a:pPr>
-            <a:r>
-              <a:rPr lang="en" dirty="0"/>
-              <a:t>Quickly display data with geographic context</a:t>
-            </a:r>
-          </a:p>
-          <a:p>
-            <a:pPr marL="457200" lvl="0" indent="-431800">
-              <a:lnSpc>
-                <a:spcPct val="150000"/>
-              </a:lnSpc>
-              <a:spcBef>
-                <a:spcPts val="0"/>
-              </a:spcBef>
-              <a:buClr>
-                <a:schemeClr val="dk2"/>
-              </a:buClr>
-              <a:buSzPct val="100000"/>
-              <a:buFont typeface="Arial"/>
-              <a:buChar char="●"/>
-            </a:pPr>
-            <a:r>
-              <a:rPr lang="en" dirty="0"/>
-              <a:t>Demo</a:t>
-            </a:r>
-          </a:p>
-        </p:txBody>
-      </p:sp>
-      <p:sp>
-        <p:nvSpPr>
-          <p:cNvPr id="167" name="Shape 167"/>
-          <p:cNvSpPr txBox="1">
-            <a:spLocks noGrp="1"/>
-          </p:cNvSpPr>
-          <p:nvPr>
-            <p:ph type="title"/>
-          </p:nvPr>
-        </p:nvSpPr>
-        <p:spPr>
-          <a:prstGeom prst="rect">
-            <a:avLst/>
-          </a:prstGeom>
-        </p:spPr>
-        <p:txBody>
-          <a:bodyPr lIns="91425" tIns="91425" rIns="91425" bIns="91425" anchor="b" anchorCtr="0">
-            <a:noAutofit/>
-          </a:bodyPr>
-          <a:lstStyle/>
-          <a:p>
-            <a:pPr>
-              <a:spcBef>
-                <a:spcPts val="0"/>
-              </a:spcBef>
-              <a:buNone/>
-            </a:pPr>
-            <a:r>
-              <a:rPr lang="en"/>
-              <a:t>Maps</a:t>
-            </a:r>
-          </a:p>
-        </p:txBody>
-      </p:sp>
-    </p:spTree>
-  </p:cSld>
-  <p:clrMapOvr>
-    <a:masterClrMapping/>
-  </p:clrMapOvr>
-  <p:transition spd="slow">
-    <p:wipe/>
-  </p:transition>
-  <p:timing>
-    <p:tnLst>
-      <p:par>
-        <p:cTn id="1" dur="indefinite" restart="never" nodeType="tmRoot"/>
-      </p:par>
-    </p:tnLst>
-  </p:timing>
-</p:sld>
-</file>
-
-<file path=ppt/slides/slide22.xml><?xml version="1.0" encoding="utf-8"?>
-<p:sld xmlns:a="http://schemas.openxmlformats.org/drawingml/2006/main" xmlns:r="http://schemas.openxmlformats.org/officeDocument/2006/relationships" xmlns:p="http://schemas.openxmlformats.org/presentationml/2006/main">
-  <p:cSld>
-    <p:spTree>
-      <p:nvGrpSpPr>
-        <p:cNvPr id="1" name="Shape 172"/>
-        <p:cNvGrpSpPr/>
-        <p:nvPr/>
-      </p:nvGrpSpPr>
-      <p:grpSpPr>
-        <a:xfrm>
-          <a:off x="0" y="0"/>
-          <a:ext cx="0" cy="0"/>
-          <a:chOff x="0" y="0"/>
-          <a:chExt cx="0" cy="0"/>
-        </a:xfrm>
-      </p:grpSpPr>
-      <p:sp>
-        <p:nvSpPr>
-          <p:cNvPr id="173" name="Shape 173"/>
-          <p:cNvSpPr txBox="1">
-            <a:spLocks noGrp="1"/>
-          </p:cNvSpPr>
-          <p:nvPr>
-            <p:ph type="title"/>
-          </p:nvPr>
-        </p:nvSpPr>
-        <p:spPr>
-          <a:prstGeom prst="rect">
-            <a:avLst/>
-          </a:prstGeom>
-        </p:spPr>
-        <p:txBody>
-          <a:bodyPr lIns="91425" tIns="91425" rIns="91425" bIns="91425" anchor="b" anchorCtr="0">
-            <a:noAutofit/>
-          </a:bodyPr>
-          <a:lstStyle/>
-          <a:p>
-            <a:pPr>
-              <a:spcBef>
-                <a:spcPts val="0"/>
-              </a:spcBef>
-              <a:buNone/>
-            </a:pPr>
-            <a:r>
-              <a:rPr lang="en"/>
-              <a:t>Simple Map</a:t>
-            </a:r>
+              <a:rPr lang="en" sz="3600" dirty="0"/>
+              <a:t>Interesting baseball plot with </a:t>
+            </a:r>
+            <a:r>
+              <a:rPr lang="en" sz="3600" dirty="0" smtClean="0"/>
+              <a:t>smoother</a:t>
+            </a:r>
+            <a:endParaRPr lang="en" sz="3600" dirty="0"/>
           </a:p>
         </p:txBody>
       </p:sp>
       <p:pic>
         <p:nvPicPr>
-          <p:cNvPr id="174" name="Shape 174"/>
+          <p:cNvPr id="156" name="Shape 156"/>
           <p:cNvPicPr preferRelativeResize="0"/>
           <p:nvPr/>
         </p:nvPicPr>
@@ -12026,8 +11746,8 @@
         </p:blipFill>
         <p:spPr>
           <a:xfrm>
-            <a:off x="1215525" y="1306650"/>
-            <a:ext cx="6400800" cy="3600450"/>
+            <a:off x="1347150" y="1200175"/>
+            <a:ext cx="6368100" cy="3796750"/>
           </a:xfrm>
           <a:prstGeom prst="rect">
             <a:avLst/>
@@ -12065,12 +11785,12 @@
 </p:sld>
 </file>
 
-<file path=ppt/slides/slide23.xml><?xml version="1.0" encoding="utf-8"?>
+<file path=ppt/slides/slide21.xml><?xml version="1.0" encoding="utf-8"?>
 <p:sld xmlns:a="http://schemas.openxmlformats.org/drawingml/2006/main" xmlns:r="http://schemas.openxmlformats.org/officeDocument/2006/relationships" xmlns:p="http://schemas.openxmlformats.org/presentationml/2006/main">
   <p:cSld>
     <p:spTree>
       <p:nvGrpSpPr>
-        <p:cNvPr id="1" name="Shape 178"/>
+        <p:cNvPr id="1" name="Shape 160"/>
         <p:cNvGrpSpPr/>
         <p:nvPr/>
       </p:nvGrpSpPr>
@@ -12084,7 +11804,7 @@
       </p:grpSpPr>
       <p:sp>
         <p:nvSpPr>
-          <p:cNvPr id="179" name="Shape 179"/>
+          <p:cNvPr id="161" name="Shape 161"/>
           <p:cNvSpPr txBox="1">
             <a:spLocks noGrp="1"/>
           </p:cNvSpPr>
@@ -12119,7 +11839,7 @@
             </a:pPr>
             <a:r>
               <a:rPr lang="en" dirty="0"/>
-              <a:t>Based on ggplot and Internet mapping APIs</a:t>
+              <a:t>Most of our time and effort manipulating data</a:t>
             </a:r>
           </a:p>
           <a:p>
@@ -12139,7 +11859,67 @@
             </a:pPr>
             <a:r>
               <a:rPr lang="en" dirty="0"/>
-              <a:t>Give context to your data</a:t>
+              <a:t>Why</a:t>
+            </a:r>
+          </a:p>
+          <a:p>
+            <a:pPr marL="914400" lvl="1" indent="-406400" rtl="0">
+              <a:lnSpc>
+                <a:spcPct val="150000"/>
+              </a:lnSpc>
+              <a:spcBef>
+                <a:spcPts val="0"/>
+              </a:spcBef>
+              <a:buClr>
+                <a:schemeClr val="dk2"/>
+              </a:buClr>
+              <a:buSzPct val="87500"/>
+              <a:buFont typeface="Courier New"/>
+              <a:buChar char="o"/>
+            </a:pPr>
+            <a:r>
+              <a:rPr lang="en" dirty="0"/>
+              <a:t>Fixing data</a:t>
+            </a:r>
+          </a:p>
+          <a:p>
+            <a:pPr marL="914400" lvl="1" indent="-431800" rtl="0">
+              <a:lnSpc>
+                <a:spcPct val="150000"/>
+              </a:lnSpc>
+              <a:spcBef>
+                <a:spcPts val="0"/>
+              </a:spcBef>
+              <a:buClr>
+                <a:schemeClr val="dk2"/>
+              </a:buClr>
+              <a:buSzPct val="100000"/>
+              <a:buFont typeface="Courier New"/>
+              <a:buChar char="o"/>
+            </a:pPr>
+            <a:r>
+              <a:rPr lang="en" dirty="0"/>
+              <a:t>Aggregation</a:t>
+            </a:r>
+          </a:p>
+          <a:p>
+            <a:pPr marL="914400" lvl="1" indent="-431800" rtl="0">
+              <a:lnSpc>
+                <a:spcPct val="150000"/>
+              </a:lnSpc>
+              <a:spcBef>
+                <a:spcPts val="0"/>
+              </a:spcBef>
+              <a:buClr>
+                <a:schemeClr val="dk2"/>
+              </a:buClr>
+              <a:buSzPct val="100000"/>
+              <a:buFont typeface="Courier New"/>
+              <a:buChar char="o"/>
+            </a:pPr>
+            <a:r>
+              <a:rPr lang="en" dirty="0"/>
+              <a:t>Discretization</a:t>
             </a:r>
           </a:p>
           <a:p>
@@ -12159,14 +11939,14 @@
             </a:pPr>
             <a:r>
               <a:rPr lang="en" dirty="0"/>
-              <a:t>geocode() function for finding latitude/longitude</a:t>
-            </a:r>
-          </a:p>
-        </p:txBody>
-      </p:sp>
-      <p:sp>
-        <p:nvSpPr>
-          <p:cNvPr id="180" name="Shape 180"/>
+              <a:t>dplyr package</a:t>
+            </a:r>
+          </a:p>
+        </p:txBody>
+      </p:sp>
+      <p:sp>
+        <p:nvSpPr>
+          <p:cNvPr id="162" name="Shape 162"/>
           <p:cNvSpPr txBox="1">
             <a:spLocks noGrp="1"/>
           </p:cNvSpPr>
@@ -12193,7 +11973,7 @@
             </a:pPr>
             <a:r>
               <a:rPr lang="en"/>
-              <a:t>“Real maps” with ggmap</a:t>
+              <a:t>A diversion for data munging</a:t>
             </a:r>
           </a:p>
         </p:txBody>
@@ -12203,18 +11983,9 @@
   <p:clrMapOvr>
     <a:masterClrMapping/>
   </p:clrMapOvr>
-  <mc:AlternateContent xmlns:mc="http://schemas.openxmlformats.org/markup-compatibility/2006" xmlns:p14="http://schemas.microsoft.com/office/powerpoint/2010/main">
-    <mc:Choice Requires="p14">
-      <p:transition p14:dur="100">
-        <p:cut/>
-      </p:transition>
-    </mc:Choice>
-    <mc:Fallback xmlns="">
-      <p:transition>
-        <p:cut/>
-      </p:transition>
-    </mc:Fallback>
-  </mc:AlternateContent>
+  <p:transition spd="slow">
+    <p:cut/>
+  </p:transition>
   <p:timing>
     <p:tnLst>
       <p:par>
@@ -12225,12 +11996,12 @@
 </p:sld>
 </file>
 
-<file path=ppt/slides/slide24.xml><?xml version="1.0" encoding="utf-8"?>
+<file path=ppt/slides/slide22.xml><?xml version="1.0" encoding="utf-8"?>
 <p:sld xmlns:a="http://schemas.openxmlformats.org/drawingml/2006/main" xmlns:r="http://schemas.openxmlformats.org/officeDocument/2006/relationships" xmlns:p="http://schemas.openxmlformats.org/presentationml/2006/main">
   <p:cSld>
     <p:spTree>
       <p:nvGrpSpPr>
-        <p:cNvPr id="1" name="Shape 184"/>
+        <p:cNvPr id="1" name="Shape 166"/>
         <p:cNvGrpSpPr/>
         <p:nvPr/>
       </p:nvGrpSpPr>
@@ -12244,19 +12015,111 @@
       </p:grpSpPr>
       <p:sp>
         <p:nvSpPr>
-          <p:cNvPr id="185" name="Shape 185"/>
+          <p:cNvPr id="168" name="Shape 168"/>
           <p:cNvSpPr txBox="1">
             <a:spLocks noGrp="1"/>
           </p:cNvSpPr>
           <p:nvPr>
+            <p:ph type="body" idx="1"/>
+          </p:nvPr>
+        </p:nvSpPr>
+        <p:spPr>
+          <a:prstGeom prst="rect">
+            <a:avLst/>
+          </a:prstGeom>
+        </p:spPr>
+        <p:txBody>
+          <a:bodyPr lIns="91425" tIns="91425" rIns="91425" bIns="91425" anchor="t" anchorCtr="0">
+            <a:noAutofit/>
+          </a:bodyPr>
+          <a:lstStyle/>
+          <a:p>
+            <a:pPr marL="457200" lvl="0" indent="-431800" rtl="0">
+              <a:lnSpc>
+                <a:spcPct val="150000"/>
+              </a:lnSpc>
+              <a:spcBef>
+                <a:spcPts val="0"/>
+              </a:spcBef>
+              <a:buClr>
+                <a:schemeClr val="dk2"/>
+              </a:buClr>
+              <a:buSzPct val="100000"/>
+              <a:buFont typeface="Arial"/>
+              <a:buChar char="●"/>
+            </a:pPr>
+            <a:r>
+              <a:rPr lang="en" dirty="0"/>
+              <a:t>Why put plots on maps?</a:t>
+            </a:r>
+          </a:p>
+          <a:p>
+            <a:pPr marL="757238" lvl="1" indent="-431800">
+              <a:lnSpc>
+                <a:spcPct val="150000"/>
+              </a:lnSpc>
+              <a:buClr>
+                <a:schemeClr val="dk2"/>
+              </a:buClr>
+              <a:buSzPct val="100000"/>
+              <a:buFont typeface="Courier New" panose="02070309020205020404" pitchFamily="49" charset="0"/>
+              <a:buChar char="o"/>
+            </a:pPr>
+            <a:r>
+              <a:rPr lang="en" dirty="0"/>
+              <a:t>They are fun</a:t>
+            </a:r>
+          </a:p>
+          <a:p>
+            <a:pPr marL="757238" lvl="1" indent="-431800">
+              <a:lnSpc>
+                <a:spcPct val="150000"/>
+              </a:lnSpc>
+              <a:buClr>
+                <a:schemeClr val="dk2"/>
+              </a:buClr>
+              <a:buSzPct val="100000"/>
+              <a:buFont typeface="Courier New" panose="02070309020205020404" pitchFamily="49" charset="0"/>
+              <a:buChar char="o"/>
+            </a:pPr>
+            <a:r>
+              <a:rPr lang="en" dirty="0"/>
+              <a:t>Quickly display data with geographic context</a:t>
+            </a:r>
+          </a:p>
+          <a:p>
+            <a:pPr marL="457200" lvl="0" indent="-431800">
+              <a:lnSpc>
+                <a:spcPct val="150000"/>
+              </a:lnSpc>
+              <a:spcBef>
+                <a:spcPts val="0"/>
+              </a:spcBef>
+              <a:buClr>
+                <a:schemeClr val="dk2"/>
+              </a:buClr>
+              <a:buSzPct val="100000"/>
+              <a:buFont typeface="Arial"/>
+              <a:buChar char="●"/>
+            </a:pPr>
+            <a:r>
+              <a:rPr lang="en" dirty="0"/>
+              <a:t>Demo</a:t>
+            </a:r>
+          </a:p>
+        </p:txBody>
+      </p:sp>
+      <p:sp>
+        <p:nvSpPr>
+          <p:cNvPr id="167" name="Shape 167"/>
+          <p:cNvSpPr txBox="1">
+            <a:spLocks noGrp="1"/>
+          </p:cNvSpPr>
+          <p:nvPr>
             <p:ph type="title"/>
           </p:nvPr>
         </p:nvSpPr>
         <p:spPr>
-          <a:xfrm>
-            <a:off x="914400" y="172727"/>
-            <a:ext cx="8229600" cy="994200"/>
-          </a:xfrm>
           <a:prstGeom prst="rect">
             <a:avLst/>
           </a:prstGeom>
@@ -12274,15 +12137,84 @@
               <a:buNone/>
             </a:pPr>
             <a:r>
-              <a:rPr lang="en" sz="3200" dirty="0"/>
-              <a:t>Location of Colorado Microbreweries</a:t>
+              <a:rPr lang="en"/>
+              <a:t>Maps</a:t>
+            </a:r>
+          </a:p>
+        </p:txBody>
+      </p:sp>
+    </p:spTree>
+  </p:cSld>
+  <p:clrMapOvr>
+    <a:masterClrMapping/>
+  </p:clrMapOvr>
+  <p:transition spd="slow">
+    <p:wipe/>
+  </p:transition>
+  <p:timing>
+    <p:tnLst>
+      <p:par>
+        <p:cTn id="1" dur="indefinite" restart="never" nodeType="tmRoot"/>
+      </p:par>
+    </p:tnLst>
+  </p:timing>
+</p:sld>
+</file>
+
+<file path=ppt/slides/slide23.xml><?xml version="1.0" encoding="utf-8"?>
+<p:sld xmlns:a="http://schemas.openxmlformats.org/drawingml/2006/main" xmlns:r="http://schemas.openxmlformats.org/officeDocument/2006/relationships" xmlns:p="http://schemas.openxmlformats.org/presentationml/2006/main">
+  <p:cSld>
+    <p:spTree>
+      <p:nvGrpSpPr>
+        <p:cNvPr id="1" name="Shape 172"/>
+        <p:cNvGrpSpPr/>
+        <p:nvPr/>
+      </p:nvGrpSpPr>
+      <p:grpSpPr>
+        <a:xfrm>
+          <a:off x="0" y="0"/>
+          <a:ext cx="0" cy="0"/>
+          <a:chOff x="0" y="0"/>
+          <a:chExt cx="0" cy="0"/>
+        </a:xfrm>
+      </p:grpSpPr>
+      <p:sp>
+        <p:nvSpPr>
+          <p:cNvPr id="173" name="Shape 173"/>
+          <p:cNvSpPr txBox="1">
+            <a:spLocks noGrp="1"/>
+          </p:cNvSpPr>
+          <p:nvPr>
+            <p:ph type="title"/>
+          </p:nvPr>
+        </p:nvSpPr>
+        <p:spPr>
+          <a:prstGeom prst="rect">
+            <a:avLst/>
+          </a:prstGeom>
+        </p:spPr>
+        <p:txBody>
+          <a:bodyPr lIns="91425" tIns="91425" rIns="91425" bIns="91425" anchor="b" anchorCtr="0">
+            <a:noAutofit/>
+          </a:bodyPr>
+          <a:lstStyle/>
+          <a:p>
+            <a:pPr>
+              <a:spcBef>
+                <a:spcPts val="0"/>
+              </a:spcBef>
+              <a:buNone/>
+            </a:pPr>
+            <a:r>
+              <a:rPr lang="en"/>
+              <a:t>Simple Map</a:t>
             </a:r>
           </a:p>
         </p:txBody>
       </p:sp>
       <p:pic>
         <p:nvPicPr>
-          <p:cNvPr id="186" name="Shape 186"/>
+          <p:cNvPr id="174" name="Shape 174"/>
           <p:cNvPicPr preferRelativeResize="0"/>
           <p:nvPr/>
         </p:nvPicPr>
@@ -12296,8 +12228,8 @@
         </p:blipFill>
         <p:spPr>
           <a:xfrm>
-            <a:off x="1519275" y="1367400"/>
-            <a:ext cx="5495925" cy="3600450"/>
+            <a:off x="1215525" y="1306650"/>
+            <a:ext cx="6400800" cy="3600450"/>
           </a:xfrm>
           <a:prstGeom prst="rect">
             <a:avLst/>
@@ -12335,7 +12267,277 @@
 </p:sld>
 </file>
 
+<file path=ppt/slides/slide24.xml><?xml version="1.0" encoding="utf-8"?>
+<p:sld xmlns:a="http://schemas.openxmlformats.org/drawingml/2006/main" xmlns:r="http://schemas.openxmlformats.org/officeDocument/2006/relationships" xmlns:p="http://schemas.openxmlformats.org/presentationml/2006/main">
+  <p:cSld>
+    <p:spTree>
+      <p:nvGrpSpPr>
+        <p:cNvPr id="1" name="Shape 178"/>
+        <p:cNvGrpSpPr/>
+        <p:nvPr/>
+      </p:nvGrpSpPr>
+      <p:grpSpPr>
+        <a:xfrm>
+          <a:off x="0" y="0"/>
+          <a:ext cx="0" cy="0"/>
+          <a:chOff x="0" y="0"/>
+          <a:chExt cx="0" cy="0"/>
+        </a:xfrm>
+      </p:grpSpPr>
+      <p:sp>
+        <p:nvSpPr>
+          <p:cNvPr id="179" name="Shape 179"/>
+          <p:cNvSpPr txBox="1">
+            <a:spLocks noGrp="1"/>
+          </p:cNvSpPr>
+          <p:nvPr>
+            <p:ph type="body" idx="1"/>
+          </p:nvPr>
+        </p:nvSpPr>
+        <p:spPr>
+          <a:prstGeom prst="rect">
+            <a:avLst/>
+          </a:prstGeom>
+        </p:spPr>
+        <p:txBody>
+          <a:bodyPr lIns="91425" tIns="91425" rIns="91425" bIns="91425" anchor="t" anchorCtr="0">
+            <a:noAutofit/>
+          </a:bodyPr>
+          <a:lstStyle/>
+          <a:p>
+            <a:pPr marL="457200" lvl="0" indent="-431800" rtl="0">
+              <a:lnSpc>
+                <a:spcPct val="150000"/>
+              </a:lnSpc>
+              <a:spcBef>
+                <a:spcPts val="0"/>
+              </a:spcBef>
+              <a:buClr>
+                <a:schemeClr val="dk2"/>
+              </a:buClr>
+              <a:buSzPct val="100000"/>
+              <a:buFont typeface="Arial"/>
+              <a:buChar char="●"/>
+            </a:pPr>
+            <a:r>
+              <a:rPr lang="en" dirty="0"/>
+              <a:t>Based on ggplot and Internet mapping APIs</a:t>
+            </a:r>
+          </a:p>
+          <a:p>
+            <a:pPr marL="457200" lvl="0" indent="-431800" rtl="0">
+              <a:lnSpc>
+                <a:spcPct val="150000"/>
+              </a:lnSpc>
+              <a:spcBef>
+                <a:spcPts val="0"/>
+              </a:spcBef>
+              <a:buClr>
+                <a:schemeClr val="dk2"/>
+              </a:buClr>
+              <a:buSzPct val="100000"/>
+              <a:buFont typeface="Arial"/>
+              <a:buChar char="●"/>
+            </a:pPr>
+            <a:r>
+              <a:rPr lang="en" dirty="0"/>
+              <a:t>Give context to your data</a:t>
+            </a:r>
+          </a:p>
+          <a:p>
+            <a:pPr marL="457200" lvl="0" indent="-431800">
+              <a:lnSpc>
+                <a:spcPct val="150000"/>
+              </a:lnSpc>
+              <a:spcBef>
+                <a:spcPts val="0"/>
+              </a:spcBef>
+              <a:buClr>
+                <a:schemeClr val="dk2"/>
+              </a:buClr>
+              <a:buSzPct val="100000"/>
+              <a:buFont typeface="Arial"/>
+              <a:buChar char="●"/>
+            </a:pPr>
+            <a:r>
+              <a:rPr lang="en" dirty="0"/>
+              <a:t>geocode() function for finding latitude/longitude</a:t>
+            </a:r>
+          </a:p>
+        </p:txBody>
+      </p:sp>
+      <p:sp>
+        <p:nvSpPr>
+          <p:cNvPr id="180" name="Shape 180"/>
+          <p:cNvSpPr txBox="1">
+            <a:spLocks noGrp="1"/>
+          </p:cNvSpPr>
+          <p:nvPr>
+            <p:ph type="title"/>
+          </p:nvPr>
+        </p:nvSpPr>
+        <p:spPr>
+          <a:prstGeom prst="rect">
+            <a:avLst/>
+          </a:prstGeom>
+        </p:spPr>
+        <p:txBody>
+          <a:bodyPr lIns="91425" tIns="91425" rIns="91425" bIns="91425" anchor="b" anchorCtr="0">
+            <a:noAutofit/>
+          </a:bodyPr>
+          <a:lstStyle/>
+          <a:p>
+            <a:pPr>
+              <a:spcBef>
+                <a:spcPts val="0"/>
+              </a:spcBef>
+              <a:buNone/>
+            </a:pPr>
+            <a:r>
+              <a:rPr lang="en"/>
+              <a:t>“Real maps” with ggmap</a:t>
+            </a:r>
+          </a:p>
+        </p:txBody>
+      </p:sp>
+    </p:spTree>
+  </p:cSld>
+  <p:clrMapOvr>
+    <a:masterClrMapping/>
+  </p:clrMapOvr>
+  <mc:AlternateContent xmlns:mc="http://schemas.openxmlformats.org/markup-compatibility/2006" xmlns:p14="http://schemas.microsoft.com/office/powerpoint/2010/main">
+    <mc:Choice Requires="p14">
+      <p:transition p14:dur="100">
+        <p:cut/>
+      </p:transition>
+    </mc:Choice>
+    <mc:Fallback xmlns="">
+      <p:transition>
+        <p:cut/>
+      </p:transition>
+    </mc:Fallback>
+  </mc:AlternateContent>
+  <p:timing>
+    <p:tnLst>
+      <p:par>
+        <p:cTn id="1" dur="indefinite" restart="never" nodeType="tmRoot"/>
+      </p:par>
+    </p:tnLst>
+  </p:timing>
+</p:sld>
+</file>
+
 <file path=ppt/slides/slide25.xml><?xml version="1.0" encoding="utf-8"?>
+<p:sld xmlns:a="http://schemas.openxmlformats.org/drawingml/2006/main" xmlns:r="http://schemas.openxmlformats.org/officeDocument/2006/relationships" xmlns:p="http://schemas.openxmlformats.org/presentationml/2006/main">
+  <p:cSld>
+    <p:spTree>
+      <p:nvGrpSpPr>
+        <p:cNvPr id="1" name="Shape 184"/>
+        <p:cNvGrpSpPr/>
+        <p:nvPr/>
+      </p:nvGrpSpPr>
+      <p:grpSpPr>
+        <a:xfrm>
+          <a:off x="0" y="0"/>
+          <a:ext cx="0" cy="0"/>
+          <a:chOff x="0" y="0"/>
+          <a:chExt cx="0" cy="0"/>
+        </a:xfrm>
+      </p:grpSpPr>
+      <p:sp>
+        <p:nvSpPr>
+          <p:cNvPr id="185" name="Shape 185"/>
+          <p:cNvSpPr txBox="1">
+            <a:spLocks noGrp="1"/>
+          </p:cNvSpPr>
+          <p:nvPr>
+            <p:ph type="title"/>
+          </p:nvPr>
+        </p:nvSpPr>
+        <p:spPr>
+          <a:xfrm>
+            <a:off x="914400" y="172727"/>
+            <a:ext cx="8229600" cy="994200"/>
+          </a:xfrm>
+          <a:prstGeom prst="rect">
+            <a:avLst/>
+          </a:prstGeom>
+        </p:spPr>
+        <p:txBody>
+          <a:bodyPr lIns="91425" tIns="91425" rIns="91425" bIns="91425" anchor="b" anchorCtr="0">
+            <a:noAutofit/>
+          </a:bodyPr>
+          <a:lstStyle/>
+          <a:p>
+            <a:pPr>
+              <a:spcBef>
+                <a:spcPts val="0"/>
+              </a:spcBef>
+              <a:buNone/>
+            </a:pPr>
+            <a:r>
+              <a:rPr lang="en" sz="3200" dirty="0"/>
+              <a:t>Location of Colorado Microbreweries</a:t>
+            </a:r>
+          </a:p>
+        </p:txBody>
+      </p:sp>
+      <p:pic>
+        <p:nvPicPr>
+          <p:cNvPr id="186" name="Shape 186"/>
+          <p:cNvPicPr preferRelativeResize="0"/>
+          <p:nvPr/>
+        </p:nvPicPr>
+        <p:blipFill>
+          <a:blip r:embed="rId3">
+            <a:alphaModFix/>
+          </a:blip>
+          <a:stretch>
+            <a:fillRect/>
+          </a:stretch>
+        </p:blipFill>
+        <p:spPr>
+          <a:xfrm>
+            <a:off x="1519275" y="1367400"/>
+            <a:ext cx="5495925" cy="3600450"/>
+          </a:xfrm>
+          <a:prstGeom prst="rect">
+            <a:avLst/>
+          </a:prstGeom>
+          <a:noFill/>
+          <a:ln>
+            <a:noFill/>
+          </a:ln>
+        </p:spPr>
+      </p:pic>
+    </p:spTree>
+  </p:cSld>
+  <p:clrMapOvr>
+    <a:masterClrMapping/>
+  </p:clrMapOvr>
+  <mc:AlternateContent xmlns:mc="http://schemas.openxmlformats.org/markup-compatibility/2006" xmlns:p14="http://schemas.microsoft.com/office/powerpoint/2010/main">
+    <mc:Choice Requires="p14">
+      <p:transition spd="slow" p14:dur="3400">
+        <p14:reveal/>
+      </p:transition>
+    </mc:Choice>
+    <mc:Fallback xmlns="">
+      <p:transition spd="slow">
+        <p:fade/>
+      </p:transition>
+    </mc:Fallback>
+  </mc:AlternateContent>
+  <p:timing>
+    <p:tnLst>
+      <p:par>
+        <p:cTn id="1" dur="indefinite" restart="never" nodeType="tmRoot"/>
+      </p:par>
+    </p:tnLst>
+  </p:timing>
+</p:sld>
+</file>
+
+<file path=ppt/slides/slide26.xml><?xml version="1.0" encoding="utf-8"?>
 <p:sld xmlns:a="http://schemas.openxmlformats.org/drawingml/2006/main" xmlns:r="http://schemas.openxmlformats.org/officeDocument/2006/relationships" xmlns:p="http://schemas.openxmlformats.org/presentationml/2006/main">
   <p:cSld>
     <p:spTree>
@@ -12436,7 +12638,7 @@
 </p:sld>
 </file>
 
-<file path=ppt/slides/slide26.xml><?xml version="1.0" encoding="utf-8"?>
+<file path=ppt/slides/slide27.xml><?xml version="1.0" encoding="utf-8"?>
 <p:sld xmlns:a="http://schemas.openxmlformats.org/drawingml/2006/main" xmlns:r="http://schemas.openxmlformats.org/officeDocument/2006/relationships" xmlns:p="http://schemas.openxmlformats.org/presentationml/2006/main">
   <p:cSld>
     <p:spTree>
@@ -12489,29 +12691,10 @@
               <a:buChar char="●"/>
             </a:pPr>
             <a:r>
-              <a:rPr lang="en" dirty="0"/>
-              <a:t>If we have an Internet connection</a:t>
-            </a:r>
-          </a:p>
-          <a:p>
-            <a:pPr marL="457200" lvl="0" indent="-431800" rtl="0">
-              <a:lnSpc>
-                <a:spcPct val="150000"/>
-              </a:lnSpc>
-              <a:spcBef>
-                <a:spcPts val="0"/>
-              </a:spcBef>
-              <a:buClr>
-                <a:schemeClr val="dk2"/>
-              </a:buClr>
-              <a:buSzPct val="100000"/>
-              <a:buFont typeface="Arial"/>
-              <a:buChar char="●"/>
-            </a:pPr>
-            <a:r>
-              <a:rPr lang="en" dirty="0"/>
+              <a:rPr lang="en" dirty="0" smtClean="0"/>
               <a:t>ggvis</a:t>
             </a:r>
+            <a:endParaRPr lang="en" dirty="0"/>
           </a:p>
           <a:p>
             <a:pPr marL="457200" lvl="0" indent="-431800" rtl="0">
@@ -12596,7 +12779,7 @@
 </p:sld>
 </file>
 
-<file path=ppt/slides/slide27.xml><?xml version="1.0" encoding="utf-8"?>
+<file path=ppt/slides/slide28.xml><?xml version="1.0" encoding="utf-8"?>
 <p:sld xmlns:a="http://schemas.openxmlformats.org/drawingml/2006/main" xmlns:r="http://schemas.openxmlformats.org/officeDocument/2006/relationships" xmlns:p="http://schemas.openxmlformats.org/presentationml/2006/main">
   <p:cSld>
     <p:spTree>
@@ -12659,7 +12842,7 @@
 </p:sld>
 </file>
 
-<file path=ppt/slides/slide28.xml><?xml version="1.0" encoding="utf-8"?>
+<file path=ppt/slides/slide29.xml><?xml version="1.0" encoding="utf-8"?>
 <p:sld xmlns:a="http://schemas.openxmlformats.org/drawingml/2006/main" xmlns:r="http://schemas.openxmlformats.org/officeDocument/2006/relationships" xmlns:p="http://schemas.openxmlformats.org/presentationml/2006/main">
   <p:cSld>
     <p:spTree>
@@ -12779,172 +12962,6 @@
             <a:r>
               <a:rPr lang="en"/>
               <a:t>References</a:t>
-            </a:r>
-          </a:p>
-        </p:txBody>
-      </p:sp>
-    </p:spTree>
-  </p:cSld>
-  <p:clrMapOvr>
-    <a:masterClrMapping/>
-  </p:clrMapOvr>
-  <p:transition spd="slow">
-    <p:cut/>
-  </p:transition>
-  <p:timing>
-    <p:tnLst>
-      <p:par>
-        <p:cTn id="1" dur="indefinite" restart="never" nodeType="tmRoot"/>
-      </p:par>
-    </p:tnLst>
-  </p:timing>
-</p:sld>
-</file>
-
-<file path=ppt/slides/slide29.xml><?xml version="1.0" encoding="utf-8"?>
-<p:sld xmlns:a="http://schemas.openxmlformats.org/drawingml/2006/main" xmlns:r="http://schemas.openxmlformats.org/officeDocument/2006/relationships" xmlns:p="http://schemas.openxmlformats.org/presentationml/2006/main">
-  <p:cSld>
-    <p:spTree>
-      <p:nvGrpSpPr>
-        <p:cNvPr id="1" name="Shape 214"/>
-        <p:cNvGrpSpPr/>
-        <p:nvPr/>
-      </p:nvGrpSpPr>
-      <p:grpSpPr>
-        <a:xfrm>
-          <a:off x="0" y="0"/>
-          <a:ext cx="0" cy="0"/>
-          <a:chOff x="0" y="0"/>
-          <a:chExt cx="0" cy="0"/>
-        </a:xfrm>
-      </p:grpSpPr>
-      <p:sp>
-        <p:nvSpPr>
-          <p:cNvPr id="215" name="Shape 215"/>
-          <p:cNvSpPr txBox="1">
-            <a:spLocks noGrp="1"/>
-          </p:cNvSpPr>
-          <p:nvPr>
-            <p:ph type="body" idx="1"/>
-          </p:nvPr>
-        </p:nvSpPr>
-        <p:spPr>
-          <a:prstGeom prst="rect">
-            <a:avLst/>
-          </a:prstGeom>
-        </p:spPr>
-        <p:txBody>
-          <a:bodyPr lIns="91425" tIns="91425" rIns="91425" bIns="91425" anchor="t" anchorCtr="0">
-            <a:noAutofit/>
-          </a:bodyPr>
-          <a:lstStyle/>
-          <a:p>
-            <a:pPr rtl="0">
-              <a:spcBef>
-                <a:spcPts val="0"/>
-              </a:spcBef>
-              <a:buNone/>
-            </a:pPr>
-            <a:r>
-              <a:rPr lang="en" sz="3000"/>
-              <a:t>Contact: </a:t>
-            </a:r>
-          </a:p>
-          <a:p>
-            <a:pPr rtl="0">
-              <a:spcBef>
-                <a:spcPts val="0"/>
-              </a:spcBef>
-              <a:buNone/>
-            </a:pPr>
-            <a:r>
-              <a:rPr lang="en" sz="3000" u="sng">
-                <a:solidFill>
-                  <a:schemeClr val="hlink"/>
-                </a:solidFill>
-                <a:hlinkClick r:id="rId3"/>
-              </a:rPr>
-              <a:t>gary.garrison@arisant.com</a:t>
-            </a:r>
-            <a:r>
-              <a:rPr lang="en" sz="3000"/>
-              <a:t> or </a:t>
-            </a:r>
-            <a:r>
-              <a:rPr lang="en" sz="3000" u="sng">
-                <a:solidFill>
-                  <a:schemeClr val="hlink"/>
-                </a:solidFill>
-                <a:hlinkClick r:id="rId4"/>
-              </a:rPr>
-              <a:t>garrisongw@gmail.com</a:t>
-            </a:r>
-          </a:p>
-          <a:p>
-            <a:pPr rtl="0">
-              <a:spcBef>
-                <a:spcPts val="0"/>
-              </a:spcBef>
-              <a:buNone/>
-            </a:pPr>
-            <a:endParaRPr/>
-          </a:p>
-          <a:p>
-            <a:pPr rtl="0">
-              <a:spcBef>
-                <a:spcPts val="0"/>
-              </a:spcBef>
-              <a:buNone/>
-            </a:pPr>
-            <a:r>
-              <a:rPr lang="en" sz="3000"/>
-              <a:t>Github Repository:</a:t>
-            </a:r>
-          </a:p>
-          <a:p>
-            <a:pPr>
-              <a:spcBef>
-                <a:spcPts val="0"/>
-              </a:spcBef>
-              <a:buNone/>
-            </a:pPr>
-            <a:r>
-              <a:rPr lang="en" sz="3000"/>
-              <a:t>https://github.com/gwgarrison/rmoug_2015</a:t>
-            </a:r>
-          </a:p>
-        </p:txBody>
-      </p:sp>
-      <p:sp>
-        <p:nvSpPr>
-          <p:cNvPr id="216" name="Shape 216"/>
-          <p:cNvSpPr txBox="1">
-            <a:spLocks noGrp="1"/>
-          </p:cNvSpPr>
-          <p:nvPr>
-            <p:ph type="title"/>
-          </p:nvPr>
-        </p:nvSpPr>
-        <p:spPr>
-          <a:prstGeom prst="rect">
-            <a:avLst/>
-          </a:prstGeom>
-        </p:spPr>
-        <p:txBody>
-          <a:bodyPr lIns="91425" tIns="91425" rIns="91425" bIns="91425" anchor="b" anchorCtr="0">
-            <a:noAutofit/>
-          </a:bodyPr>
-          <a:lstStyle/>
-          <a:p>
-            <a:pPr>
-              <a:spcBef>
-                <a:spcPts val="0"/>
-              </a:spcBef>
-              <a:buNone/>
-            </a:pPr>
-            <a:r>
-              <a:rPr lang="en"/>
-              <a:t>Important Information</a:t>
             </a:r>
           </a:p>
         </p:txBody>
@@ -13143,6 +13160,172 @@
 </p:sld>
 </file>
 
+<file path=ppt/slides/slide30.xml><?xml version="1.0" encoding="utf-8"?>
+<p:sld xmlns:a="http://schemas.openxmlformats.org/drawingml/2006/main" xmlns:r="http://schemas.openxmlformats.org/officeDocument/2006/relationships" xmlns:p="http://schemas.openxmlformats.org/presentationml/2006/main">
+  <p:cSld>
+    <p:spTree>
+      <p:nvGrpSpPr>
+        <p:cNvPr id="1" name="Shape 214"/>
+        <p:cNvGrpSpPr/>
+        <p:nvPr/>
+      </p:nvGrpSpPr>
+      <p:grpSpPr>
+        <a:xfrm>
+          <a:off x="0" y="0"/>
+          <a:ext cx="0" cy="0"/>
+          <a:chOff x="0" y="0"/>
+          <a:chExt cx="0" cy="0"/>
+        </a:xfrm>
+      </p:grpSpPr>
+      <p:sp>
+        <p:nvSpPr>
+          <p:cNvPr id="215" name="Shape 215"/>
+          <p:cNvSpPr txBox="1">
+            <a:spLocks noGrp="1"/>
+          </p:cNvSpPr>
+          <p:nvPr>
+            <p:ph type="body" idx="1"/>
+          </p:nvPr>
+        </p:nvSpPr>
+        <p:spPr>
+          <a:prstGeom prst="rect">
+            <a:avLst/>
+          </a:prstGeom>
+        </p:spPr>
+        <p:txBody>
+          <a:bodyPr lIns="91425" tIns="91425" rIns="91425" bIns="91425" anchor="t" anchorCtr="0">
+            <a:noAutofit/>
+          </a:bodyPr>
+          <a:lstStyle/>
+          <a:p>
+            <a:pPr rtl="0">
+              <a:spcBef>
+                <a:spcPts val="0"/>
+              </a:spcBef>
+              <a:buNone/>
+            </a:pPr>
+            <a:r>
+              <a:rPr lang="en" sz="3000"/>
+              <a:t>Contact: </a:t>
+            </a:r>
+          </a:p>
+          <a:p>
+            <a:pPr rtl="0">
+              <a:spcBef>
+                <a:spcPts val="0"/>
+              </a:spcBef>
+              <a:buNone/>
+            </a:pPr>
+            <a:r>
+              <a:rPr lang="en" sz="3000" u="sng">
+                <a:solidFill>
+                  <a:schemeClr val="hlink"/>
+                </a:solidFill>
+                <a:hlinkClick r:id="rId3"/>
+              </a:rPr>
+              <a:t>gary.garrison@arisant.com</a:t>
+            </a:r>
+            <a:r>
+              <a:rPr lang="en" sz="3000"/>
+              <a:t> or </a:t>
+            </a:r>
+            <a:r>
+              <a:rPr lang="en" sz="3000" u="sng">
+                <a:solidFill>
+                  <a:schemeClr val="hlink"/>
+                </a:solidFill>
+                <a:hlinkClick r:id="rId4"/>
+              </a:rPr>
+              <a:t>garrisongw@gmail.com</a:t>
+            </a:r>
+          </a:p>
+          <a:p>
+            <a:pPr rtl="0">
+              <a:spcBef>
+                <a:spcPts val="0"/>
+              </a:spcBef>
+              <a:buNone/>
+            </a:pPr>
+            <a:endParaRPr/>
+          </a:p>
+          <a:p>
+            <a:pPr rtl="0">
+              <a:spcBef>
+                <a:spcPts val="0"/>
+              </a:spcBef>
+              <a:buNone/>
+            </a:pPr>
+            <a:r>
+              <a:rPr lang="en" sz="3000"/>
+              <a:t>Github Repository:</a:t>
+            </a:r>
+          </a:p>
+          <a:p>
+            <a:pPr>
+              <a:spcBef>
+                <a:spcPts val="0"/>
+              </a:spcBef>
+              <a:buNone/>
+            </a:pPr>
+            <a:r>
+              <a:rPr lang="en" sz="3000"/>
+              <a:t>https://github.com/gwgarrison/rmoug_2015</a:t>
+            </a:r>
+          </a:p>
+        </p:txBody>
+      </p:sp>
+      <p:sp>
+        <p:nvSpPr>
+          <p:cNvPr id="216" name="Shape 216"/>
+          <p:cNvSpPr txBox="1">
+            <a:spLocks noGrp="1"/>
+          </p:cNvSpPr>
+          <p:nvPr>
+            <p:ph type="title"/>
+          </p:nvPr>
+        </p:nvSpPr>
+        <p:spPr>
+          <a:prstGeom prst="rect">
+            <a:avLst/>
+          </a:prstGeom>
+        </p:spPr>
+        <p:txBody>
+          <a:bodyPr lIns="91425" tIns="91425" rIns="91425" bIns="91425" anchor="b" anchorCtr="0">
+            <a:noAutofit/>
+          </a:bodyPr>
+          <a:lstStyle/>
+          <a:p>
+            <a:pPr>
+              <a:spcBef>
+                <a:spcPts val="0"/>
+              </a:spcBef>
+              <a:buNone/>
+            </a:pPr>
+            <a:r>
+              <a:rPr lang="en"/>
+              <a:t>Important Information</a:t>
+            </a:r>
+          </a:p>
+        </p:txBody>
+      </p:sp>
+    </p:spTree>
+  </p:cSld>
+  <p:clrMapOvr>
+    <a:masterClrMapping/>
+  </p:clrMapOvr>
+  <p:transition spd="slow">
+    <p:cut/>
+  </p:transition>
+  <p:timing>
+    <p:tnLst>
+      <p:par>
+        <p:cTn id="1" dur="indefinite" restart="never" nodeType="tmRoot"/>
+      </p:par>
+    </p:tnLst>
+  </p:timing>
+</p:sld>
+</file>
+
 <file path=ppt/slides/slide4.xml><?xml version="1.0" encoding="utf-8"?>
 <p:sld xmlns:a="http://schemas.openxmlformats.org/drawingml/2006/main" xmlns:r="http://schemas.openxmlformats.org/officeDocument/2006/relationships" xmlns:p="http://schemas.openxmlformats.org/presentationml/2006/main">
   <p:cSld>
@@ -13277,7 +13460,15 @@
             </a:pPr>
             <a:r>
               <a:rPr lang="en" dirty="0"/>
-              <a:t>Run r code on database server</a:t>
+              <a:t>Run </a:t>
+            </a:r>
+            <a:r>
+              <a:rPr lang="en" dirty="0" smtClean="0"/>
+              <a:t>R </a:t>
+            </a:r>
+            <a:r>
+              <a:rPr lang="en" dirty="0"/>
+              <a:t>code on database server</a:t>
             </a:r>
           </a:p>
           <a:p>

--- a/garrison_presentation.pptx
+++ b/garrison_presentation.pptx
@@ -7,39 +7,40 @@
     <p:sldMasterId id="2147483676" r:id="rId3"/>
   </p:sldMasterIdLst>
   <p:notesMasterIdLst>
-    <p:notesMasterId r:id="rId34"/>
+    <p:notesMasterId r:id="rId35"/>
   </p:notesMasterIdLst>
   <p:sldIdLst>
     <p:sldId id="256" r:id="rId4"/>
-    <p:sldId id="257" r:id="rId5"/>
-    <p:sldId id="258" r:id="rId6"/>
-    <p:sldId id="259" r:id="rId7"/>
-    <p:sldId id="260" r:id="rId8"/>
-    <p:sldId id="261" r:id="rId9"/>
-    <p:sldId id="262" r:id="rId10"/>
-    <p:sldId id="263" r:id="rId11"/>
-    <p:sldId id="264" r:id="rId12"/>
-    <p:sldId id="265" r:id="rId13"/>
-    <p:sldId id="266" r:id="rId14"/>
-    <p:sldId id="285" r:id="rId15"/>
-    <p:sldId id="267" r:id="rId16"/>
-    <p:sldId id="268" r:id="rId17"/>
-    <p:sldId id="269" r:id="rId18"/>
-    <p:sldId id="270" r:id="rId19"/>
-    <p:sldId id="271" r:id="rId20"/>
-    <p:sldId id="272" r:id="rId21"/>
-    <p:sldId id="273" r:id="rId22"/>
-    <p:sldId id="274" r:id="rId23"/>
-    <p:sldId id="275" r:id="rId24"/>
-    <p:sldId id="276" r:id="rId25"/>
-    <p:sldId id="277" r:id="rId26"/>
-    <p:sldId id="278" r:id="rId27"/>
-    <p:sldId id="279" r:id="rId28"/>
-    <p:sldId id="280" r:id="rId29"/>
-    <p:sldId id="281" r:id="rId30"/>
-    <p:sldId id="282" r:id="rId31"/>
-    <p:sldId id="283" r:id="rId32"/>
-    <p:sldId id="284" r:id="rId33"/>
+    <p:sldId id="286" r:id="rId5"/>
+    <p:sldId id="257" r:id="rId6"/>
+    <p:sldId id="258" r:id="rId7"/>
+    <p:sldId id="259" r:id="rId8"/>
+    <p:sldId id="260" r:id="rId9"/>
+    <p:sldId id="261" r:id="rId10"/>
+    <p:sldId id="262" r:id="rId11"/>
+    <p:sldId id="263" r:id="rId12"/>
+    <p:sldId id="264" r:id="rId13"/>
+    <p:sldId id="265" r:id="rId14"/>
+    <p:sldId id="266" r:id="rId15"/>
+    <p:sldId id="285" r:id="rId16"/>
+    <p:sldId id="267" r:id="rId17"/>
+    <p:sldId id="268" r:id="rId18"/>
+    <p:sldId id="269" r:id="rId19"/>
+    <p:sldId id="270" r:id="rId20"/>
+    <p:sldId id="271" r:id="rId21"/>
+    <p:sldId id="272" r:id="rId22"/>
+    <p:sldId id="273" r:id="rId23"/>
+    <p:sldId id="274" r:id="rId24"/>
+    <p:sldId id="275" r:id="rId25"/>
+    <p:sldId id="276" r:id="rId26"/>
+    <p:sldId id="277" r:id="rId27"/>
+    <p:sldId id="278" r:id="rId28"/>
+    <p:sldId id="279" r:id="rId29"/>
+    <p:sldId id="280" r:id="rId30"/>
+    <p:sldId id="281" r:id="rId31"/>
+    <p:sldId id="288" r:id="rId32"/>
+    <p:sldId id="283" r:id="rId33"/>
+    <p:sldId id="284" r:id="rId34"/>
   </p:sldIdLst>
   <p:sldSz cx="9144000" cy="5143500" type="screen16x9"/>
   <p:notesSz cx="6858000" cy="9144000"/>
@@ -645,7 +646,7 @@
   <p:cSld>
     <p:spTree>
       <p:nvGrpSpPr>
-        <p:cNvPr id="1" name="Shape 103"/>
+        <p:cNvPr id="1" name="Shape 97"/>
         <p:cNvGrpSpPr/>
         <p:nvPr/>
       </p:nvGrpSpPr>
@@ -659,7 +660,7 @@
       </p:grpSpPr>
       <p:sp>
         <p:nvSpPr>
-          <p:cNvPr id="104" name="Shape 104"/>
+          <p:cNvPr id="98" name="Shape 98"/>
           <p:cNvSpPr>
             <a:spLocks noGrp="1" noRot="1" noChangeAspect="1"/>
           </p:cNvSpPr>
@@ -710,7 +711,7 @@
       </p:sp>
       <p:sp>
         <p:nvSpPr>
-          <p:cNvPr id="105" name="Shape 105"/>
+          <p:cNvPr id="99" name="Shape 99"/>
           <p:cNvSpPr txBox="1">
             <a:spLocks noGrp="1"/>
           </p:cNvSpPr>
@@ -739,14 +740,26 @@
               </a:spcBef>
               <a:buNone/>
             </a:pPr>
-            <a:endParaRPr/>
+            <a:r>
+              <a:rPr lang="en" u="sng">
+                <a:solidFill>
+                  <a:schemeClr val="hlink"/>
+                </a:solidFill>
+                <a:hlinkClick r:id="rId3"/>
+              </a:rPr>
+              <a:t>https://blogs.oracle.com/R/entry/r_to_oracle_database_connectivity</a:t>
+            </a:r>
+            <a:r>
+              <a:rPr lang="en"/>
+              <a:t> post describing these methods for using R with Oracle databases. </a:t>
+            </a:r>
           </a:p>
         </p:txBody>
       </p:sp>
     </p:spTree>
     <p:extLst>
       <p:ext uri="{BB962C8B-B14F-4D97-AF65-F5344CB8AC3E}">
-        <p14:creationId xmlns:p14="http://schemas.microsoft.com/office/powerpoint/2010/main" val="401457412"/>
+        <p14:creationId xmlns:p14="http://schemas.microsoft.com/office/powerpoint/2010/main" val="1078645911"/>
       </p:ext>
     </p:extLst>
   </p:cSld>
@@ -761,7 +774,7 @@
   <p:cSld>
     <p:spTree>
       <p:nvGrpSpPr>
-        <p:cNvPr id="1" name="Shape 109"/>
+        <p:cNvPr id="1" name="Shape 103"/>
         <p:cNvGrpSpPr/>
         <p:nvPr/>
       </p:nvGrpSpPr>
@@ -775,7 +788,7 @@
       </p:grpSpPr>
       <p:sp>
         <p:nvSpPr>
-          <p:cNvPr id="110" name="Shape 110"/>
+          <p:cNvPr id="104" name="Shape 104"/>
           <p:cNvSpPr>
             <a:spLocks noGrp="1" noRot="1" noChangeAspect="1"/>
           </p:cNvSpPr>
@@ -826,7 +839,7 @@
       </p:sp>
       <p:sp>
         <p:nvSpPr>
-          <p:cNvPr id="111" name="Shape 111"/>
+          <p:cNvPr id="105" name="Shape 105"/>
           <p:cNvSpPr txBox="1">
             <a:spLocks noGrp="1"/>
           </p:cNvSpPr>
@@ -862,7 +875,7 @@
     </p:spTree>
     <p:extLst>
       <p:ext uri="{BB962C8B-B14F-4D97-AF65-F5344CB8AC3E}">
-        <p14:creationId xmlns:p14="http://schemas.microsoft.com/office/powerpoint/2010/main" val="3767122244"/>
+        <p14:creationId xmlns:p14="http://schemas.microsoft.com/office/powerpoint/2010/main" val="401457412"/>
       </p:ext>
     </p:extLst>
   </p:cSld>
@@ -877,7 +890,7 @@
   <p:cSld>
     <p:spTree>
       <p:nvGrpSpPr>
-        <p:cNvPr id="1" name="Shape 115"/>
+        <p:cNvPr id="1" name="Shape 109"/>
         <p:cNvGrpSpPr/>
         <p:nvPr/>
       </p:nvGrpSpPr>
@@ -891,7 +904,7 @@
       </p:grpSpPr>
       <p:sp>
         <p:nvSpPr>
-          <p:cNvPr id="116" name="Shape 116"/>
+          <p:cNvPr id="110" name="Shape 110"/>
           <p:cNvSpPr>
             <a:spLocks noGrp="1" noRot="1" noChangeAspect="1"/>
           </p:cNvSpPr>
@@ -942,7 +955,7 @@
       </p:sp>
       <p:sp>
         <p:nvSpPr>
-          <p:cNvPr id="117" name="Shape 117"/>
+          <p:cNvPr id="111" name="Shape 111"/>
           <p:cNvSpPr txBox="1">
             <a:spLocks noGrp="1"/>
           </p:cNvSpPr>
@@ -978,7 +991,7 @@
     </p:spTree>
     <p:extLst>
       <p:ext uri="{BB962C8B-B14F-4D97-AF65-F5344CB8AC3E}">
-        <p14:creationId xmlns:p14="http://schemas.microsoft.com/office/powerpoint/2010/main" val="2417747484"/>
+        <p14:creationId xmlns:p14="http://schemas.microsoft.com/office/powerpoint/2010/main" val="3767122244"/>
       </p:ext>
     </p:extLst>
   </p:cSld>
@@ -993,7 +1006,7 @@
   <p:cSld>
     <p:spTree>
       <p:nvGrpSpPr>
-        <p:cNvPr id="1" name="Shape 121"/>
+        <p:cNvPr id="1" name="Shape 115"/>
         <p:cNvGrpSpPr/>
         <p:nvPr/>
       </p:nvGrpSpPr>
@@ -1007,7 +1020,7 @@
       </p:grpSpPr>
       <p:sp>
         <p:nvSpPr>
-          <p:cNvPr id="122" name="Shape 122"/>
+          <p:cNvPr id="116" name="Shape 116"/>
           <p:cNvSpPr>
             <a:spLocks noGrp="1" noRot="1" noChangeAspect="1"/>
           </p:cNvSpPr>
@@ -1058,7 +1071,7 @@
       </p:sp>
       <p:sp>
         <p:nvSpPr>
-          <p:cNvPr id="123" name="Shape 123"/>
+          <p:cNvPr id="117" name="Shape 117"/>
           <p:cNvSpPr txBox="1">
             <a:spLocks noGrp="1"/>
           </p:cNvSpPr>
@@ -1087,17 +1100,14 @@
               </a:spcBef>
               <a:buNone/>
             </a:pPr>
-            <a:r>
-              <a:rPr lang="en"/>
-              <a:t>The good part of this information is that most diamonds fall into the lower priced category. The downside my wife likes the ones on the right side of this histogram.</a:t>
-            </a:r>
+            <a:endParaRPr/>
           </a:p>
         </p:txBody>
       </p:sp>
     </p:spTree>
     <p:extLst>
       <p:ext uri="{BB962C8B-B14F-4D97-AF65-F5344CB8AC3E}">
-        <p14:creationId xmlns:p14="http://schemas.microsoft.com/office/powerpoint/2010/main" val="2201859521"/>
+        <p14:creationId xmlns:p14="http://schemas.microsoft.com/office/powerpoint/2010/main" val="2417747484"/>
       </p:ext>
     </p:extLst>
   </p:cSld>
@@ -1112,7 +1122,7 @@
   <p:cSld>
     <p:spTree>
       <p:nvGrpSpPr>
-        <p:cNvPr id="1" name="Shape 127"/>
+        <p:cNvPr id="1" name="Shape 121"/>
         <p:cNvGrpSpPr/>
         <p:nvPr/>
       </p:nvGrpSpPr>
@@ -1126,7 +1136,7 @@
       </p:grpSpPr>
       <p:sp>
         <p:nvSpPr>
-          <p:cNvPr id="128" name="Shape 128"/>
+          <p:cNvPr id="122" name="Shape 122"/>
           <p:cNvSpPr>
             <a:spLocks noGrp="1" noRot="1" noChangeAspect="1"/>
           </p:cNvSpPr>
@@ -1177,7 +1187,7 @@
       </p:sp>
       <p:sp>
         <p:nvSpPr>
-          <p:cNvPr id="129" name="Shape 129"/>
+          <p:cNvPr id="123" name="Shape 123"/>
           <p:cNvSpPr txBox="1">
             <a:spLocks noGrp="1"/>
           </p:cNvSpPr>
@@ -1206,14 +1216,17 @@
               </a:spcBef>
               <a:buNone/>
             </a:pPr>
-            <a:endParaRPr/>
+            <a:r>
+              <a:rPr lang="en"/>
+              <a:t>The good part of this information is that most diamonds fall into the lower priced category. The downside my wife likes the ones on the right side of this histogram.</a:t>
+            </a:r>
           </a:p>
         </p:txBody>
       </p:sp>
     </p:spTree>
     <p:extLst>
       <p:ext uri="{BB962C8B-B14F-4D97-AF65-F5344CB8AC3E}">
-        <p14:creationId xmlns:p14="http://schemas.microsoft.com/office/powerpoint/2010/main" val="3367675163"/>
+        <p14:creationId xmlns:p14="http://schemas.microsoft.com/office/powerpoint/2010/main" val="2201859521"/>
       </p:ext>
     </p:extLst>
   </p:cSld>
@@ -1228,7 +1241,7 @@
   <p:cSld>
     <p:spTree>
       <p:nvGrpSpPr>
-        <p:cNvPr id="1" name="Shape 133"/>
+        <p:cNvPr id="1" name="Shape 127"/>
         <p:cNvGrpSpPr/>
         <p:nvPr/>
       </p:nvGrpSpPr>
@@ -1242,7 +1255,7 @@
       </p:grpSpPr>
       <p:sp>
         <p:nvSpPr>
-          <p:cNvPr id="134" name="Shape 134"/>
+          <p:cNvPr id="128" name="Shape 128"/>
           <p:cNvSpPr>
             <a:spLocks noGrp="1" noRot="1" noChangeAspect="1"/>
           </p:cNvSpPr>
@@ -1293,7 +1306,7 @@
       </p:sp>
       <p:sp>
         <p:nvSpPr>
-          <p:cNvPr id="135" name="Shape 135"/>
+          <p:cNvPr id="129" name="Shape 129"/>
           <p:cNvSpPr txBox="1">
             <a:spLocks noGrp="1"/>
           </p:cNvSpPr>
@@ -1329,7 +1342,7 @@
     </p:spTree>
     <p:extLst>
       <p:ext uri="{BB962C8B-B14F-4D97-AF65-F5344CB8AC3E}">
-        <p14:creationId xmlns:p14="http://schemas.microsoft.com/office/powerpoint/2010/main" val="1797778111"/>
+        <p14:creationId xmlns:p14="http://schemas.microsoft.com/office/powerpoint/2010/main" val="3367675163"/>
       </p:ext>
     </p:extLst>
   </p:cSld>
@@ -1344,7 +1357,7 @@
   <p:cSld>
     <p:spTree>
       <p:nvGrpSpPr>
-        <p:cNvPr id="1" name="Shape 139"/>
+        <p:cNvPr id="1" name="Shape 133"/>
         <p:cNvGrpSpPr/>
         <p:nvPr/>
       </p:nvGrpSpPr>
@@ -1358,7 +1371,7 @@
       </p:grpSpPr>
       <p:sp>
         <p:nvSpPr>
-          <p:cNvPr id="140" name="Shape 140"/>
+          <p:cNvPr id="134" name="Shape 134"/>
           <p:cNvSpPr>
             <a:spLocks noGrp="1" noRot="1" noChangeAspect="1"/>
           </p:cNvSpPr>
@@ -1409,7 +1422,7 @@
       </p:sp>
       <p:sp>
         <p:nvSpPr>
-          <p:cNvPr id="141" name="Shape 141"/>
+          <p:cNvPr id="135" name="Shape 135"/>
           <p:cNvSpPr txBox="1">
             <a:spLocks noGrp="1"/>
           </p:cNvSpPr>
@@ -1445,7 +1458,7 @@
     </p:spTree>
     <p:extLst>
       <p:ext uri="{BB962C8B-B14F-4D97-AF65-F5344CB8AC3E}">
-        <p14:creationId xmlns:p14="http://schemas.microsoft.com/office/powerpoint/2010/main" val="4118119351"/>
+        <p14:creationId xmlns:p14="http://schemas.microsoft.com/office/powerpoint/2010/main" val="1797778111"/>
       </p:ext>
     </p:extLst>
   </p:cSld>
@@ -1460,7 +1473,7 @@
   <p:cSld>
     <p:spTree>
       <p:nvGrpSpPr>
-        <p:cNvPr id="1" name="Shape 145"/>
+        <p:cNvPr id="1" name="Shape 139"/>
         <p:cNvGrpSpPr/>
         <p:nvPr/>
       </p:nvGrpSpPr>
@@ -1474,7 +1487,7 @@
       </p:grpSpPr>
       <p:sp>
         <p:nvSpPr>
-          <p:cNvPr id="146" name="Shape 146"/>
+          <p:cNvPr id="140" name="Shape 140"/>
           <p:cNvSpPr>
             <a:spLocks noGrp="1" noRot="1" noChangeAspect="1"/>
           </p:cNvSpPr>
@@ -1525,7 +1538,7 @@
       </p:sp>
       <p:sp>
         <p:nvSpPr>
-          <p:cNvPr id="147" name="Shape 147"/>
+          <p:cNvPr id="141" name="Shape 141"/>
           <p:cNvSpPr txBox="1">
             <a:spLocks noGrp="1"/>
           </p:cNvSpPr>
@@ -1561,7 +1574,7 @@
     </p:spTree>
     <p:extLst>
       <p:ext uri="{BB962C8B-B14F-4D97-AF65-F5344CB8AC3E}">
-        <p14:creationId xmlns:p14="http://schemas.microsoft.com/office/powerpoint/2010/main" val="1542649036"/>
+        <p14:creationId xmlns:p14="http://schemas.microsoft.com/office/powerpoint/2010/main" val="4118119351"/>
       </p:ext>
     </p:extLst>
   </p:cSld>
@@ -1576,7 +1589,7 @@
   <p:cSld>
     <p:spTree>
       <p:nvGrpSpPr>
-        <p:cNvPr id="1" name="Shape 151"/>
+        <p:cNvPr id="1" name="Shape 145"/>
         <p:cNvGrpSpPr/>
         <p:nvPr/>
       </p:nvGrpSpPr>
@@ -1590,7 +1603,7 @@
       </p:grpSpPr>
       <p:sp>
         <p:nvSpPr>
-          <p:cNvPr id="152" name="Shape 152"/>
+          <p:cNvPr id="146" name="Shape 146"/>
           <p:cNvSpPr>
             <a:spLocks noGrp="1" noRot="1" noChangeAspect="1"/>
           </p:cNvSpPr>
@@ -1641,7 +1654,7 @@
       </p:sp>
       <p:sp>
         <p:nvSpPr>
-          <p:cNvPr id="153" name="Shape 153"/>
+          <p:cNvPr id="147" name="Shape 147"/>
           <p:cNvSpPr txBox="1">
             <a:spLocks noGrp="1"/>
           </p:cNvSpPr>
@@ -1677,7 +1690,7 @@
     </p:spTree>
     <p:extLst>
       <p:ext uri="{BB962C8B-B14F-4D97-AF65-F5344CB8AC3E}">
-        <p14:creationId xmlns:p14="http://schemas.microsoft.com/office/powerpoint/2010/main" val="481270864"/>
+        <p14:creationId xmlns:p14="http://schemas.microsoft.com/office/powerpoint/2010/main" val="1542649036"/>
       </p:ext>
     </p:extLst>
   </p:cSld>
@@ -1692,7 +1705,7 @@
   <p:cSld>
     <p:spTree>
       <p:nvGrpSpPr>
-        <p:cNvPr id="1" name="Shape 157"/>
+        <p:cNvPr id="1" name="Shape 151"/>
         <p:cNvGrpSpPr/>
         <p:nvPr/>
       </p:nvGrpSpPr>
@@ -1706,7 +1719,7 @@
       </p:grpSpPr>
       <p:sp>
         <p:nvSpPr>
-          <p:cNvPr id="158" name="Shape 158"/>
+          <p:cNvPr id="152" name="Shape 152"/>
           <p:cNvSpPr>
             <a:spLocks noGrp="1" noRot="1" noChangeAspect="1"/>
           </p:cNvSpPr>
@@ -1757,7 +1770,7 @@
       </p:sp>
       <p:sp>
         <p:nvSpPr>
-          <p:cNvPr id="159" name="Shape 159"/>
+          <p:cNvPr id="153" name="Shape 153"/>
           <p:cNvSpPr txBox="1">
             <a:spLocks noGrp="1"/>
           </p:cNvSpPr>
@@ -1793,7 +1806,7 @@
     </p:spTree>
     <p:extLst>
       <p:ext uri="{BB962C8B-B14F-4D97-AF65-F5344CB8AC3E}">
-        <p14:creationId xmlns:p14="http://schemas.microsoft.com/office/powerpoint/2010/main" val="951641301"/>
+        <p14:creationId xmlns:p14="http://schemas.microsoft.com/office/powerpoint/2010/main" val="481270864"/>
       </p:ext>
     </p:extLst>
   </p:cSld>
@@ -1804,11 +1817,11 @@
 </file>
 
 <file path=ppt/notesSlides/notesSlide2.xml><?xml version="1.0" encoding="utf-8"?>
-<p:notes xmlns:a="http://schemas.openxmlformats.org/drawingml/2006/main" xmlns:r="http://schemas.openxmlformats.org/officeDocument/2006/relationships" xmlns:p="http://schemas.openxmlformats.org/presentationml/2006/main" showMasterSp="0" showMasterPhAnim="0">
+<p:notes xmlns:a="http://schemas.openxmlformats.org/drawingml/2006/main" xmlns:r="http://schemas.openxmlformats.org/officeDocument/2006/relationships" xmlns:p="http://schemas.openxmlformats.org/presentationml/2006/main">
   <p:cSld>
     <p:spTree>
       <p:nvGrpSpPr>
-        <p:cNvPr id="1" name="Shape 56"/>
+        <p:cNvPr id="1" name=""/>
         <p:cNvGrpSpPr/>
         <p:nvPr/>
       </p:nvGrpSpPr>
@@ -1822,7 +1835,1153 @@
       </p:grpSpPr>
       <p:sp>
         <p:nvSpPr>
-          <p:cNvPr id="57" name="Shape 57"/>
+          <p:cNvPr id="54274" name="Rectangle 7"/>
+          <p:cNvSpPr>
+            <a:spLocks noGrp="1" noChangeArrowheads="1"/>
+          </p:cNvSpPr>
+          <p:nvPr>
+            <p:ph type="sldNum" sz="quarter" idx="5"/>
+          </p:nvPr>
+        </p:nvSpPr>
+        <p:spPr>
+          <a:xfrm>
+            <a:off x="3962846" y="8816396"/>
+            <a:ext cx="3031649" cy="464106"/>
+          </a:xfrm>
+          <a:prstGeom prst="rect">
+            <a:avLst/>
+          </a:prstGeom>
+          <a:noFill/>
+          <a:ln/>
+          <a:extLst>
+            <a:ext uri="{909E8E84-426E-40DD-AFC4-6F175D3DCCD1}">
+              <a14:hiddenFill xmlns:a14="http://schemas.microsoft.com/office/drawing/2010/main">
+                <a:solidFill>
+                  <a:srgbClr val="FFFFFF"/>
+                </a:solidFill>
+              </a14:hiddenFill>
+            </a:ext>
+            <a:ext uri="{91240B29-F687-4F45-9708-019B960494DF}">
+              <a14:hiddenLine xmlns:a14="http://schemas.microsoft.com/office/drawing/2010/main" w="9525">
+                <a:solidFill>
+                  <a:srgbClr val="000000"/>
+                </a:solidFill>
+                <a:miter lim="800000"/>
+                <a:headEnd/>
+                <a:tailEnd/>
+              </a14:hiddenLine>
+            </a:ext>
+          </a:extLst>
+        </p:spPr>
+        <p:txBody>
+          <a:bodyPr/>
+          <a:lstStyle>
+            <a:lvl1pPr defTabSz="930165" eaLnBrk="0" hangingPunct="0">
+              <a:defRPr sz="3200">
+                <a:solidFill>
+                  <a:schemeClr val="tx1"/>
+                </a:solidFill>
+                <a:latin typeface="Arial" pitchFamily="34" charset="0"/>
+              </a:defRPr>
+            </a:lvl1pPr>
+            <a:lvl2pPr marL="741597" indent="-285229" defTabSz="930165" eaLnBrk="0" hangingPunct="0">
+              <a:defRPr sz="3200">
+                <a:solidFill>
+                  <a:schemeClr val="tx1"/>
+                </a:solidFill>
+                <a:latin typeface="Arial" pitchFamily="34" charset="0"/>
+              </a:defRPr>
+            </a:lvl2pPr>
+            <a:lvl3pPr marL="1140918" indent="-228183" defTabSz="930165" eaLnBrk="0" hangingPunct="0">
+              <a:defRPr sz="3200">
+                <a:solidFill>
+                  <a:schemeClr val="tx1"/>
+                </a:solidFill>
+                <a:latin typeface="Arial" pitchFamily="34" charset="0"/>
+              </a:defRPr>
+            </a:lvl3pPr>
+            <a:lvl4pPr marL="1597285" indent="-228183" defTabSz="930165" eaLnBrk="0" hangingPunct="0">
+              <a:defRPr sz="3200">
+                <a:solidFill>
+                  <a:schemeClr val="tx1"/>
+                </a:solidFill>
+                <a:latin typeface="Arial" pitchFamily="34" charset="0"/>
+              </a:defRPr>
+            </a:lvl4pPr>
+            <a:lvl5pPr marL="2053653" indent="-228183" defTabSz="930165" eaLnBrk="0" hangingPunct="0">
+              <a:defRPr sz="3200">
+                <a:solidFill>
+                  <a:schemeClr val="tx1"/>
+                </a:solidFill>
+                <a:latin typeface="Arial" pitchFamily="34" charset="0"/>
+              </a:defRPr>
+            </a:lvl5pPr>
+            <a:lvl6pPr marL="2510019" indent="-228183" algn="ctr" defTabSz="930165" eaLnBrk="0" fontAlgn="base" hangingPunct="0">
+              <a:lnSpc>
+                <a:spcPct val="90000"/>
+              </a:lnSpc>
+              <a:spcBef>
+                <a:spcPct val="50000"/>
+              </a:spcBef>
+              <a:spcAft>
+                <a:spcPct val="0"/>
+              </a:spcAft>
+              <a:buClr>
+                <a:schemeClr val="accent1"/>
+              </a:buClr>
+              <a:defRPr sz="3200">
+                <a:solidFill>
+                  <a:schemeClr val="tx1"/>
+                </a:solidFill>
+                <a:latin typeface="Arial" pitchFamily="34" charset="0"/>
+              </a:defRPr>
+            </a:lvl6pPr>
+            <a:lvl7pPr marL="2966386" indent="-228183" algn="ctr" defTabSz="930165" eaLnBrk="0" fontAlgn="base" hangingPunct="0">
+              <a:lnSpc>
+                <a:spcPct val="90000"/>
+              </a:lnSpc>
+              <a:spcBef>
+                <a:spcPct val="50000"/>
+              </a:spcBef>
+              <a:spcAft>
+                <a:spcPct val="0"/>
+              </a:spcAft>
+              <a:buClr>
+                <a:schemeClr val="accent1"/>
+              </a:buClr>
+              <a:defRPr sz="3200">
+                <a:solidFill>
+                  <a:schemeClr val="tx1"/>
+                </a:solidFill>
+                <a:latin typeface="Arial" pitchFamily="34" charset="0"/>
+              </a:defRPr>
+            </a:lvl7pPr>
+            <a:lvl8pPr marL="3422754" indent="-228183" algn="ctr" defTabSz="930165" eaLnBrk="0" fontAlgn="base" hangingPunct="0">
+              <a:lnSpc>
+                <a:spcPct val="90000"/>
+              </a:lnSpc>
+              <a:spcBef>
+                <a:spcPct val="50000"/>
+              </a:spcBef>
+              <a:spcAft>
+                <a:spcPct val="0"/>
+              </a:spcAft>
+              <a:buClr>
+                <a:schemeClr val="accent1"/>
+              </a:buClr>
+              <a:defRPr sz="3200">
+                <a:solidFill>
+                  <a:schemeClr val="tx1"/>
+                </a:solidFill>
+                <a:latin typeface="Arial" pitchFamily="34" charset="0"/>
+              </a:defRPr>
+            </a:lvl8pPr>
+            <a:lvl9pPr marL="3879121" indent="-228183" algn="ctr" defTabSz="930165" eaLnBrk="0" fontAlgn="base" hangingPunct="0">
+              <a:lnSpc>
+                <a:spcPct val="90000"/>
+              </a:lnSpc>
+              <a:spcBef>
+                <a:spcPct val="50000"/>
+              </a:spcBef>
+              <a:spcAft>
+                <a:spcPct val="0"/>
+              </a:spcAft>
+              <a:buClr>
+                <a:schemeClr val="accent1"/>
+              </a:buClr>
+              <a:defRPr sz="3200">
+                <a:solidFill>
+                  <a:schemeClr val="tx1"/>
+                </a:solidFill>
+                <a:latin typeface="Arial" pitchFamily="34" charset="0"/>
+              </a:defRPr>
+            </a:lvl9pPr>
+          </a:lstStyle>
+          <a:p>
+            <a:fld id="{FD078407-2267-483E-BCDD-70A4C335E902}" type="slidenum">
+              <a:rPr lang="en-US" sz="1200">
+                <a:latin typeface="Times" pitchFamily="18" charset="0"/>
+              </a:rPr>
+              <a:pPr/>
+              <a:t>2</a:t>
+            </a:fld>
+            <a:endParaRPr lang="en-US" sz="1200">
+              <a:latin typeface="Times" pitchFamily="18" charset="0"/>
+            </a:endParaRPr>
+          </a:p>
+        </p:txBody>
+      </p:sp>
+      <p:sp>
+        <p:nvSpPr>
+          <p:cNvPr id="54275" name="Rectangle 3"/>
+          <p:cNvSpPr txBox="1">
+            <a:spLocks noGrp="1" noChangeArrowheads="1"/>
+          </p:cNvSpPr>
+          <p:nvPr/>
+        </p:nvSpPr>
+        <p:spPr bwMode="auto">
+          <a:xfrm>
+            <a:off x="3962248" y="1"/>
+            <a:ext cx="3032282" cy="464423"/>
+          </a:xfrm>
+          <a:prstGeom prst="rect">
+            <a:avLst/>
+          </a:prstGeom>
+          <a:noFill/>
+          <a:ln>
+            <a:noFill/>
+          </a:ln>
+          <a:extLst>
+            <a:ext uri="{909E8E84-426E-40DD-AFC4-6F175D3DCCD1}">
+              <a14:hiddenFill xmlns:a14="http://schemas.microsoft.com/office/drawing/2010/main">
+                <a:solidFill>
+                  <a:srgbClr val="FFFFFF"/>
+                </a:solidFill>
+              </a14:hiddenFill>
+            </a:ext>
+            <a:ext uri="{91240B29-F687-4F45-9708-019B960494DF}">
+              <a14:hiddenLine xmlns:a14="http://schemas.microsoft.com/office/drawing/2010/main" w="9525">
+                <a:solidFill>
+                  <a:srgbClr val="000000"/>
+                </a:solidFill>
+                <a:miter lim="800000"/>
+                <a:headEnd/>
+                <a:tailEnd/>
+              </a14:hiddenLine>
+            </a:ext>
+          </a:extLst>
+        </p:spPr>
+        <p:txBody>
+          <a:bodyPr lIns="93760" tIns="46881" rIns="93760" bIns="46881"/>
+          <a:lstStyle>
+            <a:lvl1pPr defTabSz="939800" eaLnBrk="0" hangingPunct="0">
+              <a:defRPr sz="3200">
+                <a:solidFill>
+                  <a:schemeClr val="tx1"/>
+                </a:solidFill>
+                <a:latin typeface="Arial" pitchFamily="34" charset="0"/>
+              </a:defRPr>
+            </a:lvl1pPr>
+            <a:lvl2pPr marL="742950" indent="-285750" defTabSz="939800" eaLnBrk="0" hangingPunct="0">
+              <a:defRPr sz="3200">
+                <a:solidFill>
+                  <a:schemeClr val="tx1"/>
+                </a:solidFill>
+                <a:latin typeface="Arial" pitchFamily="34" charset="0"/>
+              </a:defRPr>
+            </a:lvl2pPr>
+            <a:lvl3pPr marL="1143000" indent="-228600" defTabSz="939800" eaLnBrk="0" hangingPunct="0">
+              <a:defRPr sz="3200">
+                <a:solidFill>
+                  <a:schemeClr val="tx1"/>
+                </a:solidFill>
+                <a:latin typeface="Arial" pitchFamily="34" charset="0"/>
+              </a:defRPr>
+            </a:lvl3pPr>
+            <a:lvl4pPr marL="1600200" indent="-228600" defTabSz="939800" eaLnBrk="0" hangingPunct="0">
+              <a:defRPr sz="3200">
+                <a:solidFill>
+                  <a:schemeClr val="tx1"/>
+                </a:solidFill>
+                <a:latin typeface="Arial" pitchFamily="34" charset="0"/>
+              </a:defRPr>
+            </a:lvl4pPr>
+            <a:lvl5pPr marL="2057400" indent="-228600" defTabSz="939800" eaLnBrk="0" hangingPunct="0">
+              <a:defRPr sz="3200">
+                <a:solidFill>
+                  <a:schemeClr val="tx1"/>
+                </a:solidFill>
+                <a:latin typeface="Arial" pitchFamily="34" charset="0"/>
+              </a:defRPr>
+            </a:lvl5pPr>
+            <a:lvl6pPr marL="2514600" indent="-228600" algn="ctr" defTabSz="939800" eaLnBrk="0" fontAlgn="base" hangingPunct="0">
+              <a:lnSpc>
+                <a:spcPct val="90000"/>
+              </a:lnSpc>
+              <a:spcBef>
+                <a:spcPct val="50000"/>
+              </a:spcBef>
+              <a:spcAft>
+                <a:spcPct val="0"/>
+              </a:spcAft>
+              <a:buClr>
+                <a:schemeClr val="accent1"/>
+              </a:buClr>
+              <a:defRPr sz="3200">
+                <a:solidFill>
+                  <a:schemeClr val="tx1"/>
+                </a:solidFill>
+                <a:latin typeface="Arial" pitchFamily="34" charset="0"/>
+              </a:defRPr>
+            </a:lvl6pPr>
+            <a:lvl7pPr marL="2971800" indent="-228600" algn="ctr" defTabSz="939800" eaLnBrk="0" fontAlgn="base" hangingPunct="0">
+              <a:lnSpc>
+                <a:spcPct val="90000"/>
+              </a:lnSpc>
+              <a:spcBef>
+                <a:spcPct val="50000"/>
+              </a:spcBef>
+              <a:spcAft>
+                <a:spcPct val="0"/>
+              </a:spcAft>
+              <a:buClr>
+                <a:schemeClr val="accent1"/>
+              </a:buClr>
+              <a:defRPr sz="3200">
+                <a:solidFill>
+                  <a:schemeClr val="tx1"/>
+                </a:solidFill>
+                <a:latin typeface="Arial" pitchFamily="34" charset="0"/>
+              </a:defRPr>
+            </a:lvl7pPr>
+            <a:lvl8pPr marL="3429000" indent="-228600" algn="ctr" defTabSz="939800" eaLnBrk="0" fontAlgn="base" hangingPunct="0">
+              <a:lnSpc>
+                <a:spcPct val="90000"/>
+              </a:lnSpc>
+              <a:spcBef>
+                <a:spcPct val="50000"/>
+              </a:spcBef>
+              <a:spcAft>
+                <a:spcPct val="0"/>
+              </a:spcAft>
+              <a:buClr>
+                <a:schemeClr val="accent1"/>
+              </a:buClr>
+              <a:defRPr sz="3200">
+                <a:solidFill>
+                  <a:schemeClr val="tx1"/>
+                </a:solidFill>
+                <a:latin typeface="Arial" pitchFamily="34" charset="0"/>
+              </a:defRPr>
+            </a:lvl8pPr>
+            <a:lvl9pPr marL="3886200" indent="-228600" algn="ctr" defTabSz="939800" eaLnBrk="0" fontAlgn="base" hangingPunct="0">
+              <a:lnSpc>
+                <a:spcPct val="90000"/>
+              </a:lnSpc>
+              <a:spcBef>
+                <a:spcPct val="50000"/>
+              </a:spcBef>
+              <a:spcAft>
+                <a:spcPct val="0"/>
+              </a:spcAft>
+              <a:buClr>
+                <a:schemeClr val="accent1"/>
+              </a:buClr>
+              <a:defRPr sz="3200">
+                <a:solidFill>
+                  <a:schemeClr val="tx1"/>
+                </a:solidFill>
+                <a:latin typeface="Arial" pitchFamily="34" charset="0"/>
+              </a:defRPr>
+            </a:lvl9pPr>
+          </a:lstStyle>
+          <a:p>
+            <a:pPr algn="r" eaLnBrk="1" hangingPunct="1">
+              <a:lnSpc>
+                <a:spcPct val="100000"/>
+              </a:lnSpc>
+              <a:spcBef>
+                <a:spcPct val="0"/>
+              </a:spcBef>
+              <a:buClrTx/>
+            </a:pPr>
+            <a:fld id="{08DA9A12-02AD-4E8E-B26C-6446E9DFDD9C}" type="datetime1">
+              <a:rPr lang="en-US" sz="1200">
+                <a:cs typeface="Arial" pitchFamily="34" charset="0"/>
+              </a:rPr>
+              <a:pPr algn="r" eaLnBrk="1" hangingPunct="1">
+                <a:lnSpc>
+                  <a:spcPct val="100000"/>
+                </a:lnSpc>
+                <a:spcBef>
+                  <a:spcPct val="0"/>
+                </a:spcBef>
+                <a:buClrTx/>
+              </a:pPr>
+              <a:t>1/15/2015</a:t>
+            </a:fld>
+            <a:endParaRPr lang="en-US" sz="1200">
+              <a:cs typeface="Arial" pitchFamily="34" charset="0"/>
+            </a:endParaRPr>
+          </a:p>
+        </p:txBody>
+      </p:sp>
+      <p:sp>
+        <p:nvSpPr>
+          <p:cNvPr id="54276" name="Rectangle 6"/>
+          <p:cNvSpPr txBox="1">
+            <a:spLocks noGrp="1" noChangeArrowheads="1"/>
+          </p:cNvSpPr>
+          <p:nvPr/>
+        </p:nvSpPr>
+        <p:spPr bwMode="auto">
+          <a:xfrm>
+            <a:off x="2" y="8816106"/>
+            <a:ext cx="3032282" cy="464423"/>
+          </a:xfrm>
+          <a:prstGeom prst="rect">
+            <a:avLst/>
+          </a:prstGeom>
+          <a:noFill/>
+          <a:ln>
+            <a:noFill/>
+          </a:ln>
+          <a:extLst>
+            <a:ext uri="{909E8E84-426E-40DD-AFC4-6F175D3DCCD1}">
+              <a14:hiddenFill xmlns:a14="http://schemas.microsoft.com/office/drawing/2010/main">
+                <a:solidFill>
+                  <a:srgbClr val="FFFFFF"/>
+                </a:solidFill>
+              </a14:hiddenFill>
+            </a:ext>
+            <a:ext uri="{91240B29-F687-4F45-9708-019B960494DF}">
+              <a14:hiddenLine xmlns:a14="http://schemas.microsoft.com/office/drawing/2010/main" w="9525">
+                <a:solidFill>
+                  <a:srgbClr val="000000"/>
+                </a:solidFill>
+                <a:miter lim="800000"/>
+                <a:headEnd/>
+                <a:tailEnd/>
+              </a14:hiddenLine>
+            </a:ext>
+          </a:extLst>
+        </p:spPr>
+        <p:txBody>
+          <a:bodyPr lIns="93760" tIns="46881" rIns="93760" bIns="46881" anchor="b"/>
+          <a:lstStyle>
+            <a:lvl1pPr defTabSz="939800" eaLnBrk="0" hangingPunct="0">
+              <a:defRPr sz="3200">
+                <a:solidFill>
+                  <a:schemeClr val="tx1"/>
+                </a:solidFill>
+                <a:latin typeface="Arial" pitchFamily="34" charset="0"/>
+              </a:defRPr>
+            </a:lvl1pPr>
+            <a:lvl2pPr marL="742950" indent="-285750" defTabSz="939800" eaLnBrk="0" hangingPunct="0">
+              <a:defRPr sz="3200">
+                <a:solidFill>
+                  <a:schemeClr val="tx1"/>
+                </a:solidFill>
+                <a:latin typeface="Arial" pitchFamily="34" charset="0"/>
+              </a:defRPr>
+            </a:lvl2pPr>
+            <a:lvl3pPr marL="1143000" indent="-228600" defTabSz="939800" eaLnBrk="0" hangingPunct="0">
+              <a:defRPr sz="3200">
+                <a:solidFill>
+                  <a:schemeClr val="tx1"/>
+                </a:solidFill>
+                <a:latin typeface="Arial" pitchFamily="34" charset="0"/>
+              </a:defRPr>
+            </a:lvl3pPr>
+            <a:lvl4pPr marL="1600200" indent="-228600" defTabSz="939800" eaLnBrk="0" hangingPunct="0">
+              <a:defRPr sz="3200">
+                <a:solidFill>
+                  <a:schemeClr val="tx1"/>
+                </a:solidFill>
+                <a:latin typeface="Arial" pitchFamily="34" charset="0"/>
+              </a:defRPr>
+            </a:lvl4pPr>
+            <a:lvl5pPr marL="2057400" indent="-228600" defTabSz="939800" eaLnBrk="0" hangingPunct="0">
+              <a:defRPr sz="3200">
+                <a:solidFill>
+                  <a:schemeClr val="tx1"/>
+                </a:solidFill>
+                <a:latin typeface="Arial" pitchFamily="34" charset="0"/>
+              </a:defRPr>
+            </a:lvl5pPr>
+            <a:lvl6pPr marL="2514600" indent="-228600" algn="ctr" defTabSz="939800" eaLnBrk="0" fontAlgn="base" hangingPunct="0">
+              <a:lnSpc>
+                <a:spcPct val="90000"/>
+              </a:lnSpc>
+              <a:spcBef>
+                <a:spcPct val="50000"/>
+              </a:spcBef>
+              <a:spcAft>
+                <a:spcPct val="0"/>
+              </a:spcAft>
+              <a:buClr>
+                <a:schemeClr val="accent1"/>
+              </a:buClr>
+              <a:defRPr sz="3200">
+                <a:solidFill>
+                  <a:schemeClr val="tx1"/>
+                </a:solidFill>
+                <a:latin typeface="Arial" pitchFamily="34" charset="0"/>
+              </a:defRPr>
+            </a:lvl6pPr>
+            <a:lvl7pPr marL="2971800" indent="-228600" algn="ctr" defTabSz="939800" eaLnBrk="0" fontAlgn="base" hangingPunct="0">
+              <a:lnSpc>
+                <a:spcPct val="90000"/>
+              </a:lnSpc>
+              <a:spcBef>
+                <a:spcPct val="50000"/>
+              </a:spcBef>
+              <a:spcAft>
+                <a:spcPct val="0"/>
+              </a:spcAft>
+              <a:buClr>
+                <a:schemeClr val="accent1"/>
+              </a:buClr>
+              <a:defRPr sz="3200">
+                <a:solidFill>
+                  <a:schemeClr val="tx1"/>
+                </a:solidFill>
+                <a:latin typeface="Arial" pitchFamily="34" charset="0"/>
+              </a:defRPr>
+            </a:lvl7pPr>
+            <a:lvl8pPr marL="3429000" indent="-228600" algn="ctr" defTabSz="939800" eaLnBrk="0" fontAlgn="base" hangingPunct="0">
+              <a:lnSpc>
+                <a:spcPct val="90000"/>
+              </a:lnSpc>
+              <a:spcBef>
+                <a:spcPct val="50000"/>
+              </a:spcBef>
+              <a:spcAft>
+                <a:spcPct val="0"/>
+              </a:spcAft>
+              <a:buClr>
+                <a:schemeClr val="accent1"/>
+              </a:buClr>
+              <a:defRPr sz="3200">
+                <a:solidFill>
+                  <a:schemeClr val="tx1"/>
+                </a:solidFill>
+                <a:latin typeface="Arial" pitchFamily="34" charset="0"/>
+              </a:defRPr>
+            </a:lvl8pPr>
+            <a:lvl9pPr marL="3886200" indent="-228600" algn="ctr" defTabSz="939800" eaLnBrk="0" fontAlgn="base" hangingPunct="0">
+              <a:lnSpc>
+                <a:spcPct val="90000"/>
+              </a:lnSpc>
+              <a:spcBef>
+                <a:spcPct val="50000"/>
+              </a:spcBef>
+              <a:spcAft>
+                <a:spcPct val="0"/>
+              </a:spcAft>
+              <a:buClr>
+                <a:schemeClr val="accent1"/>
+              </a:buClr>
+              <a:defRPr sz="3200">
+                <a:solidFill>
+                  <a:schemeClr val="tx1"/>
+                </a:solidFill>
+                <a:latin typeface="Arial" pitchFamily="34" charset="0"/>
+              </a:defRPr>
+            </a:lvl9pPr>
+          </a:lstStyle>
+          <a:p>
+            <a:pPr algn="l" eaLnBrk="1" hangingPunct="1">
+              <a:lnSpc>
+                <a:spcPct val="100000"/>
+              </a:lnSpc>
+              <a:spcBef>
+                <a:spcPct val="0"/>
+              </a:spcBef>
+              <a:buClrTx/>
+            </a:pPr>
+            <a:r>
+              <a:rPr lang="en-US" sz="1200">
+                <a:cs typeface="Arial" pitchFamily="34" charset="0"/>
+              </a:rPr>
+              <a:t>Oracle Confidential</a:t>
+            </a:r>
+          </a:p>
+        </p:txBody>
+      </p:sp>
+      <p:sp>
+        <p:nvSpPr>
+          <p:cNvPr id="54277" name="Rectangle 7"/>
+          <p:cNvSpPr txBox="1">
+            <a:spLocks noGrp="1" noChangeArrowheads="1"/>
+          </p:cNvSpPr>
+          <p:nvPr/>
+        </p:nvSpPr>
+        <p:spPr bwMode="auto">
+          <a:xfrm>
+            <a:off x="3962248" y="8816106"/>
+            <a:ext cx="3032282" cy="464423"/>
+          </a:xfrm>
+          <a:prstGeom prst="rect">
+            <a:avLst/>
+          </a:prstGeom>
+          <a:noFill/>
+          <a:ln>
+            <a:noFill/>
+          </a:ln>
+          <a:extLst>
+            <a:ext uri="{909E8E84-426E-40DD-AFC4-6F175D3DCCD1}">
+              <a14:hiddenFill xmlns:a14="http://schemas.microsoft.com/office/drawing/2010/main">
+                <a:solidFill>
+                  <a:srgbClr val="FFFFFF"/>
+                </a:solidFill>
+              </a14:hiddenFill>
+            </a:ext>
+            <a:ext uri="{91240B29-F687-4F45-9708-019B960494DF}">
+              <a14:hiddenLine xmlns:a14="http://schemas.microsoft.com/office/drawing/2010/main" w="9525">
+                <a:solidFill>
+                  <a:srgbClr val="000000"/>
+                </a:solidFill>
+                <a:miter lim="800000"/>
+                <a:headEnd/>
+                <a:tailEnd/>
+              </a14:hiddenLine>
+            </a:ext>
+          </a:extLst>
+        </p:spPr>
+        <p:txBody>
+          <a:bodyPr lIns="93760" tIns="46881" rIns="93760" bIns="46881" anchor="b"/>
+          <a:lstStyle>
+            <a:lvl1pPr defTabSz="939800" eaLnBrk="0" hangingPunct="0">
+              <a:defRPr sz="3200">
+                <a:solidFill>
+                  <a:schemeClr val="tx1"/>
+                </a:solidFill>
+                <a:latin typeface="Arial" pitchFamily="34" charset="0"/>
+              </a:defRPr>
+            </a:lvl1pPr>
+            <a:lvl2pPr marL="742950" indent="-285750" defTabSz="939800" eaLnBrk="0" hangingPunct="0">
+              <a:defRPr sz="3200">
+                <a:solidFill>
+                  <a:schemeClr val="tx1"/>
+                </a:solidFill>
+                <a:latin typeface="Arial" pitchFamily="34" charset="0"/>
+              </a:defRPr>
+            </a:lvl2pPr>
+            <a:lvl3pPr marL="1143000" indent="-228600" defTabSz="939800" eaLnBrk="0" hangingPunct="0">
+              <a:defRPr sz="3200">
+                <a:solidFill>
+                  <a:schemeClr val="tx1"/>
+                </a:solidFill>
+                <a:latin typeface="Arial" pitchFamily="34" charset="0"/>
+              </a:defRPr>
+            </a:lvl3pPr>
+            <a:lvl4pPr marL="1600200" indent="-228600" defTabSz="939800" eaLnBrk="0" hangingPunct="0">
+              <a:defRPr sz="3200">
+                <a:solidFill>
+                  <a:schemeClr val="tx1"/>
+                </a:solidFill>
+                <a:latin typeface="Arial" pitchFamily="34" charset="0"/>
+              </a:defRPr>
+            </a:lvl4pPr>
+            <a:lvl5pPr marL="2057400" indent="-228600" defTabSz="939800" eaLnBrk="0" hangingPunct="0">
+              <a:defRPr sz="3200">
+                <a:solidFill>
+                  <a:schemeClr val="tx1"/>
+                </a:solidFill>
+                <a:latin typeface="Arial" pitchFamily="34" charset="0"/>
+              </a:defRPr>
+            </a:lvl5pPr>
+            <a:lvl6pPr marL="2514600" indent="-228600" algn="ctr" defTabSz="939800" eaLnBrk="0" fontAlgn="base" hangingPunct="0">
+              <a:lnSpc>
+                <a:spcPct val="90000"/>
+              </a:lnSpc>
+              <a:spcBef>
+                <a:spcPct val="50000"/>
+              </a:spcBef>
+              <a:spcAft>
+                <a:spcPct val="0"/>
+              </a:spcAft>
+              <a:buClr>
+                <a:schemeClr val="accent1"/>
+              </a:buClr>
+              <a:defRPr sz="3200">
+                <a:solidFill>
+                  <a:schemeClr val="tx1"/>
+                </a:solidFill>
+                <a:latin typeface="Arial" pitchFamily="34" charset="0"/>
+              </a:defRPr>
+            </a:lvl6pPr>
+            <a:lvl7pPr marL="2971800" indent="-228600" algn="ctr" defTabSz="939800" eaLnBrk="0" fontAlgn="base" hangingPunct="0">
+              <a:lnSpc>
+                <a:spcPct val="90000"/>
+              </a:lnSpc>
+              <a:spcBef>
+                <a:spcPct val="50000"/>
+              </a:spcBef>
+              <a:spcAft>
+                <a:spcPct val="0"/>
+              </a:spcAft>
+              <a:buClr>
+                <a:schemeClr val="accent1"/>
+              </a:buClr>
+              <a:defRPr sz="3200">
+                <a:solidFill>
+                  <a:schemeClr val="tx1"/>
+                </a:solidFill>
+                <a:latin typeface="Arial" pitchFamily="34" charset="0"/>
+              </a:defRPr>
+            </a:lvl7pPr>
+            <a:lvl8pPr marL="3429000" indent="-228600" algn="ctr" defTabSz="939800" eaLnBrk="0" fontAlgn="base" hangingPunct="0">
+              <a:lnSpc>
+                <a:spcPct val="90000"/>
+              </a:lnSpc>
+              <a:spcBef>
+                <a:spcPct val="50000"/>
+              </a:spcBef>
+              <a:spcAft>
+                <a:spcPct val="0"/>
+              </a:spcAft>
+              <a:buClr>
+                <a:schemeClr val="accent1"/>
+              </a:buClr>
+              <a:defRPr sz="3200">
+                <a:solidFill>
+                  <a:schemeClr val="tx1"/>
+                </a:solidFill>
+                <a:latin typeface="Arial" pitchFamily="34" charset="0"/>
+              </a:defRPr>
+            </a:lvl8pPr>
+            <a:lvl9pPr marL="3886200" indent="-228600" algn="ctr" defTabSz="939800" eaLnBrk="0" fontAlgn="base" hangingPunct="0">
+              <a:lnSpc>
+                <a:spcPct val="90000"/>
+              </a:lnSpc>
+              <a:spcBef>
+                <a:spcPct val="50000"/>
+              </a:spcBef>
+              <a:spcAft>
+                <a:spcPct val="0"/>
+              </a:spcAft>
+              <a:buClr>
+                <a:schemeClr val="accent1"/>
+              </a:buClr>
+              <a:defRPr sz="3200">
+                <a:solidFill>
+                  <a:schemeClr val="tx1"/>
+                </a:solidFill>
+                <a:latin typeface="Arial" pitchFamily="34" charset="0"/>
+              </a:defRPr>
+            </a:lvl9pPr>
+          </a:lstStyle>
+          <a:p>
+            <a:pPr algn="r" eaLnBrk="1" hangingPunct="1">
+              <a:lnSpc>
+                <a:spcPct val="100000"/>
+              </a:lnSpc>
+              <a:spcBef>
+                <a:spcPct val="0"/>
+              </a:spcBef>
+              <a:buClrTx/>
+            </a:pPr>
+            <a:fld id="{5D6301F1-7C1D-4065-A150-1BA251FFBF6B}" type="slidenum">
+              <a:rPr lang="en-US" sz="1200">
+                <a:cs typeface="Arial" pitchFamily="34" charset="0"/>
+              </a:rPr>
+              <a:pPr algn="r" eaLnBrk="1" hangingPunct="1">
+                <a:lnSpc>
+                  <a:spcPct val="100000"/>
+                </a:lnSpc>
+                <a:spcBef>
+                  <a:spcPct val="0"/>
+                </a:spcBef>
+                <a:buClrTx/>
+              </a:pPr>
+              <a:t>2</a:t>
+            </a:fld>
+            <a:endParaRPr lang="en-US" sz="1200">
+              <a:cs typeface="Arial" pitchFamily="34" charset="0"/>
+            </a:endParaRPr>
+          </a:p>
+        </p:txBody>
+      </p:sp>
+      <p:sp>
+        <p:nvSpPr>
+          <p:cNvPr id="54278" name="Rectangle 2"/>
+          <p:cNvSpPr>
+            <a:spLocks noGrp="1" noRot="1" noChangeAspect="1" noChangeArrowheads="1" noTextEdit="1"/>
+          </p:cNvSpPr>
+          <p:nvPr>
+            <p:ph type="sldImg"/>
+          </p:nvPr>
+        </p:nvSpPr>
+        <p:spPr>
+          <a:xfrm>
+            <a:off x="406400" y="696913"/>
+            <a:ext cx="6184900" cy="3479800"/>
+          </a:xfrm>
+          <a:ln/>
+        </p:spPr>
+      </p:sp>
+      <p:sp>
+        <p:nvSpPr>
+          <p:cNvPr id="54279" name="Rectangle 3"/>
+          <p:cNvSpPr>
+            <a:spLocks noGrp="1" noChangeArrowheads="1"/>
+          </p:cNvSpPr>
+          <p:nvPr>
+            <p:ph type="body" idx="1"/>
+          </p:nvPr>
+        </p:nvSpPr>
+        <p:spPr>
+          <a:xfrm>
+            <a:off x="700245" y="4409638"/>
+            <a:ext cx="5595623" cy="4176634"/>
+          </a:xfrm>
+          <a:noFill/>
+          <a:ln/>
+          <a:extLst>
+            <a:ext uri="{909E8E84-426E-40DD-AFC4-6F175D3DCCD1}">
+              <a14:hiddenFill xmlns:a14="http://schemas.microsoft.com/office/drawing/2010/main">
+                <a:solidFill>
+                  <a:srgbClr val="FFFFFF"/>
+                </a:solidFill>
+              </a14:hiddenFill>
+            </a:ext>
+            <a:ext uri="{91240B29-F687-4F45-9708-019B960494DF}">
+              <a14:hiddenLine xmlns:a14="http://schemas.microsoft.com/office/drawing/2010/main" w="9525">
+                <a:solidFill>
+                  <a:srgbClr val="000000"/>
+                </a:solidFill>
+                <a:miter lim="800000"/>
+                <a:headEnd/>
+                <a:tailEnd/>
+              </a14:hiddenLine>
+            </a:ext>
+          </a:extLst>
+        </p:spPr>
+        <p:txBody>
+          <a:bodyPr lIns="93760" tIns="46881" rIns="93760" bIns="46881"/>
+          <a:lstStyle/>
+          <a:p>
+            <a:pPr marL="171450" marR="0" lvl="0" indent="-171450" algn="l" defTabSz="914400" rtl="0" eaLnBrk="1" fontAlgn="auto" latinLnBrk="0" hangingPunct="1">
+              <a:lnSpc>
+                <a:spcPct val="100000"/>
+              </a:lnSpc>
+              <a:spcBef>
+                <a:spcPts val="0"/>
+              </a:spcBef>
+              <a:spcAft>
+                <a:spcPts val="0"/>
+              </a:spcAft>
+              <a:buClrTx/>
+              <a:buSzTx/>
+              <a:buFont typeface="Arial" pitchFamily="34" charset="0"/>
+              <a:buChar char="•"/>
+              <a:tabLst/>
+              <a:defRPr/>
+            </a:pPr>
+            <a:r>
+              <a:rPr lang="en-US" sz="1200" kern="1200" dirty="0" smtClean="0">
+                <a:solidFill>
+                  <a:schemeClr val="tx1"/>
+                </a:solidFill>
+                <a:effectLst/>
+                <a:latin typeface="+mn-lt"/>
+                <a:ea typeface="+mn-ea"/>
+                <a:cs typeface="+mn-cs"/>
+              </a:rPr>
+              <a:t>The problem is</a:t>
+            </a:r>
+            <a:r>
+              <a:rPr lang="en-US" sz="1200" kern="1200" baseline="0" dirty="0" smtClean="0">
+                <a:solidFill>
+                  <a:schemeClr val="tx1"/>
+                </a:solidFill>
+                <a:effectLst/>
+                <a:latin typeface="+mn-lt"/>
+                <a:ea typeface="+mn-ea"/>
+                <a:cs typeface="+mn-cs"/>
+              </a:rPr>
+              <a:t> the world’s ability to produce data has outstripped most organizations’ ability to use it.</a:t>
+            </a:r>
+            <a:endParaRPr lang="en-US" sz="1200" kern="1200" dirty="0" smtClean="0">
+              <a:solidFill>
+                <a:schemeClr val="tx1"/>
+              </a:solidFill>
+              <a:effectLst/>
+              <a:latin typeface="+mn-lt"/>
+              <a:ea typeface="+mn-ea"/>
+              <a:cs typeface="+mn-cs"/>
+            </a:endParaRPr>
+          </a:p>
+          <a:p>
+            <a:pPr marL="171450" marR="0" lvl="0" indent="-171450" algn="l" defTabSz="914400" rtl="0" eaLnBrk="1" fontAlgn="auto" latinLnBrk="0" hangingPunct="1">
+              <a:lnSpc>
+                <a:spcPct val="100000"/>
+              </a:lnSpc>
+              <a:spcBef>
+                <a:spcPts val="0"/>
+              </a:spcBef>
+              <a:spcAft>
+                <a:spcPts val="0"/>
+              </a:spcAft>
+              <a:buClrTx/>
+              <a:buSzTx/>
+              <a:buFont typeface="Arial" pitchFamily="34" charset="0"/>
+              <a:buChar char="•"/>
+              <a:tabLst/>
+              <a:defRPr/>
+            </a:pPr>
+            <a:endParaRPr lang="en-US" sz="1200" kern="1200" dirty="0" smtClean="0">
+              <a:solidFill>
+                <a:schemeClr val="tx1"/>
+              </a:solidFill>
+              <a:effectLst/>
+              <a:latin typeface="+mn-lt"/>
+              <a:ea typeface="+mn-ea"/>
+              <a:cs typeface="+mn-cs"/>
+            </a:endParaRPr>
+          </a:p>
+          <a:p>
+            <a:pPr marL="171450" marR="0" lvl="0" indent="-171450" algn="l" defTabSz="914400" rtl="0" eaLnBrk="1" fontAlgn="auto" latinLnBrk="0" hangingPunct="1">
+              <a:lnSpc>
+                <a:spcPct val="100000"/>
+              </a:lnSpc>
+              <a:spcBef>
+                <a:spcPts val="0"/>
+              </a:spcBef>
+              <a:spcAft>
+                <a:spcPts val="0"/>
+              </a:spcAft>
+              <a:buClrTx/>
+              <a:buSzTx/>
+              <a:buFont typeface="Arial" pitchFamily="34" charset="0"/>
+              <a:buChar char="•"/>
+              <a:tabLst/>
+              <a:defRPr/>
+            </a:pPr>
+            <a:r>
+              <a:rPr lang="en-US" dirty="0" smtClean="0"/>
+              <a:t>One</a:t>
+            </a:r>
+            <a:r>
+              <a:rPr lang="en-US" baseline="0" dirty="0" smtClean="0"/>
+              <a:t> of the largest airlines in the world, employing dozens of operational research analysts, throws away most of its fleet operational data at the end of the day because it’s so big there’s nowhere to put it and analyze it.</a:t>
+            </a:r>
+            <a:r>
+              <a:rPr lang="en-US" sz="1200" kern="1200" dirty="0" smtClean="0">
+                <a:solidFill>
+                  <a:schemeClr val="tx1"/>
+                </a:solidFill>
+                <a:effectLst/>
+                <a:latin typeface="+mn-lt"/>
+                <a:ea typeface="+mn-ea"/>
+                <a:cs typeface="+mn-cs"/>
+              </a:rPr>
+              <a:t> </a:t>
+            </a:r>
+            <a:r>
+              <a:rPr lang="en-US" sz="1200" i="1" kern="1200" dirty="0" smtClean="0">
+                <a:solidFill>
+                  <a:schemeClr val="tx1"/>
+                </a:solidFill>
+                <a:effectLst/>
+                <a:latin typeface="+mn-lt"/>
+                <a:ea typeface="+mn-ea"/>
+                <a:cs typeface="+mn-cs"/>
+              </a:rPr>
+              <a:t>(Source: a presentation by Jim Diamond, Managing Director of Operations &amp; Research at American Airlines. Given at the </a:t>
+            </a:r>
+            <a:r>
+              <a:rPr lang="en-US" sz="1200" i="1" kern="1200" dirty="0" err="1" smtClean="0">
+                <a:solidFill>
+                  <a:schemeClr val="tx1"/>
+                </a:solidFill>
+                <a:effectLst/>
+                <a:latin typeface="+mn-lt"/>
+                <a:ea typeface="+mn-ea"/>
+                <a:cs typeface="+mn-cs"/>
+              </a:rPr>
+              <a:t>Evanta</a:t>
+            </a:r>
+            <a:r>
+              <a:rPr lang="en-US" sz="1200" i="1" kern="1200" dirty="0" smtClean="0">
+                <a:solidFill>
+                  <a:schemeClr val="tx1"/>
+                </a:solidFill>
+                <a:effectLst/>
+                <a:latin typeface="+mn-lt"/>
+                <a:ea typeface="+mn-ea"/>
+                <a:cs typeface="+mn-cs"/>
+              </a:rPr>
+              <a:t> CIO event in Dallas, TX 6/7/13)</a:t>
+            </a:r>
+          </a:p>
+          <a:p>
+            <a:pPr marL="171450" marR="0" lvl="0" indent="-171450" algn="l" defTabSz="914400" rtl="0" eaLnBrk="1" fontAlgn="auto" latinLnBrk="0" hangingPunct="1">
+              <a:lnSpc>
+                <a:spcPct val="100000"/>
+              </a:lnSpc>
+              <a:spcBef>
+                <a:spcPts val="0"/>
+              </a:spcBef>
+              <a:spcAft>
+                <a:spcPts val="0"/>
+              </a:spcAft>
+              <a:buClrTx/>
+              <a:buSzTx/>
+              <a:buFont typeface="Arial" pitchFamily="34" charset="0"/>
+              <a:buChar char="•"/>
+              <a:tabLst/>
+              <a:defRPr/>
+            </a:pPr>
+            <a:endParaRPr lang="en-US" sz="1200" kern="1200" dirty="0" smtClean="0">
+              <a:solidFill>
+                <a:schemeClr val="tx1"/>
+              </a:solidFill>
+              <a:effectLst/>
+              <a:latin typeface="+mn-lt"/>
+              <a:ea typeface="+mn-ea"/>
+              <a:cs typeface="+mn-cs"/>
+            </a:endParaRPr>
+          </a:p>
+          <a:p>
+            <a:pPr marL="171450" indent="-171450">
+              <a:buFont typeface="Arial" pitchFamily="34" charset="0"/>
+              <a:buChar char="•"/>
+            </a:pPr>
+            <a:r>
+              <a:rPr lang="en-US" sz="1200" kern="1200" dirty="0" smtClean="0">
+                <a:solidFill>
+                  <a:schemeClr val="tx1"/>
+                </a:solidFill>
+                <a:effectLst/>
+                <a:latin typeface="+mn-lt"/>
+                <a:ea typeface="+mn-ea"/>
+                <a:cs typeface="+mn-cs"/>
+              </a:rPr>
+              <a:t>The same is true for many businesses: the information they need to improve products and services already exists, they’re just not quite sure how to use it.</a:t>
+            </a:r>
+          </a:p>
+          <a:p>
+            <a:pPr marL="171450" marR="0" lvl="0" indent="-171450" algn="l" defTabSz="914400" rtl="0" eaLnBrk="1" fontAlgn="auto" latinLnBrk="0" hangingPunct="1">
+              <a:lnSpc>
+                <a:spcPct val="100000"/>
+              </a:lnSpc>
+              <a:spcBef>
+                <a:spcPts val="0"/>
+              </a:spcBef>
+              <a:spcAft>
+                <a:spcPts val="0"/>
+              </a:spcAft>
+              <a:buClrTx/>
+              <a:buSzTx/>
+              <a:buFont typeface="Arial" pitchFamily="34" charset="0"/>
+              <a:buChar char="•"/>
+              <a:tabLst/>
+              <a:defRPr/>
+            </a:pPr>
+            <a:r>
+              <a:rPr lang="en-US" sz="1200" kern="1200" dirty="0" smtClean="0">
+                <a:solidFill>
+                  <a:schemeClr val="tx1"/>
+                </a:solidFill>
+                <a:effectLst/>
+                <a:latin typeface="+mn-lt"/>
+                <a:ea typeface="+mn-ea"/>
+                <a:cs typeface="+mn-cs"/>
+              </a:rPr>
+              <a:t>According to a study we conducted with The Economist Intelligence Unit, only 12% of executives feel they understand the impact data will have on their organizations over the next three years.” </a:t>
+            </a:r>
+            <a:r>
+              <a:rPr lang="en-US" sz="1200" i="1" kern="1200" dirty="0" smtClean="0">
+                <a:solidFill>
+                  <a:schemeClr val="tx1"/>
+                </a:solidFill>
+                <a:effectLst/>
+                <a:latin typeface="+mn-lt"/>
+                <a:ea typeface="+mn-ea"/>
+                <a:cs typeface="+mn-cs"/>
+              </a:rPr>
+              <a:t>(Source: </a:t>
+            </a:r>
+            <a:r>
+              <a:rPr lang="en-US" sz="1200" i="1" u="sng" kern="1200" dirty="0" smtClean="0">
+                <a:solidFill>
+                  <a:schemeClr val="tx1"/>
+                </a:solidFill>
+                <a:effectLst/>
+                <a:latin typeface="+mn-lt"/>
+                <a:ea typeface="+mn-ea"/>
+                <a:cs typeface="+mn-cs"/>
+                <a:hlinkClick r:id="rId3"/>
+              </a:rPr>
+              <a:t>http://www.oracle.com/webapps/dialogue/ns/dlgwelcome.jsp?p_ext=Y&amp;p_dlg_id=13367869&amp;src=7634271&amp;Act=143</a:t>
+            </a:r>
+            <a:r>
+              <a:rPr lang="en-US" sz="1200" i="1" kern="1200" dirty="0" smtClean="0">
+                <a:solidFill>
+                  <a:schemeClr val="tx1"/>
+                </a:solidFill>
+                <a:effectLst/>
+                <a:latin typeface="+mn-lt"/>
+                <a:ea typeface="+mn-ea"/>
+                <a:cs typeface="+mn-cs"/>
+              </a:rPr>
+              <a:t> )</a:t>
+            </a:r>
+          </a:p>
+          <a:p>
+            <a:pPr marL="171450" indent="-171450">
+              <a:buFont typeface="Arial" pitchFamily="34" charset="0"/>
+              <a:buChar char="•"/>
+            </a:pPr>
+            <a:endParaRPr lang="en-US" dirty="0" smtClean="0"/>
+          </a:p>
+          <a:p>
+            <a:pPr marL="0" marR="0" indent="0" algn="l" defTabSz="457200" rtl="0" eaLnBrk="1" fontAlgn="auto" latinLnBrk="0" hangingPunct="1">
+              <a:lnSpc>
+                <a:spcPct val="100000"/>
+              </a:lnSpc>
+              <a:spcBef>
+                <a:spcPts val="0"/>
+              </a:spcBef>
+              <a:spcAft>
+                <a:spcPts val="0"/>
+              </a:spcAft>
+              <a:buClrTx/>
+              <a:buSzTx/>
+              <a:buFontTx/>
+              <a:buNone/>
+              <a:tabLst/>
+              <a:defRPr/>
+            </a:pPr>
+            <a:r>
+              <a:rPr lang="en-US" dirty="0" smtClean="0"/>
+              <a:t>Business Intelligence has always held the promise of being able to provide timely information to the knowledge workers within an organization.  The use of BI will continue to grow for the next several years as new technologies, such as mobile devices, enables BI to become more pervasive.  This will open up BI to a whole new set of users.  However, with this new pervasiveness comes a set of challenges…..</a:t>
+            </a:r>
+          </a:p>
+          <a:p>
+            <a:pPr eaLnBrk="1" hangingPunct="1"/>
+            <a:endParaRPr lang="en-US" dirty="0" smtClean="0">
+              <a:latin typeface="Arial" pitchFamily="34" charset="0"/>
+            </a:endParaRPr>
+          </a:p>
+        </p:txBody>
+      </p:sp>
+    </p:spTree>
+    <p:extLst>
+      <p:ext uri="{BB962C8B-B14F-4D97-AF65-F5344CB8AC3E}">
+        <p14:creationId xmlns:p14="http://schemas.microsoft.com/office/powerpoint/2010/main" val="1518859682"/>
+      </p:ext>
+    </p:extLst>
+  </p:cSld>
+  <p:clrMapOvr>
+    <a:masterClrMapping/>
+  </p:clrMapOvr>
+</p:notes>
+</file>
+
+<file path=ppt/notesSlides/notesSlide20.xml><?xml version="1.0" encoding="utf-8"?>
+<p:notes xmlns:a="http://schemas.openxmlformats.org/drawingml/2006/main" xmlns:r="http://schemas.openxmlformats.org/officeDocument/2006/relationships" xmlns:p="http://schemas.openxmlformats.org/presentationml/2006/main" showMasterSp="0" showMasterPhAnim="0">
+  <p:cSld>
+    <p:spTree>
+      <p:nvGrpSpPr>
+        <p:cNvPr id="1" name="Shape 157"/>
+        <p:cNvGrpSpPr/>
+        <p:nvPr/>
+      </p:nvGrpSpPr>
+      <p:grpSpPr>
+        <a:xfrm>
+          <a:off x="0" y="0"/>
+          <a:ext cx="0" cy="0"/>
+          <a:chOff x="0" y="0"/>
+          <a:chExt cx="0" cy="0"/>
+        </a:xfrm>
+      </p:grpSpPr>
+      <p:sp>
+        <p:nvSpPr>
+          <p:cNvPr id="158" name="Shape 158"/>
           <p:cNvSpPr>
             <a:spLocks noGrp="1" noRot="1" noChangeAspect="1"/>
           </p:cNvSpPr>
@@ -1873,7 +3032,7 @@
       </p:sp>
       <p:sp>
         <p:nvSpPr>
-          <p:cNvPr id="58" name="Shape 58"/>
+          <p:cNvPr id="159" name="Shape 159"/>
           <p:cNvSpPr txBox="1">
             <a:spLocks noGrp="1"/>
           </p:cNvSpPr>
@@ -1909,7 +3068,7 @@
     </p:spTree>
     <p:extLst>
       <p:ext uri="{BB962C8B-B14F-4D97-AF65-F5344CB8AC3E}">
-        <p14:creationId xmlns:p14="http://schemas.microsoft.com/office/powerpoint/2010/main" val="1592066164"/>
+        <p14:creationId xmlns:p14="http://schemas.microsoft.com/office/powerpoint/2010/main" val="951641301"/>
       </p:ext>
     </p:extLst>
   </p:cSld>
@@ -1919,7 +3078,7 @@
 </p:notes>
 </file>
 
-<file path=ppt/notesSlides/notesSlide20.xml><?xml version="1.0" encoding="utf-8"?>
+<file path=ppt/notesSlides/notesSlide21.xml><?xml version="1.0" encoding="utf-8"?>
 <p:notes xmlns:a="http://schemas.openxmlformats.org/drawingml/2006/main" xmlns:r="http://schemas.openxmlformats.org/officeDocument/2006/relationships" xmlns:p="http://schemas.openxmlformats.org/presentationml/2006/main" showMasterSp="0" showMasterPhAnim="0">
   <p:cSld>
     <p:spTree>
@@ -2035,7 +3194,7 @@
 </p:notes>
 </file>
 
-<file path=ppt/notesSlides/notesSlide21.xml><?xml version="1.0" encoding="utf-8"?>
+<file path=ppt/notesSlides/notesSlide22.xml><?xml version="1.0" encoding="utf-8"?>
 <p:notes xmlns:a="http://schemas.openxmlformats.org/drawingml/2006/main" xmlns:r="http://schemas.openxmlformats.org/officeDocument/2006/relationships" xmlns:p="http://schemas.openxmlformats.org/presentationml/2006/main" showMasterSp="0" showMasterPhAnim="0">
   <p:cSld>
     <p:spTree>
@@ -2151,7 +3310,7 @@
 </p:notes>
 </file>
 
-<file path=ppt/notesSlides/notesSlide22.xml><?xml version="1.0" encoding="utf-8"?>
+<file path=ppt/notesSlides/notesSlide23.xml><?xml version="1.0" encoding="utf-8"?>
 <p:notes xmlns:a="http://schemas.openxmlformats.org/drawingml/2006/main" xmlns:r="http://schemas.openxmlformats.org/officeDocument/2006/relationships" xmlns:p="http://schemas.openxmlformats.org/presentationml/2006/main" showMasterSp="0" showMasterPhAnim="0">
   <p:cSld>
     <p:spTree>
@@ -2270,7 +3429,7 @@
 </p:notes>
 </file>
 
-<file path=ppt/notesSlides/notesSlide23.xml><?xml version="1.0" encoding="utf-8"?>
+<file path=ppt/notesSlides/notesSlide24.xml><?xml version="1.0" encoding="utf-8"?>
 <p:notes xmlns:a="http://schemas.openxmlformats.org/drawingml/2006/main" xmlns:r="http://schemas.openxmlformats.org/officeDocument/2006/relationships" xmlns:p="http://schemas.openxmlformats.org/presentationml/2006/main" showMasterSp="0" showMasterPhAnim="0">
   <p:cSld>
     <p:spTree>
@@ -2386,7 +3545,7 @@
 </p:notes>
 </file>
 
-<file path=ppt/notesSlides/notesSlide24.xml><?xml version="1.0" encoding="utf-8"?>
+<file path=ppt/notesSlides/notesSlide25.xml><?xml version="1.0" encoding="utf-8"?>
 <p:notes xmlns:a="http://schemas.openxmlformats.org/drawingml/2006/main" xmlns:r="http://schemas.openxmlformats.org/officeDocument/2006/relationships" xmlns:p="http://schemas.openxmlformats.org/presentationml/2006/main" showMasterSp="0" showMasterPhAnim="0">
   <p:cSld>
     <p:spTree>
@@ -2505,7 +3664,7 @@
 </p:notes>
 </file>
 
-<file path=ppt/notesSlides/notesSlide25.xml><?xml version="1.0" encoding="utf-8"?>
+<file path=ppt/notesSlides/notesSlide26.xml><?xml version="1.0" encoding="utf-8"?>
 <p:notes xmlns:a="http://schemas.openxmlformats.org/drawingml/2006/main" xmlns:r="http://schemas.openxmlformats.org/officeDocument/2006/relationships" xmlns:p="http://schemas.openxmlformats.org/presentationml/2006/main" showMasterSp="0" showMasterPhAnim="0">
   <p:cSld>
     <p:spTree>
@@ -2621,7 +3780,7 @@
 </p:notes>
 </file>
 
-<file path=ppt/notesSlides/notesSlide26.xml><?xml version="1.0" encoding="utf-8"?>
+<file path=ppt/notesSlides/notesSlide27.xml><?xml version="1.0" encoding="utf-8"?>
 <p:notes xmlns:a="http://schemas.openxmlformats.org/drawingml/2006/main" xmlns:r="http://schemas.openxmlformats.org/officeDocument/2006/relationships" xmlns:p="http://schemas.openxmlformats.org/presentationml/2006/main" showMasterSp="0" showMasterPhAnim="0">
   <p:cSld>
     <p:spTree>
@@ -2737,12 +3896,12 @@
 </p:notes>
 </file>
 
-<file path=ppt/notesSlides/notesSlide27.xml><?xml version="1.0" encoding="utf-8"?>
+<file path=ppt/notesSlides/notesSlide28.xml><?xml version="1.0" encoding="utf-8"?>
 <p:notes xmlns:a="http://schemas.openxmlformats.org/drawingml/2006/main" xmlns:r="http://schemas.openxmlformats.org/officeDocument/2006/relationships" xmlns:p="http://schemas.openxmlformats.org/presentationml/2006/main" showMasterSp="0" showMasterPhAnim="0">
   <p:cSld>
     <p:spTree>
       <p:nvGrpSpPr>
-        <p:cNvPr id="1" name="Shape 205"/>
+        <p:cNvPr id="1" name="Shape 211"/>
         <p:cNvGrpSpPr/>
         <p:nvPr/>
       </p:nvGrpSpPr>
@@ -2756,7 +3915,7 @@
       </p:grpSpPr>
       <p:sp>
         <p:nvSpPr>
-          <p:cNvPr id="206" name="Shape 206"/>
+          <p:cNvPr id="212" name="Shape 212"/>
           <p:cNvSpPr>
             <a:spLocks noGrp="1" noRot="1" noChangeAspect="1"/>
           </p:cNvSpPr>
@@ -2807,7 +3966,7 @@
       </p:sp>
       <p:sp>
         <p:nvSpPr>
-          <p:cNvPr id="207" name="Shape 207"/>
+          <p:cNvPr id="213" name="Shape 213"/>
           <p:cNvSpPr txBox="1">
             <a:spLocks noGrp="1"/>
           </p:cNvSpPr>
@@ -2843,7 +4002,7 @@
     </p:spTree>
     <p:extLst>
       <p:ext uri="{BB962C8B-B14F-4D97-AF65-F5344CB8AC3E}">
-        <p14:creationId xmlns:p14="http://schemas.microsoft.com/office/powerpoint/2010/main" val="1939652648"/>
+        <p14:creationId xmlns:p14="http://schemas.microsoft.com/office/powerpoint/2010/main" val="709647349"/>
       </p:ext>
     </p:extLst>
   </p:cSld>
@@ -2853,12 +4012,12 @@
 </p:notes>
 </file>
 
-<file path=ppt/notesSlides/notesSlide28.xml><?xml version="1.0" encoding="utf-8"?>
+<file path=ppt/notesSlides/notesSlide29.xml><?xml version="1.0" encoding="utf-8"?>
 <p:notes xmlns:a="http://schemas.openxmlformats.org/drawingml/2006/main" xmlns:r="http://schemas.openxmlformats.org/officeDocument/2006/relationships" xmlns:p="http://schemas.openxmlformats.org/presentationml/2006/main" showMasterSp="0" showMasterPhAnim="0">
   <p:cSld>
     <p:spTree>
       <p:nvGrpSpPr>
-        <p:cNvPr id="1" name="Shape 211"/>
+        <p:cNvPr id="1" name="Shape 217"/>
         <p:cNvGrpSpPr/>
         <p:nvPr/>
       </p:nvGrpSpPr>
@@ -2872,7 +4031,7 @@
       </p:grpSpPr>
       <p:sp>
         <p:nvSpPr>
-          <p:cNvPr id="212" name="Shape 212"/>
+          <p:cNvPr id="218" name="Shape 218"/>
           <p:cNvSpPr>
             <a:spLocks noGrp="1" noRot="1" noChangeAspect="1"/>
           </p:cNvSpPr>
@@ -2923,7 +4082,7 @@
       </p:sp>
       <p:sp>
         <p:nvSpPr>
-          <p:cNvPr id="213" name="Shape 213"/>
+          <p:cNvPr id="219" name="Shape 219"/>
           <p:cNvSpPr txBox="1">
             <a:spLocks noGrp="1"/>
           </p:cNvSpPr>
@@ -2959,7 +4118,7 @@
     </p:spTree>
     <p:extLst>
       <p:ext uri="{BB962C8B-B14F-4D97-AF65-F5344CB8AC3E}">
-        <p14:creationId xmlns:p14="http://schemas.microsoft.com/office/powerpoint/2010/main" val="709647349"/>
+        <p14:creationId xmlns:p14="http://schemas.microsoft.com/office/powerpoint/2010/main" val="135772601"/>
       </p:ext>
     </p:extLst>
   </p:cSld>
@@ -2969,12 +4128,12 @@
 </p:notes>
 </file>
 
-<file path=ppt/notesSlides/notesSlide29.xml><?xml version="1.0" encoding="utf-8"?>
+<file path=ppt/notesSlides/notesSlide3.xml><?xml version="1.0" encoding="utf-8"?>
 <p:notes xmlns:a="http://schemas.openxmlformats.org/drawingml/2006/main" xmlns:r="http://schemas.openxmlformats.org/officeDocument/2006/relationships" xmlns:p="http://schemas.openxmlformats.org/presentationml/2006/main" showMasterSp="0" showMasterPhAnim="0">
   <p:cSld>
     <p:spTree>
       <p:nvGrpSpPr>
-        <p:cNvPr id="1" name="Shape 217"/>
+        <p:cNvPr id="1" name="Shape 56"/>
         <p:cNvGrpSpPr/>
         <p:nvPr/>
       </p:nvGrpSpPr>
@@ -2988,7 +4147,7 @@
       </p:grpSpPr>
       <p:sp>
         <p:nvSpPr>
-          <p:cNvPr id="218" name="Shape 218"/>
+          <p:cNvPr id="57" name="Shape 57"/>
           <p:cNvSpPr>
             <a:spLocks noGrp="1" noRot="1" noChangeAspect="1"/>
           </p:cNvSpPr>
@@ -3039,7 +4198,7 @@
       </p:sp>
       <p:sp>
         <p:nvSpPr>
-          <p:cNvPr id="219" name="Shape 219"/>
+          <p:cNvPr id="58" name="Shape 58"/>
           <p:cNvSpPr txBox="1">
             <a:spLocks noGrp="1"/>
           </p:cNvSpPr>
@@ -3075,7 +4234,7 @@
     </p:spTree>
     <p:extLst>
       <p:ext uri="{BB962C8B-B14F-4D97-AF65-F5344CB8AC3E}">
-        <p14:creationId xmlns:p14="http://schemas.microsoft.com/office/powerpoint/2010/main" val="135772601"/>
+        <p14:creationId xmlns:p14="http://schemas.microsoft.com/office/powerpoint/2010/main" val="1592066164"/>
       </p:ext>
     </p:extLst>
   </p:cSld>
@@ -3085,7 +4244,7 @@
 </p:notes>
 </file>
 
-<file path=ppt/notesSlides/notesSlide3.xml><?xml version="1.0" encoding="utf-8"?>
+<file path=ppt/notesSlides/notesSlide4.xml><?xml version="1.0" encoding="utf-8"?>
 <p:notes xmlns:a="http://schemas.openxmlformats.org/drawingml/2006/main" xmlns:r="http://schemas.openxmlformats.org/officeDocument/2006/relationships" xmlns:p="http://schemas.openxmlformats.org/presentationml/2006/main" showMasterSp="0" showMasterPhAnim="0">
   <p:cSld>
     <p:spTree>
@@ -3201,7 +4360,7 @@
 </p:notes>
 </file>
 
-<file path=ppt/notesSlides/notesSlide4.xml><?xml version="1.0" encoding="utf-8"?>
+<file path=ppt/notesSlides/notesSlide5.xml><?xml version="1.0" encoding="utf-8"?>
 <p:notes xmlns:a="http://schemas.openxmlformats.org/drawingml/2006/main" xmlns:r="http://schemas.openxmlformats.org/officeDocument/2006/relationships" xmlns:p="http://schemas.openxmlformats.org/presentationml/2006/main" showMasterSp="0" showMasterPhAnim="0">
   <p:cSld>
     <p:spTree>
@@ -3317,7 +4476,7 @@
 </p:notes>
 </file>
 
-<file path=ppt/notesSlides/notesSlide5.xml><?xml version="1.0" encoding="utf-8"?>
+<file path=ppt/notesSlides/notesSlide6.xml><?xml version="1.0" encoding="utf-8"?>
 <p:notes xmlns:a="http://schemas.openxmlformats.org/drawingml/2006/main" xmlns:r="http://schemas.openxmlformats.org/officeDocument/2006/relationships" xmlns:p="http://schemas.openxmlformats.org/presentationml/2006/main" showMasterSp="0" showMasterPhAnim="0">
   <p:cSld>
     <p:spTree>
@@ -3433,7 +4592,7 @@
 </p:notes>
 </file>
 
-<file path=ppt/notesSlides/notesSlide6.xml><?xml version="1.0" encoding="utf-8"?>
+<file path=ppt/notesSlides/notesSlide7.xml><?xml version="1.0" encoding="utf-8"?>
 <p:notes xmlns:a="http://schemas.openxmlformats.org/drawingml/2006/main" xmlns:r="http://schemas.openxmlformats.org/officeDocument/2006/relationships" xmlns:p="http://schemas.openxmlformats.org/presentationml/2006/main" showMasterSp="0" showMasterPhAnim="0">
   <p:cSld>
     <p:spTree>
@@ -3549,7 +4708,7 @@
 </p:notes>
 </file>
 
-<file path=ppt/notesSlides/notesSlide7.xml><?xml version="1.0" encoding="utf-8"?>
+<file path=ppt/notesSlides/notesSlide8.xml><?xml version="1.0" encoding="utf-8"?>
 <p:notes xmlns:a="http://schemas.openxmlformats.org/drawingml/2006/main" xmlns:r="http://schemas.openxmlformats.org/officeDocument/2006/relationships" xmlns:p="http://schemas.openxmlformats.org/presentationml/2006/main" showMasterSp="0" showMasterPhAnim="0">
   <p:cSld>
     <p:spTree>
@@ -3665,7 +4824,7 @@
 </p:notes>
 </file>
 
-<file path=ppt/notesSlides/notesSlide8.xml><?xml version="1.0" encoding="utf-8"?>
+<file path=ppt/notesSlides/notesSlide9.xml><?xml version="1.0" encoding="utf-8"?>
 <p:notes xmlns:a="http://schemas.openxmlformats.org/drawingml/2006/main" xmlns:r="http://schemas.openxmlformats.org/officeDocument/2006/relationships" xmlns:p="http://schemas.openxmlformats.org/presentationml/2006/main" showMasterSp="0" showMasterPhAnim="0">
   <p:cSld>
     <p:spTree>
@@ -3775,134 +4934,6 @@
     <p:extLst>
       <p:ext uri="{BB962C8B-B14F-4D97-AF65-F5344CB8AC3E}">
         <p14:creationId xmlns:p14="http://schemas.microsoft.com/office/powerpoint/2010/main" val="900941954"/>
-      </p:ext>
-    </p:extLst>
-  </p:cSld>
-  <p:clrMapOvr>
-    <a:masterClrMapping/>
-  </p:clrMapOvr>
-</p:notes>
-</file>
-
-<file path=ppt/notesSlides/notesSlide9.xml><?xml version="1.0" encoding="utf-8"?>
-<p:notes xmlns:a="http://schemas.openxmlformats.org/drawingml/2006/main" xmlns:r="http://schemas.openxmlformats.org/officeDocument/2006/relationships" xmlns:p="http://schemas.openxmlformats.org/presentationml/2006/main" showMasterSp="0" showMasterPhAnim="0">
-  <p:cSld>
-    <p:spTree>
-      <p:nvGrpSpPr>
-        <p:cNvPr id="1" name="Shape 97"/>
-        <p:cNvGrpSpPr/>
-        <p:nvPr/>
-      </p:nvGrpSpPr>
-      <p:grpSpPr>
-        <a:xfrm>
-          <a:off x="0" y="0"/>
-          <a:ext cx="0" cy="0"/>
-          <a:chOff x="0" y="0"/>
-          <a:chExt cx="0" cy="0"/>
-        </a:xfrm>
-      </p:grpSpPr>
-      <p:sp>
-        <p:nvSpPr>
-          <p:cNvPr id="98" name="Shape 98"/>
-          <p:cNvSpPr>
-            <a:spLocks noGrp="1" noRot="1" noChangeAspect="1"/>
-          </p:cNvSpPr>
-          <p:nvPr>
-            <p:ph type="sldImg" idx="2"/>
-          </p:nvPr>
-        </p:nvSpPr>
-        <p:spPr>
-          <a:xfrm>
-            <a:off x="381000" y="685800"/>
-            <a:ext cx="6096000" cy="3429000"/>
-          </a:xfrm>
-          <a:custGeom>
-            <a:avLst/>
-            <a:gdLst/>
-            <a:ahLst/>
-            <a:cxnLst/>
-            <a:rect l="0" t="0" r="0" b="0"/>
-            <a:pathLst>
-              <a:path w="120000" h="120000" extrusionOk="0">
-                <a:moveTo>
-                  <a:pt x="0" y="0"/>
-                </a:moveTo>
-                <a:lnTo>
-                  <a:pt x="120000" y="0"/>
-                </a:lnTo>
-                <a:lnTo>
-                  <a:pt x="120000" y="120000"/>
-                </a:lnTo>
-                <a:lnTo>
-                  <a:pt x="0" y="120000"/>
-                </a:lnTo>
-                <a:close/>
-              </a:path>
-            </a:pathLst>
-          </a:custGeom>
-          <a:noFill/>
-          <a:ln w="9525" cap="flat">
-            <a:solidFill>
-              <a:srgbClr val="000000"/>
-            </a:solidFill>
-            <a:prstDash val="solid"/>
-            <a:round/>
-            <a:headEnd type="none" w="med" len="med"/>
-            <a:tailEnd type="none" w="med" len="med"/>
-          </a:ln>
-        </p:spPr>
-      </p:sp>
-      <p:sp>
-        <p:nvSpPr>
-          <p:cNvPr id="99" name="Shape 99"/>
-          <p:cNvSpPr txBox="1">
-            <a:spLocks noGrp="1"/>
-          </p:cNvSpPr>
-          <p:nvPr>
-            <p:ph type="body" idx="1"/>
-          </p:nvPr>
-        </p:nvSpPr>
-        <p:spPr>
-          <a:xfrm>
-            <a:off x="685800" y="4343400"/>
-            <a:ext cx="5486399" cy="4114800"/>
-          </a:xfrm>
-          <a:prstGeom prst="rect">
-            <a:avLst/>
-          </a:prstGeom>
-        </p:spPr>
-        <p:txBody>
-          <a:bodyPr lIns="91425" tIns="91425" rIns="91425" bIns="91425" anchor="t" anchorCtr="0">
-            <a:noAutofit/>
-          </a:bodyPr>
-          <a:lstStyle/>
-          <a:p>
-            <a:pPr>
-              <a:spcBef>
-                <a:spcPts val="0"/>
-              </a:spcBef>
-              <a:buNone/>
-            </a:pPr>
-            <a:r>
-              <a:rPr lang="en" u="sng">
-                <a:solidFill>
-                  <a:schemeClr val="hlink"/>
-                </a:solidFill>
-                <a:hlinkClick r:id="rId3"/>
-              </a:rPr>
-              <a:t>https://blogs.oracle.com/R/entry/r_to_oracle_database_connectivity</a:t>
-            </a:r>
-            <a:r>
-              <a:rPr lang="en"/>
-              <a:t> post describing these methods for using R with Oracle databases. </a:t>
-            </a:r>
-          </a:p>
-        </p:txBody>
-      </p:sp>
-    </p:spTree>
-    <p:extLst>
-      <p:ext uri="{BB962C8B-B14F-4D97-AF65-F5344CB8AC3E}">
-        <p14:creationId xmlns:p14="http://schemas.microsoft.com/office/powerpoint/2010/main" val="1078645911"/>
       </p:ext>
     </p:extLst>
   </p:cSld>
@@ -4127,7 +5158,7 @@
           <a:p>
             <a:fld id="{2B620634-F1E7-4F42-B7F2-04F33F3FC495}" type="datetimeFigureOut">
               <a:rPr lang="en-US" smtClean="0"/>
-              <a:t>1/12/2015</a:t>
+              <a:t>1/15/2015</a:t>
             </a:fld>
             <a:endParaRPr lang="en-US"/>
           </a:p>
@@ -10082,11 +11113,7 @@
             </a:pPr>
             <a:r>
               <a:rPr lang="en" dirty="0" smtClean="0"/>
-              <a:t>Gary </a:t>
-            </a:r>
-            <a:r>
-              <a:rPr lang="en" dirty="0" smtClean="0"/>
-              <a:t>Garrison</a:t>
+              <a:t>Gary Garrison</a:t>
             </a:r>
             <a:endParaRPr lang="en" dirty="0"/>
           </a:p>
@@ -10115,7 +11142,7 @@
   <p:cSld>
     <p:spTree>
       <p:nvGrpSpPr>
-        <p:cNvPr id="1" name="Shape 100"/>
+        <p:cNvPr id="1" name="Shape 94"/>
         <p:cNvGrpSpPr/>
         <p:nvPr/>
       </p:nvGrpSpPr>
@@ -10129,7 +11156,7 @@
       </p:grpSpPr>
       <p:sp>
         <p:nvSpPr>
-          <p:cNvPr id="102" name="Shape 102"/>
+          <p:cNvPr id="95" name="Shape 95"/>
           <p:cNvSpPr txBox="1">
             <a:spLocks noGrp="1"/>
           </p:cNvSpPr>
@@ -10139,8 +11166,8 @@
         </p:nvSpPr>
         <p:spPr>
           <a:xfrm>
-            <a:off x="457200" y="1762298"/>
-            <a:ext cx="8229600" cy="3112244"/>
+            <a:off x="457200" y="1463040"/>
+            <a:ext cx="8229600" cy="2921051"/>
           </a:xfrm>
           <a:prstGeom prst="rect">
             <a:avLst/>
@@ -10168,27 +11195,7 @@
             </a:pPr>
             <a:r>
               <a:rPr lang="en" dirty="0"/>
-              <a:t>Summary statistics can be misleading</a:t>
-            </a:r>
-          </a:p>
-          <a:p>
-            <a:pPr marL="914400" lvl="1" indent="-406400" rtl="0">
-              <a:lnSpc>
-                <a:spcPct val="150000"/>
-              </a:lnSpc>
-              <a:spcBef>
-                <a:spcPts val="0"/>
-              </a:spcBef>
-              <a:buClr>
-                <a:schemeClr val="dk2"/>
-              </a:buClr>
-              <a:buSzPct val="87500"/>
-              <a:buFont typeface="Courier New"/>
-              <a:buChar char="o"/>
-            </a:pPr>
-            <a:r>
-              <a:rPr lang="en" dirty="0"/>
-              <a:t>Anscombe’s Quartet (demo)</a:t>
+              <a:t>Oracle R Enterprise (ORE)</a:t>
             </a:r>
           </a:p>
           <a:p>
@@ -10208,38 +11215,17 @@
             </a:pPr>
             <a:r>
               <a:rPr lang="en" dirty="0"/>
-              <a:t>Good for getting a quick look at large amounts of data</a:t>
-            </a:r>
-          </a:p>
-          <a:p>
-            <a:pPr marL="914400" lvl="1" indent="-406400" rtl="0">
+              <a:t>ROracle</a:t>
+            </a:r>
+          </a:p>
+          <a:p>
+            <a:pPr marL="457200" lvl="0" indent="-431800" rtl="0">
               <a:lnSpc>
                 <a:spcPct val="150000"/>
               </a:lnSpc>
               <a:spcBef>
                 <a:spcPts val="0"/>
               </a:spcBef>
-              <a:buClr>
-                <a:schemeClr val="dk2"/>
-              </a:buClr>
-              <a:buSzPct val="87500"/>
-              <a:buFont typeface="Courier New"/>
-              <a:buChar char="o"/>
-            </a:pPr>
-            <a:r>
-              <a:rPr lang="en" dirty="0"/>
-              <a:t>Combing through tables/data sets is </a:t>
-            </a:r>
-            <a:r>
-              <a:rPr lang="en" dirty="0" smtClean="0"/>
-              <a:t>tedious</a:t>
-            </a:r>
-          </a:p>
-          <a:p>
-            <a:pPr marL="457200" indent="-431800">
-              <a:lnSpc>
-                <a:spcPct val="150000"/>
-              </a:lnSpc>
               <a:buClr>
                 <a:schemeClr val="dk2"/>
               </a:buClr>
@@ -10249,15 +11235,60 @@
             </a:pPr>
             <a:r>
               <a:rPr lang="en" dirty="0" smtClean="0"/>
-              <a:t>We are good at processing visualizations</a:t>
+              <a:t>RODBC/RJDBC</a:t>
             </a:r>
             <a:endParaRPr lang="en" dirty="0"/>
           </a:p>
+          <a:p>
+            <a:pPr marL="457200" lvl="0" indent="-431800" rtl="0">
+              <a:lnSpc>
+                <a:spcPct val="150000"/>
+              </a:lnSpc>
+              <a:spcBef>
+                <a:spcPts val="0"/>
+              </a:spcBef>
+              <a:buClr>
+                <a:schemeClr val="dk2"/>
+              </a:buClr>
+              <a:buSzPct val="100000"/>
+              <a:buFont typeface="Arial"/>
+              <a:buChar char="●"/>
+            </a:pPr>
+            <a:r>
+              <a:rPr lang="en" dirty="0"/>
+              <a:t>Output table query to csv</a:t>
+            </a:r>
+          </a:p>
+          <a:p>
+            <a:pPr marL="457200" lvl="0" indent="-431800">
+              <a:lnSpc>
+                <a:spcPct val="150000"/>
+              </a:lnSpc>
+              <a:spcBef>
+                <a:spcPts val="0"/>
+              </a:spcBef>
+              <a:buClr>
+                <a:schemeClr val="dk2"/>
+              </a:buClr>
+              <a:buSzPct val="100000"/>
+              <a:buFont typeface="Arial"/>
+              <a:buChar char="●"/>
+            </a:pPr>
+            <a:r>
+              <a:rPr lang="en" u="sng" dirty="0">
+                <a:solidFill>
+                  <a:schemeClr val="hlink"/>
+                </a:solidFill>
+                <a:hlinkClick r:id="rId3"/>
+              </a:rPr>
+              <a:t>Use R to access Oracle data</a:t>
+            </a:r>
+          </a:p>
         </p:txBody>
       </p:sp>
       <p:sp>
         <p:nvSpPr>
-          <p:cNvPr id="101" name="Shape 101"/>
+          <p:cNvPr id="96" name="Shape 96"/>
           <p:cNvSpPr txBox="1">
             <a:spLocks noGrp="1"/>
           </p:cNvSpPr>
@@ -10266,10 +11297,6 @@
           </p:nvPr>
         </p:nvSpPr>
         <p:spPr>
-          <a:xfrm>
-            <a:off x="457200" y="688116"/>
-            <a:ext cx="8229600" cy="994200"/>
-          </a:xfrm>
           <a:prstGeom prst="rect">
             <a:avLst/>
           </a:prstGeom>
@@ -10287,8 +11314,8 @@
               <a:buNone/>
             </a:pPr>
             <a:r>
-              <a:rPr lang="en" sz="3600" dirty="0"/>
-              <a:t>Why Do We Need Exploratory Plots?</a:t>
+              <a:rPr lang="en" dirty="0"/>
+              <a:t>Using R with Oracle Database</a:t>
             </a:r>
           </a:p>
         </p:txBody>
@@ -10312,6 +11339,207 @@
 </file>
 
 <file path=ppt/slides/slide11.xml><?xml version="1.0" encoding="utf-8"?>
+<p:sld xmlns:a="http://schemas.openxmlformats.org/drawingml/2006/main" xmlns:r="http://schemas.openxmlformats.org/officeDocument/2006/relationships" xmlns:p="http://schemas.openxmlformats.org/presentationml/2006/main">
+  <p:cSld>
+    <p:spTree>
+      <p:nvGrpSpPr>
+        <p:cNvPr id="1" name="Shape 100"/>
+        <p:cNvGrpSpPr/>
+        <p:nvPr/>
+      </p:nvGrpSpPr>
+      <p:grpSpPr>
+        <a:xfrm>
+          <a:off x="0" y="0"/>
+          <a:ext cx="0" cy="0"/>
+          <a:chOff x="0" y="0"/>
+          <a:chExt cx="0" cy="0"/>
+        </a:xfrm>
+      </p:grpSpPr>
+      <p:sp>
+        <p:nvSpPr>
+          <p:cNvPr id="102" name="Shape 102"/>
+          <p:cNvSpPr txBox="1">
+            <a:spLocks noGrp="1"/>
+          </p:cNvSpPr>
+          <p:nvPr>
+            <p:ph type="body" idx="1"/>
+          </p:nvPr>
+        </p:nvSpPr>
+        <p:spPr>
+          <a:xfrm>
+            <a:off x="457200" y="1762298"/>
+            <a:ext cx="8229600" cy="3112244"/>
+          </a:xfrm>
+          <a:prstGeom prst="rect">
+            <a:avLst/>
+          </a:prstGeom>
+        </p:spPr>
+        <p:txBody>
+          <a:bodyPr lIns="91425" tIns="91425" rIns="91425" bIns="91425" anchor="t" anchorCtr="0">
+            <a:noAutofit/>
+          </a:bodyPr>
+          <a:lstStyle/>
+          <a:p>
+            <a:pPr marL="457200" lvl="0" indent="-431800" rtl="0">
+              <a:lnSpc>
+                <a:spcPct val="150000"/>
+              </a:lnSpc>
+              <a:spcBef>
+                <a:spcPts val="0"/>
+              </a:spcBef>
+              <a:buClr>
+                <a:schemeClr val="dk2"/>
+              </a:buClr>
+              <a:buSzPct val="100000"/>
+              <a:buFont typeface="Arial"/>
+              <a:buChar char="●"/>
+            </a:pPr>
+            <a:r>
+              <a:rPr lang="en" dirty="0"/>
+              <a:t>Summary statistics can be misleading</a:t>
+            </a:r>
+          </a:p>
+          <a:p>
+            <a:pPr marL="914400" lvl="1" indent="-406400" rtl="0">
+              <a:lnSpc>
+                <a:spcPct val="150000"/>
+              </a:lnSpc>
+              <a:spcBef>
+                <a:spcPts val="0"/>
+              </a:spcBef>
+              <a:buClr>
+                <a:schemeClr val="dk2"/>
+              </a:buClr>
+              <a:buSzPct val="87500"/>
+              <a:buFont typeface="Courier New"/>
+              <a:buChar char="o"/>
+            </a:pPr>
+            <a:r>
+              <a:rPr lang="en" dirty="0"/>
+              <a:t>Anscombe’s Quartet (demo)</a:t>
+            </a:r>
+          </a:p>
+          <a:p>
+            <a:pPr marL="457200" lvl="0" indent="-431800" rtl="0">
+              <a:lnSpc>
+                <a:spcPct val="150000"/>
+              </a:lnSpc>
+              <a:spcBef>
+                <a:spcPts val="0"/>
+              </a:spcBef>
+              <a:buClr>
+                <a:schemeClr val="dk2"/>
+              </a:buClr>
+              <a:buSzPct val="100000"/>
+              <a:buFont typeface="Arial"/>
+              <a:buChar char="●"/>
+            </a:pPr>
+            <a:r>
+              <a:rPr lang="en" dirty="0"/>
+              <a:t>Good for getting a quick look at large amounts of data</a:t>
+            </a:r>
+          </a:p>
+          <a:p>
+            <a:pPr marL="914400" lvl="1" indent="-406400" rtl="0">
+              <a:lnSpc>
+                <a:spcPct val="150000"/>
+              </a:lnSpc>
+              <a:spcBef>
+                <a:spcPts val="0"/>
+              </a:spcBef>
+              <a:buClr>
+                <a:schemeClr val="dk2"/>
+              </a:buClr>
+              <a:buSzPct val="87500"/>
+              <a:buFont typeface="Courier New"/>
+              <a:buChar char="o"/>
+            </a:pPr>
+            <a:r>
+              <a:rPr lang="en" dirty="0"/>
+              <a:t>Combing through tables/data sets is </a:t>
+            </a:r>
+            <a:r>
+              <a:rPr lang="en" dirty="0" smtClean="0"/>
+              <a:t>tedious</a:t>
+            </a:r>
+          </a:p>
+          <a:p>
+            <a:pPr marL="457200" indent="-431800">
+              <a:lnSpc>
+                <a:spcPct val="150000"/>
+              </a:lnSpc>
+              <a:buClr>
+                <a:schemeClr val="dk2"/>
+              </a:buClr>
+              <a:buSzPct val="100000"/>
+              <a:buFont typeface="Arial"/>
+              <a:buChar char="●"/>
+            </a:pPr>
+            <a:r>
+              <a:rPr lang="en" dirty="0" smtClean="0"/>
+              <a:t>We are good at processing visualizations</a:t>
+            </a:r>
+            <a:endParaRPr lang="en" dirty="0"/>
+          </a:p>
+        </p:txBody>
+      </p:sp>
+      <p:sp>
+        <p:nvSpPr>
+          <p:cNvPr id="101" name="Shape 101"/>
+          <p:cNvSpPr txBox="1">
+            <a:spLocks noGrp="1"/>
+          </p:cNvSpPr>
+          <p:nvPr>
+            <p:ph type="title"/>
+          </p:nvPr>
+        </p:nvSpPr>
+        <p:spPr>
+          <a:xfrm>
+            <a:off x="457200" y="688116"/>
+            <a:ext cx="8229600" cy="994200"/>
+          </a:xfrm>
+          <a:prstGeom prst="rect">
+            <a:avLst/>
+          </a:prstGeom>
+        </p:spPr>
+        <p:txBody>
+          <a:bodyPr lIns="91425" tIns="91425" rIns="91425" bIns="91425" anchor="b" anchorCtr="0">
+            <a:noAutofit/>
+          </a:bodyPr>
+          <a:lstStyle/>
+          <a:p>
+            <a:pPr>
+              <a:spcBef>
+                <a:spcPts val="0"/>
+              </a:spcBef>
+              <a:buNone/>
+            </a:pPr>
+            <a:r>
+              <a:rPr lang="en" sz="3600" dirty="0"/>
+              <a:t>Why Do We Need Exploratory Plots?</a:t>
+            </a:r>
+          </a:p>
+        </p:txBody>
+      </p:sp>
+    </p:spTree>
+  </p:cSld>
+  <p:clrMapOvr>
+    <a:masterClrMapping/>
+  </p:clrMapOvr>
+  <p:transition spd="slow">
+    <p:wipe/>
+  </p:transition>
+  <p:timing>
+    <p:tnLst>
+      <p:par>
+        <p:cTn id="1" dur="indefinite" restart="never" nodeType="tmRoot"/>
+      </p:par>
+    </p:tnLst>
+  </p:timing>
+</p:sld>
+</file>
+
+<file path=ppt/slides/slide12.xml><?xml version="1.0" encoding="utf-8"?>
 <p:sld xmlns:a="http://schemas.openxmlformats.org/drawingml/2006/main" xmlns:r="http://schemas.openxmlformats.org/officeDocument/2006/relationships" xmlns:p="http://schemas.openxmlformats.org/presentationml/2006/main">
   <p:cSld>
     <p:spTree>
@@ -10408,7 +11636,7 @@
 </p:sld>
 </file>
 
-<file path=ppt/slides/slide12.xml><?xml version="1.0" encoding="utf-8"?>
+<file path=ppt/slides/slide13.xml><?xml version="1.0" encoding="utf-8"?>
 <p:sld xmlns:a="http://schemas.openxmlformats.org/drawingml/2006/main" xmlns:r="http://schemas.openxmlformats.org/officeDocument/2006/relationships" xmlns:p="http://schemas.openxmlformats.org/presentationml/2006/main">
   <p:cSld>
     <p:spTree>
@@ -10533,7 +11761,7 @@
             </a:pPr>
             <a:fld id="{00000000-1234-1234-1234-123412341234}" type="slidenum">
               <a:rPr lang="en" smtClean="0"/>
-              <a:t>12</a:t>
+              <a:t>13</a:t>
             </a:fld>
             <a:endParaRPr lang="en"/>
           </a:p>
@@ -10562,7 +11790,7 @@
 </p:sld>
 </file>
 
-<file path=ppt/slides/slide13.xml><?xml version="1.0" encoding="utf-8"?>
+<file path=ppt/slides/slide14.xml><?xml version="1.0" encoding="utf-8"?>
 <p:sld xmlns:a="http://schemas.openxmlformats.org/drawingml/2006/main" xmlns:r="http://schemas.openxmlformats.org/officeDocument/2006/relationships" xmlns:p="http://schemas.openxmlformats.org/presentationml/2006/main">
   <p:cSld>
     <p:spTree>
@@ -10713,7 +11941,7 @@
 </p:sld>
 </file>
 
-<file path=ppt/slides/slide14.xml><?xml version="1.0" encoding="utf-8"?>
+<file path=ppt/slides/slide15.xml><?xml version="1.0" encoding="utf-8"?>
 <p:sld xmlns:a="http://schemas.openxmlformats.org/drawingml/2006/main" xmlns:r="http://schemas.openxmlformats.org/officeDocument/2006/relationships" xmlns:p="http://schemas.openxmlformats.org/presentationml/2006/main">
   <p:cSld>
     <p:spTree>
@@ -10820,7 +12048,7 @@
 </p:sld>
 </file>
 
-<file path=ppt/slides/slide15.xml><?xml version="1.0" encoding="utf-8"?>
+<file path=ppt/slides/slide16.xml><?xml version="1.0" encoding="utf-8"?>
 <p:sld xmlns:a="http://schemas.openxmlformats.org/drawingml/2006/main" xmlns:r="http://schemas.openxmlformats.org/officeDocument/2006/relationships" xmlns:p="http://schemas.openxmlformats.org/presentationml/2006/main">
   <p:cSld>
     <p:spTree>
@@ -10991,7 +12219,7 @@
 </p:sld>
 </file>
 
-<file path=ppt/slides/slide16.xml><?xml version="1.0" encoding="utf-8"?>
+<file path=ppt/slides/slide17.xml><?xml version="1.0" encoding="utf-8"?>
 <p:sld xmlns:a="http://schemas.openxmlformats.org/drawingml/2006/main" xmlns:r="http://schemas.openxmlformats.org/officeDocument/2006/relationships" xmlns:p="http://schemas.openxmlformats.org/presentationml/2006/main">
   <p:cSld>
     <p:spTree>
@@ -11097,7 +12325,7 @@
 </p:sld>
 </file>
 
-<file path=ppt/slides/slide17.xml><?xml version="1.0" encoding="utf-8"?>
+<file path=ppt/slides/slide18.xml><?xml version="1.0" encoding="utf-8"?>
 <p:sld xmlns:a="http://schemas.openxmlformats.org/drawingml/2006/main" xmlns:r="http://schemas.openxmlformats.org/officeDocument/2006/relationships" xmlns:p="http://schemas.openxmlformats.org/presentationml/2006/main">
   <p:cSld>
     <p:spTree>
@@ -11253,7 +12481,7 @@
 </p:sld>
 </file>
 
-<file path=ppt/slides/slide18.xml><?xml version="1.0" encoding="utf-8"?>
+<file path=ppt/slides/slide19.xml><?xml version="1.0" encoding="utf-8"?>
 <p:sld xmlns:a="http://schemas.openxmlformats.org/drawingml/2006/main" xmlns:r="http://schemas.openxmlformats.org/officeDocument/2006/relationships" xmlns:p="http://schemas.openxmlformats.org/presentationml/2006/main">
   <p:cSld>
     <p:spTree>
@@ -11359,7 +12587,2148 @@
 </p:sld>
 </file>
 
-<file path=ppt/slides/slide19.xml><?xml version="1.0" encoding="utf-8"?>
+<file path=ppt/slides/slide2.xml><?xml version="1.0" encoding="utf-8"?>
+<p:sld xmlns:a="http://schemas.openxmlformats.org/drawingml/2006/main" xmlns:r="http://schemas.openxmlformats.org/officeDocument/2006/relationships" xmlns:p="http://schemas.openxmlformats.org/presentationml/2006/main">
+  <p:cSld>
+    <p:spTree>
+      <p:nvGrpSpPr>
+        <p:cNvPr id="1" name=""/>
+        <p:cNvGrpSpPr/>
+        <p:nvPr/>
+      </p:nvGrpSpPr>
+      <p:grpSpPr>
+        <a:xfrm>
+          <a:off x="0" y="0"/>
+          <a:ext cx="0" cy="0"/>
+          <a:chOff x="0" y="0"/>
+          <a:chExt cx="0" cy="0"/>
+        </a:xfrm>
+      </p:grpSpPr>
+      <p:sp>
+        <p:nvSpPr>
+          <p:cNvPr id="6146" name="Footer Placeholder 1"/>
+          <p:cNvSpPr>
+            <a:spLocks noGrp="1"/>
+          </p:cNvSpPr>
+          <p:nvPr>
+            <p:ph type="ftr" sz="quarter" idx="10"/>
+          </p:nvPr>
+        </p:nvSpPr>
+        <p:spPr>
+          <a:noFill/>
+          <a:ln/>
+          <a:extLst>
+            <a:ext uri="{909E8E84-426E-40DD-AFC4-6F175D3DCCD1}">
+              <a14:hiddenFill xmlns:a14="http://schemas.microsoft.com/office/drawing/2010/main">
+                <a:solidFill>
+                  <a:srgbClr val="FFFFFF"/>
+                </a:solidFill>
+              </a14:hiddenFill>
+            </a:ext>
+            <a:ext uri="{91240B29-F687-4F45-9708-019B960494DF}">
+              <a14:hiddenLine xmlns:a14="http://schemas.microsoft.com/office/drawing/2010/main" w="9525">
+                <a:solidFill>
+                  <a:srgbClr val="000000"/>
+                </a:solidFill>
+                <a:miter lim="800000"/>
+                <a:headEnd/>
+                <a:tailEnd/>
+              </a14:hiddenLine>
+            </a:ext>
+          </a:extLst>
+        </p:spPr>
+        <p:txBody>
+          <a:bodyPr/>
+          <a:lstStyle>
+            <a:lvl1pPr eaLnBrk="0" hangingPunct="0">
+              <a:defRPr sz="2400">
+                <a:solidFill>
+                  <a:schemeClr val="tx1"/>
+                </a:solidFill>
+                <a:latin typeface="Arial" pitchFamily="34" charset="0"/>
+              </a:defRPr>
+            </a:lvl1pPr>
+            <a:lvl2pPr marL="557213" indent="-214313" eaLnBrk="0" hangingPunct="0">
+              <a:defRPr sz="2400">
+                <a:solidFill>
+                  <a:schemeClr val="tx1"/>
+                </a:solidFill>
+                <a:latin typeface="Arial" pitchFamily="34" charset="0"/>
+              </a:defRPr>
+            </a:lvl2pPr>
+            <a:lvl3pPr marL="857250" indent="-171450" eaLnBrk="0" hangingPunct="0">
+              <a:defRPr sz="2400">
+                <a:solidFill>
+                  <a:schemeClr val="tx1"/>
+                </a:solidFill>
+                <a:latin typeface="Arial" pitchFamily="34" charset="0"/>
+              </a:defRPr>
+            </a:lvl3pPr>
+            <a:lvl4pPr marL="1200150" indent="-171450" eaLnBrk="0" hangingPunct="0">
+              <a:defRPr sz="2400">
+                <a:solidFill>
+                  <a:schemeClr val="tx1"/>
+                </a:solidFill>
+                <a:latin typeface="Arial" pitchFamily="34" charset="0"/>
+              </a:defRPr>
+            </a:lvl4pPr>
+            <a:lvl5pPr marL="1543050" indent="-171450" eaLnBrk="0" hangingPunct="0">
+              <a:defRPr sz="2400">
+                <a:solidFill>
+                  <a:schemeClr val="tx1"/>
+                </a:solidFill>
+                <a:latin typeface="Arial" pitchFamily="34" charset="0"/>
+              </a:defRPr>
+            </a:lvl5pPr>
+            <a:lvl6pPr marL="1885950" indent="-171450" algn="ctr" eaLnBrk="0" fontAlgn="base" hangingPunct="0">
+              <a:lnSpc>
+                <a:spcPct val="90000"/>
+              </a:lnSpc>
+              <a:spcBef>
+                <a:spcPct val="50000"/>
+              </a:spcBef>
+              <a:spcAft>
+                <a:spcPct val="0"/>
+              </a:spcAft>
+              <a:buClr>
+                <a:schemeClr val="accent1"/>
+              </a:buClr>
+              <a:defRPr sz="2400">
+                <a:solidFill>
+                  <a:schemeClr val="tx1"/>
+                </a:solidFill>
+                <a:latin typeface="Arial" pitchFamily="34" charset="0"/>
+              </a:defRPr>
+            </a:lvl6pPr>
+            <a:lvl7pPr marL="2228850" indent="-171450" algn="ctr" eaLnBrk="0" fontAlgn="base" hangingPunct="0">
+              <a:lnSpc>
+                <a:spcPct val="90000"/>
+              </a:lnSpc>
+              <a:spcBef>
+                <a:spcPct val="50000"/>
+              </a:spcBef>
+              <a:spcAft>
+                <a:spcPct val="0"/>
+              </a:spcAft>
+              <a:buClr>
+                <a:schemeClr val="accent1"/>
+              </a:buClr>
+              <a:defRPr sz="2400">
+                <a:solidFill>
+                  <a:schemeClr val="tx1"/>
+                </a:solidFill>
+                <a:latin typeface="Arial" pitchFamily="34" charset="0"/>
+              </a:defRPr>
+            </a:lvl7pPr>
+            <a:lvl8pPr marL="2571750" indent="-171450" algn="ctr" eaLnBrk="0" fontAlgn="base" hangingPunct="0">
+              <a:lnSpc>
+                <a:spcPct val="90000"/>
+              </a:lnSpc>
+              <a:spcBef>
+                <a:spcPct val="50000"/>
+              </a:spcBef>
+              <a:spcAft>
+                <a:spcPct val="0"/>
+              </a:spcAft>
+              <a:buClr>
+                <a:schemeClr val="accent1"/>
+              </a:buClr>
+              <a:defRPr sz="2400">
+                <a:solidFill>
+                  <a:schemeClr val="tx1"/>
+                </a:solidFill>
+                <a:latin typeface="Arial" pitchFamily="34" charset="0"/>
+              </a:defRPr>
+            </a:lvl8pPr>
+            <a:lvl9pPr marL="2914650" indent="-171450" algn="ctr" eaLnBrk="0" fontAlgn="base" hangingPunct="0">
+              <a:lnSpc>
+                <a:spcPct val="90000"/>
+              </a:lnSpc>
+              <a:spcBef>
+                <a:spcPct val="50000"/>
+              </a:spcBef>
+              <a:spcAft>
+                <a:spcPct val="0"/>
+              </a:spcAft>
+              <a:buClr>
+                <a:schemeClr val="accent1"/>
+              </a:buClr>
+              <a:defRPr sz="2400">
+                <a:solidFill>
+                  <a:schemeClr val="tx1"/>
+                </a:solidFill>
+                <a:latin typeface="Arial" pitchFamily="34" charset="0"/>
+              </a:defRPr>
+            </a:lvl9pPr>
+          </a:lstStyle>
+          <a:p>
+            <a:r>
+              <a:rPr lang="en-US" sz="1050">
+                <a:cs typeface="Times New Roman" pitchFamily="18" charset="0"/>
+              </a:rPr>
+              <a:t>                                                                                                                                                                         </a:t>
+            </a:r>
+            <a:fld id="{9ED0234E-F60B-4C84-8611-3D9282047A88}" type="slidenum">
+              <a:rPr lang="en-US" sz="1050">
+                <a:cs typeface="Times New Roman" pitchFamily="18" charset="0"/>
+              </a:rPr>
+              <a:pPr/>
+              <a:t>2</a:t>
+            </a:fld>
+            <a:endParaRPr lang="en-US" sz="1050">
+              <a:cs typeface="Times New Roman" pitchFamily="18" charset="0"/>
+            </a:endParaRPr>
+          </a:p>
+        </p:txBody>
+      </p:sp>
+      <p:sp>
+        <p:nvSpPr>
+          <p:cNvPr id="6147" name="Rectangle 9"/>
+          <p:cNvSpPr>
+            <a:spLocks noChangeArrowheads="1"/>
+          </p:cNvSpPr>
+          <p:nvPr/>
+        </p:nvSpPr>
+        <p:spPr bwMode="auto">
+          <a:xfrm>
+            <a:off x="1143000" y="1014413"/>
+            <a:ext cx="6858000" cy="3084910"/>
+          </a:xfrm>
+          <a:prstGeom prst="rect">
+            <a:avLst/>
+          </a:prstGeom>
+          <a:gradFill rotWithShape="1">
+            <a:gsLst>
+              <a:gs pos="0">
+                <a:srgbClr val="DCDCDC"/>
+              </a:gs>
+              <a:gs pos="100000">
+                <a:srgbClr val="FFFFFF"/>
+              </a:gs>
+            </a:gsLst>
+            <a:lin ang="5400000" scaled="1"/>
+          </a:gradFill>
+          <a:ln>
+            <a:noFill/>
+          </a:ln>
+          <a:extLst>
+            <a:ext uri="{91240B29-F687-4F45-9708-019B960494DF}">
+              <a14:hiddenLine xmlns:a14="http://schemas.microsoft.com/office/drawing/2010/main" w="9525">
+                <a:solidFill>
+                  <a:srgbClr val="000000"/>
+                </a:solidFill>
+                <a:miter lim="800000"/>
+                <a:headEnd/>
+                <a:tailEnd/>
+              </a14:hiddenLine>
+            </a:ext>
+          </a:extLst>
+        </p:spPr>
+        <p:txBody>
+          <a:bodyPr wrap="none" anchor="ctr"/>
+          <a:lstStyle/>
+          <a:p>
+            <a:pPr algn="l">
+              <a:lnSpc>
+                <a:spcPct val="100000"/>
+              </a:lnSpc>
+              <a:spcBef>
+                <a:spcPct val="0"/>
+              </a:spcBef>
+              <a:buClrTx/>
+            </a:pPr>
+            <a:endParaRPr lang="en-US" sz="1350">
+              <a:cs typeface="Arial" pitchFamily="34" charset="0"/>
+            </a:endParaRPr>
+          </a:p>
+        </p:txBody>
+      </p:sp>
+      <p:sp>
+        <p:nvSpPr>
+          <p:cNvPr id="6148" name="Rectangle 42"/>
+          <p:cNvSpPr>
+            <a:spLocks noChangeArrowheads="1"/>
+          </p:cNvSpPr>
+          <p:nvPr/>
+        </p:nvSpPr>
+        <p:spPr bwMode="auto">
+          <a:xfrm>
+            <a:off x="1828800" y="3183624"/>
+            <a:ext cx="5272088" cy="219291"/>
+          </a:xfrm>
+          <a:prstGeom prst="rect">
+            <a:avLst/>
+          </a:prstGeom>
+          <a:gradFill rotWithShape="1">
+            <a:gsLst>
+              <a:gs pos="0">
+                <a:srgbClr val="666666">
+                  <a:alpha val="0"/>
+                </a:srgbClr>
+              </a:gs>
+              <a:gs pos="100000">
+                <a:srgbClr val="DCDCDC"/>
+              </a:gs>
+            </a:gsLst>
+            <a:lin ang="5400000" scaled="1"/>
+          </a:gradFill>
+          <a:ln>
+            <a:noFill/>
+          </a:ln>
+          <a:extLst>
+            <a:ext uri="{91240B29-F687-4F45-9708-019B960494DF}">
+              <a14:hiddenLine xmlns:a14="http://schemas.microsoft.com/office/drawing/2010/main" w="9525" algn="ctr">
+                <a:solidFill>
+                  <a:srgbClr val="000000"/>
+                </a:solidFill>
+                <a:miter lim="800000"/>
+                <a:headEnd/>
+                <a:tailEnd/>
+              </a14:hiddenLine>
+            </a:ext>
+          </a:extLst>
+        </p:spPr>
+        <p:txBody>
+          <a:bodyPr anchor="ctr">
+            <a:spAutoFit/>
+          </a:bodyPr>
+          <a:lstStyle/>
+          <a:p>
+            <a:pPr algn="l">
+              <a:lnSpc>
+                <a:spcPct val="100000"/>
+              </a:lnSpc>
+              <a:spcBef>
+                <a:spcPct val="0"/>
+              </a:spcBef>
+              <a:buClrTx/>
+            </a:pPr>
+            <a:endParaRPr lang="en-US" sz="825" b="1">
+              <a:solidFill>
+                <a:schemeClr val="bg1"/>
+              </a:solidFill>
+              <a:cs typeface="Arial" pitchFamily="34" charset="0"/>
+            </a:endParaRPr>
+          </a:p>
+        </p:txBody>
+      </p:sp>
+      <p:sp>
+        <p:nvSpPr>
+          <p:cNvPr id="6149" name="Rectangle 2"/>
+          <p:cNvSpPr>
+            <a:spLocks noGrp="1" noChangeArrowheads="1"/>
+          </p:cNvSpPr>
+          <p:nvPr>
+            <p:ph type="title" idx="4294967295"/>
+          </p:nvPr>
+        </p:nvSpPr>
+        <p:spPr/>
+        <p:txBody>
+          <a:bodyPr/>
+          <a:lstStyle/>
+          <a:p>
+            <a:pPr eaLnBrk="1" hangingPunct="1"/>
+            <a:r>
+              <a:rPr lang="en-US" dirty="0" smtClean="0"/>
+              <a:t>More data than ever…</a:t>
+            </a:r>
+          </a:p>
+        </p:txBody>
+      </p:sp>
+      <p:sp>
+        <p:nvSpPr>
+          <p:cNvPr id="6150" name="Text Box 32"/>
+          <p:cNvSpPr txBox="1">
+            <a:spLocks noChangeArrowheads="1"/>
+          </p:cNvSpPr>
+          <p:nvPr/>
+        </p:nvSpPr>
+        <p:spPr bwMode="auto">
+          <a:xfrm>
+            <a:off x="6925867" y="4395788"/>
+            <a:ext cx="726160" cy="185149"/>
+          </a:xfrm>
+          <a:prstGeom prst="rect">
+            <a:avLst/>
+          </a:prstGeom>
+          <a:noFill/>
+          <a:ln>
+            <a:noFill/>
+          </a:ln>
+          <a:extLst>
+            <a:ext uri="{909E8E84-426E-40DD-AFC4-6F175D3DCCD1}">
+              <a14:hiddenFill xmlns:a14="http://schemas.microsoft.com/office/drawing/2010/main">
+                <a:solidFill>
+                  <a:srgbClr val="FFFFFF"/>
+                </a:solidFill>
+              </a14:hiddenFill>
+            </a:ext>
+            <a:ext uri="{91240B29-F687-4F45-9708-019B960494DF}">
+              <a14:hiddenLine xmlns:a14="http://schemas.microsoft.com/office/drawing/2010/main" w="9525">
+                <a:solidFill>
+                  <a:srgbClr val="000000"/>
+                </a:solidFill>
+                <a:miter lim="800000"/>
+                <a:headEnd/>
+                <a:tailEnd/>
+              </a14:hiddenLine>
+            </a:ext>
+          </a:extLst>
+        </p:spPr>
+        <p:txBody>
+          <a:bodyPr wrap="none" lIns="69056" tIns="34529" rIns="69056" bIns="34529">
+            <a:spAutoFit/>
+          </a:bodyPr>
+          <a:lstStyle>
+            <a:lvl1pPr eaLnBrk="0" hangingPunct="0">
+              <a:defRPr sz="3200">
+                <a:solidFill>
+                  <a:schemeClr val="tx1"/>
+                </a:solidFill>
+                <a:latin typeface="Arial" pitchFamily="34" charset="0"/>
+              </a:defRPr>
+            </a:lvl1pPr>
+            <a:lvl2pPr marL="742950" indent="-285750" eaLnBrk="0" hangingPunct="0">
+              <a:defRPr sz="3200">
+                <a:solidFill>
+                  <a:schemeClr val="tx1"/>
+                </a:solidFill>
+                <a:latin typeface="Arial" pitchFamily="34" charset="0"/>
+              </a:defRPr>
+            </a:lvl2pPr>
+            <a:lvl3pPr marL="1143000" indent="-228600" eaLnBrk="0" hangingPunct="0">
+              <a:defRPr sz="3200">
+                <a:solidFill>
+                  <a:schemeClr val="tx1"/>
+                </a:solidFill>
+                <a:latin typeface="Arial" pitchFamily="34" charset="0"/>
+              </a:defRPr>
+            </a:lvl3pPr>
+            <a:lvl4pPr marL="1600200" indent="-228600" eaLnBrk="0" hangingPunct="0">
+              <a:defRPr sz="3200">
+                <a:solidFill>
+                  <a:schemeClr val="tx1"/>
+                </a:solidFill>
+                <a:latin typeface="Arial" pitchFamily="34" charset="0"/>
+              </a:defRPr>
+            </a:lvl4pPr>
+            <a:lvl5pPr marL="2057400" indent="-228600" eaLnBrk="0" hangingPunct="0">
+              <a:defRPr sz="3200">
+                <a:solidFill>
+                  <a:schemeClr val="tx1"/>
+                </a:solidFill>
+                <a:latin typeface="Arial" pitchFamily="34" charset="0"/>
+              </a:defRPr>
+            </a:lvl5pPr>
+            <a:lvl6pPr marL="2514600" indent="-228600" algn="ctr" eaLnBrk="0" fontAlgn="base" hangingPunct="0">
+              <a:lnSpc>
+                <a:spcPct val="90000"/>
+              </a:lnSpc>
+              <a:spcBef>
+                <a:spcPct val="50000"/>
+              </a:spcBef>
+              <a:spcAft>
+                <a:spcPct val="0"/>
+              </a:spcAft>
+              <a:buClr>
+                <a:schemeClr val="accent1"/>
+              </a:buClr>
+              <a:defRPr sz="3200">
+                <a:solidFill>
+                  <a:schemeClr val="tx1"/>
+                </a:solidFill>
+                <a:latin typeface="Arial" pitchFamily="34" charset="0"/>
+              </a:defRPr>
+            </a:lvl6pPr>
+            <a:lvl7pPr marL="2971800" indent="-228600" algn="ctr" eaLnBrk="0" fontAlgn="base" hangingPunct="0">
+              <a:lnSpc>
+                <a:spcPct val="90000"/>
+              </a:lnSpc>
+              <a:spcBef>
+                <a:spcPct val="50000"/>
+              </a:spcBef>
+              <a:spcAft>
+                <a:spcPct val="0"/>
+              </a:spcAft>
+              <a:buClr>
+                <a:schemeClr val="accent1"/>
+              </a:buClr>
+              <a:defRPr sz="3200">
+                <a:solidFill>
+                  <a:schemeClr val="tx1"/>
+                </a:solidFill>
+                <a:latin typeface="Arial" pitchFamily="34" charset="0"/>
+              </a:defRPr>
+            </a:lvl7pPr>
+            <a:lvl8pPr marL="3429000" indent="-228600" algn="ctr" eaLnBrk="0" fontAlgn="base" hangingPunct="0">
+              <a:lnSpc>
+                <a:spcPct val="90000"/>
+              </a:lnSpc>
+              <a:spcBef>
+                <a:spcPct val="50000"/>
+              </a:spcBef>
+              <a:spcAft>
+                <a:spcPct val="0"/>
+              </a:spcAft>
+              <a:buClr>
+                <a:schemeClr val="accent1"/>
+              </a:buClr>
+              <a:defRPr sz="3200">
+                <a:solidFill>
+                  <a:schemeClr val="tx1"/>
+                </a:solidFill>
+                <a:latin typeface="Arial" pitchFamily="34" charset="0"/>
+              </a:defRPr>
+            </a:lvl8pPr>
+            <a:lvl9pPr marL="3886200" indent="-228600" algn="ctr" eaLnBrk="0" fontAlgn="base" hangingPunct="0">
+              <a:lnSpc>
+                <a:spcPct val="90000"/>
+              </a:lnSpc>
+              <a:spcBef>
+                <a:spcPct val="50000"/>
+              </a:spcBef>
+              <a:spcAft>
+                <a:spcPct val="0"/>
+              </a:spcAft>
+              <a:buClr>
+                <a:schemeClr val="accent1"/>
+              </a:buClr>
+              <a:defRPr sz="3200">
+                <a:solidFill>
+                  <a:schemeClr val="tx1"/>
+                </a:solidFill>
+                <a:latin typeface="Arial" pitchFamily="34" charset="0"/>
+              </a:defRPr>
+            </a:lvl9pPr>
+          </a:lstStyle>
+          <a:p>
+            <a:pPr eaLnBrk="1" hangingPunct="1"/>
+            <a:r>
+              <a:rPr lang="en-US" sz="750" b="1" dirty="0">
+                <a:ea typeface="ＭＳ Ｐゴシック" pitchFamily="34" charset="-128"/>
+                <a:cs typeface="Arial" pitchFamily="34" charset="0"/>
+              </a:rPr>
+              <a:t>Source: </a:t>
+            </a:r>
+            <a:r>
+              <a:rPr lang="en-US" sz="750" b="1" dirty="0">
+                <a:ea typeface="ＭＳ Ｐゴシック" pitchFamily="34" charset="-128"/>
+                <a:cs typeface="Arial" pitchFamily="34" charset="0"/>
+              </a:rPr>
+              <a:t>CSC</a:t>
+            </a:r>
+            <a:endParaRPr lang="en-US" sz="750" b="1" dirty="0">
+              <a:ea typeface="ＭＳ Ｐゴシック" pitchFamily="34" charset="-128"/>
+              <a:cs typeface="Arial" pitchFamily="34" charset="0"/>
+            </a:endParaRPr>
+          </a:p>
+        </p:txBody>
+      </p:sp>
+      <p:sp>
+        <p:nvSpPr>
+          <p:cNvPr id="231438" name="Text Box 14"/>
+          <p:cNvSpPr txBox="1">
+            <a:spLocks noChangeArrowheads="1"/>
+          </p:cNvSpPr>
+          <p:nvPr/>
+        </p:nvSpPr>
+        <p:spPr bwMode="auto">
+          <a:xfrm>
+            <a:off x="6137068" y="3712369"/>
+            <a:ext cx="603050" cy="276999"/>
+          </a:xfrm>
+          <a:prstGeom prst="rect">
+            <a:avLst/>
+          </a:prstGeom>
+          <a:noFill/>
+          <a:ln w="9525" algn="ctr">
+            <a:noFill/>
+            <a:miter lim="800000"/>
+            <a:headEnd/>
+            <a:tailEnd/>
+          </a:ln>
+          <a:effectLst>
+            <a:prstShdw prst="shdw17" dist="17961" dir="2700000">
+              <a:schemeClr val="accent1">
+                <a:gamma/>
+                <a:shade val="60000"/>
+                <a:invGamma/>
+              </a:schemeClr>
+            </a:prstShdw>
+          </a:effectLst>
+        </p:spPr>
+        <p:txBody>
+          <a:bodyPr wrap="none">
+            <a:spAutoFit/>
+          </a:bodyPr>
+          <a:lstStyle/>
+          <a:p>
+            <a:pPr algn="l">
+              <a:lnSpc>
+                <a:spcPct val="100000"/>
+              </a:lnSpc>
+              <a:spcBef>
+                <a:spcPct val="0"/>
+              </a:spcBef>
+              <a:buClrTx/>
+              <a:defRPr/>
+            </a:pPr>
+            <a:r>
+              <a:rPr lang="en-US" sz="1200" b="1" dirty="0">
+                <a:solidFill>
+                  <a:schemeClr val="hlink"/>
+                </a:solidFill>
+                <a:latin typeface="Arial" charset="0"/>
+                <a:cs typeface="Arial" charset="0"/>
+              </a:rPr>
+              <a:t>35 ZB</a:t>
+            </a:r>
+            <a:endParaRPr lang="en-US" sz="1200" b="1" dirty="0">
+              <a:solidFill>
+                <a:schemeClr val="hlink"/>
+              </a:solidFill>
+              <a:latin typeface="Arial" charset="0"/>
+              <a:cs typeface="Arial" charset="0"/>
+            </a:endParaRPr>
+          </a:p>
+        </p:txBody>
+      </p:sp>
+      <p:grpSp>
+        <p:nvGrpSpPr>
+          <p:cNvPr id="6152" name="Group 29"/>
+          <p:cNvGrpSpPr>
+            <a:grpSpLocks/>
+          </p:cNvGrpSpPr>
+          <p:nvPr/>
+        </p:nvGrpSpPr>
+        <p:grpSpPr bwMode="auto">
+          <a:xfrm>
+            <a:off x="1832373" y="3985022"/>
+            <a:ext cx="5392340" cy="108347"/>
+            <a:chOff x="579" y="3347"/>
+            <a:chExt cx="4529" cy="91"/>
+          </a:xfrm>
+        </p:grpSpPr>
+        <p:sp>
+          <p:nvSpPr>
+            <p:cNvPr id="6163" name="AutoShape 27"/>
+            <p:cNvSpPr>
+              <a:spLocks noChangeArrowheads="1"/>
+            </p:cNvSpPr>
+            <p:nvPr/>
+          </p:nvSpPr>
+          <p:spPr bwMode="auto">
+            <a:xfrm rot="5400000">
+              <a:off x="5013" y="3343"/>
+              <a:ext cx="91" cy="99"/>
+            </a:xfrm>
+            <a:prstGeom prst="triangle">
+              <a:avLst>
+                <a:gd name="adj" fmla="val 50000"/>
+              </a:avLst>
+            </a:prstGeom>
+            <a:solidFill>
+              <a:schemeClr val="hlink"/>
+            </a:solidFill>
+            <a:ln>
+              <a:noFill/>
+            </a:ln>
+            <a:extLst>
+              <a:ext uri="{91240B29-F687-4F45-9708-019B960494DF}">
+                <a14:hiddenLine xmlns:a14="http://schemas.microsoft.com/office/drawing/2010/main" w="9525" algn="ctr">
+                  <a:solidFill>
+                    <a:srgbClr val="000000"/>
+                  </a:solidFill>
+                  <a:miter lim="800000"/>
+                  <a:headEnd/>
+                  <a:tailEnd/>
+                </a14:hiddenLine>
+              </a:ext>
+            </a:extLst>
+          </p:spPr>
+          <p:txBody>
+            <a:bodyPr rot="10800000" vert="eaVert" wrap="none" anchor="ctr"/>
+            <a:lstStyle/>
+            <a:p>
+              <a:pPr algn="l">
+                <a:lnSpc>
+                  <a:spcPct val="100000"/>
+                </a:lnSpc>
+                <a:spcBef>
+                  <a:spcPct val="0"/>
+                </a:spcBef>
+                <a:buClrTx/>
+              </a:pPr>
+              <a:endParaRPr lang="en-US" sz="825" b="1">
+                <a:solidFill>
+                  <a:schemeClr val="bg1"/>
+                </a:solidFill>
+                <a:cs typeface="Arial" pitchFamily="34" charset="0"/>
+              </a:endParaRPr>
+            </a:p>
+          </p:txBody>
+        </p:sp>
+        <p:sp>
+          <p:nvSpPr>
+            <p:cNvPr id="6164" name="Rectangle 28"/>
+            <p:cNvSpPr>
+              <a:spLocks noChangeArrowheads="1"/>
+            </p:cNvSpPr>
+            <p:nvPr/>
+          </p:nvSpPr>
+          <p:spPr bwMode="auto">
+            <a:xfrm rot="5400000">
+              <a:off x="2767" y="1176"/>
+              <a:ext cx="56" cy="4431"/>
+            </a:xfrm>
+            <a:prstGeom prst="rect">
+              <a:avLst/>
+            </a:prstGeom>
+            <a:solidFill>
+              <a:schemeClr val="hlink"/>
+            </a:solidFill>
+            <a:ln>
+              <a:noFill/>
+            </a:ln>
+            <a:extLst>
+              <a:ext uri="{91240B29-F687-4F45-9708-019B960494DF}">
+                <a14:hiddenLine xmlns:a14="http://schemas.microsoft.com/office/drawing/2010/main" w="9525" algn="ctr">
+                  <a:solidFill>
+                    <a:srgbClr val="000000"/>
+                  </a:solidFill>
+                  <a:miter lim="800000"/>
+                  <a:headEnd/>
+                  <a:tailEnd/>
+                </a14:hiddenLine>
+              </a:ext>
+            </a:extLst>
+          </p:spPr>
+          <p:txBody>
+            <a:bodyPr rot="10800000" vert="eaVert" wrap="none" anchor="ctr"/>
+            <a:lstStyle/>
+            <a:p>
+              <a:pPr algn="l">
+                <a:lnSpc>
+                  <a:spcPct val="100000"/>
+                </a:lnSpc>
+                <a:spcBef>
+                  <a:spcPct val="0"/>
+                </a:spcBef>
+                <a:buClrTx/>
+              </a:pPr>
+              <a:endParaRPr lang="en-US" sz="825" b="1">
+                <a:solidFill>
+                  <a:schemeClr val="bg1"/>
+                </a:solidFill>
+                <a:cs typeface="Arial" pitchFamily="34" charset="0"/>
+              </a:endParaRPr>
+            </a:p>
+          </p:txBody>
+        </p:sp>
+      </p:grpSp>
+      <p:sp>
+        <p:nvSpPr>
+          <p:cNvPr id="6153" name="Oval 31"/>
+          <p:cNvSpPr>
+            <a:spLocks noChangeArrowheads="1"/>
+          </p:cNvSpPr>
+          <p:nvPr/>
+        </p:nvSpPr>
+        <p:spPr bwMode="auto">
+          <a:xfrm>
+            <a:off x="2308622" y="3450436"/>
+            <a:ext cx="259766" cy="308364"/>
+          </a:xfrm>
+          <a:prstGeom prst="ellipse">
+            <a:avLst/>
+          </a:prstGeom>
+          <a:solidFill>
+            <a:schemeClr val="accent1"/>
+          </a:solidFill>
+          <a:ln w="19050" algn="ctr">
+            <a:solidFill>
+              <a:schemeClr val="bg1">
+                <a:alpha val="50195"/>
+              </a:schemeClr>
+            </a:solidFill>
+            <a:round/>
+            <a:headEnd/>
+            <a:tailEnd/>
+          </a:ln>
+        </p:spPr>
+        <p:txBody>
+          <a:bodyPr wrap="none" anchor="ctr">
+            <a:spAutoFit/>
+          </a:bodyPr>
+          <a:lstStyle/>
+          <a:p>
+            <a:pPr algn="l">
+              <a:lnSpc>
+                <a:spcPct val="100000"/>
+              </a:lnSpc>
+              <a:spcBef>
+                <a:spcPct val="0"/>
+              </a:spcBef>
+              <a:buClrTx/>
+            </a:pPr>
+            <a:endParaRPr lang="en-US" sz="825" b="1">
+              <a:solidFill>
+                <a:schemeClr val="bg1"/>
+              </a:solidFill>
+              <a:cs typeface="Arial" pitchFamily="34" charset="0"/>
+            </a:endParaRPr>
+          </a:p>
+        </p:txBody>
+      </p:sp>
+      <p:sp>
+        <p:nvSpPr>
+          <p:cNvPr id="6154" name="Oval 32"/>
+          <p:cNvSpPr>
+            <a:spLocks noChangeArrowheads="1"/>
+          </p:cNvSpPr>
+          <p:nvPr/>
+        </p:nvSpPr>
+        <p:spPr bwMode="auto">
+          <a:xfrm>
+            <a:off x="2681287" y="3381975"/>
+            <a:ext cx="259766" cy="308364"/>
+          </a:xfrm>
+          <a:prstGeom prst="ellipse">
+            <a:avLst/>
+          </a:prstGeom>
+          <a:solidFill>
+            <a:schemeClr val="accent1"/>
+          </a:solidFill>
+          <a:ln w="28575" algn="ctr">
+            <a:solidFill>
+              <a:schemeClr val="bg1">
+                <a:alpha val="50195"/>
+              </a:schemeClr>
+            </a:solidFill>
+            <a:round/>
+            <a:headEnd/>
+            <a:tailEnd/>
+          </a:ln>
+        </p:spPr>
+        <p:txBody>
+          <a:bodyPr wrap="none" anchor="ctr">
+            <a:spAutoFit/>
+          </a:bodyPr>
+          <a:lstStyle/>
+          <a:p>
+            <a:pPr algn="l">
+              <a:lnSpc>
+                <a:spcPct val="100000"/>
+              </a:lnSpc>
+              <a:spcBef>
+                <a:spcPct val="0"/>
+              </a:spcBef>
+              <a:buClrTx/>
+            </a:pPr>
+            <a:endParaRPr lang="en-US" sz="825" b="1">
+              <a:solidFill>
+                <a:schemeClr val="bg1"/>
+              </a:solidFill>
+              <a:cs typeface="Arial" pitchFamily="34" charset="0"/>
+            </a:endParaRPr>
+          </a:p>
+        </p:txBody>
+      </p:sp>
+      <p:sp>
+        <p:nvSpPr>
+          <p:cNvPr id="6155" name="Oval 33"/>
+          <p:cNvSpPr>
+            <a:spLocks noChangeAspect="1" noChangeArrowheads="1"/>
+          </p:cNvSpPr>
+          <p:nvPr/>
+        </p:nvSpPr>
+        <p:spPr bwMode="auto">
+          <a:xfrm>
+            <a:off x="3190875" y="3244458"/>
+            <a:ext cx="259766" cy="308364"/>
+          </a:xfrm>
+          <a:prstGeom prst="ellipse">
+            <a:avLst/>
+          </a:prstGeom>
+          <a:solidFill>
+            <a:schemeClr val="accent1"/>
+          </a:solidFill>
+          <a:ln w="38100" algn="ctr">
+            <a:solidFill>
+              <a:schemeClr val="bg1">
+                <a:alpha val="50195"/>
+              </a:schemeClr>
+            </a:solidFill>
+            <a:round/>
+            <a:headEnd/>
+            <a:tailEnd/>
+          </a:ln>
+        </p:spPr>
+        <p:txBody>
+          <a:bodyPr wrap="none" anchor="ctr">
+            <a:spAutoFit/>
+          </a:bodyPr>
+          <a:lstStyle/>
+          <a:p>
+            <a:pPr algn="l">
+              <a:lnSpc>
+                <a:spcPct val="100000"/>
+              </a:lnSpc>
+              <a:spcBef>
+                <a:spcPct val="0"/>
+              </a:spcBef>
+              <a:buClrTx/>
+            </a:pPr>
+            <a:endParaRPr lang="en-US" sz="825" b="1">
+              <a:solidFill>
+                <a:schemeClr val="bg1"/>
+              </a:solidFill>
+              <a:cs typeface="Arial" pitchFamily="34" charset="0"/>
+            </a:endParaRPr>
+          </a:p>
+        </p:txBody>
+      </p:sp>
+      <p:sp>
+        <p:nvSpPr>
+          <p:cNvPr id="6156" name="Oval 34"/>
+          <p:cNvSpPr>
+            <a:spLocks noChangeAspect="1" noChangeArrowheads="1"/>
+          </p:cNvSpPr>
+          <p:nvPr/>
+        </p:nvSpPr>
+        <p:spPr bwMode="auto">
+          <a:xfrm>
+            <a:off x="3975497" y="2970019"/>
+            <a:ext cx="259766" cy="308364"/>
+          </a:xfrm>
+          <a:prstGeom prst="ellipse">
+            <a:avLst/>
+          </a:prstGeom>
+          <a:solidFill>
+            <a:schemeClr val="accent1"/>
+          </a:solidFill>
+          <a:ln w="57150" algn="ctr">
+            <a:solidFill>
+              <a:schemeClr val="bg1">
+                <a:alpha val="50195"/>
+              </a:schemeClr>
+            </a:solidFill>
+            <a:round/>
+            <a:headEnd/>
+            <a:tailEnd/>
+          </a:ln>
+        </p:spPr>
+        <p:txBody>
+          <a:bodyPr wrap="none" anchor="ctr">
+            <a:spAutoFit/>
+          </a:bodyPr>
+          <a:lstStyle/>
+          <a:p>
+            <a:pPr algn="l">
+              <a:lnSpc>
+                <a:spcPct val="100000"/>
+              </a:lnSpc>
+              <a:spcBef>
+                <a:spcPct val="0"/>
+              </a:spcBef>
+              <a:buClrTx/>
+            </a:pPr>
+            <a:endParaRPr lang="en-US" sz="825" b="1">
+              <a:solidFill>
+                <a:schemeClr val="bg1"/>
+              </a:solidFill>
+              <a:cs typeface="Arial" pitchFamily="34" charset="0"/>
+            </a:endParaRPr>
+          </a:p>
+        </p:txBody>
+      </p:sp>
+      <p:grpSp>
+        <p:nvGrpSpPr>
+          <p:cNvPr id="6157" name="Group 43"/>
+          <p:cNvGrpSpPr>
+            <a:grpSpLocks/>
+          </p:cNvGrpSpPr>
+          <p:nvPr/>
+        </p:nvGrpSpPr>
+        <p:grpSpPr bwMode="auto">
+          <a:xfrm>
+            <a:off x="5308998" y="2288384"/>
+            <a:ext cx="2119313" cy="553642"/>
+            <a:chOff x="3265" y="2030"/>
+            <a:chExt cx="1780" cy="465"/>
+          </a:xfrm>
+        </p:grpSpPr>
+        <p:sp>
+          <p:nvSpPr>
+            <p:cNvPr id="6161" name="Oval 35"/>
+            <p:cNvSpPr>
+              <a:spLocks noChangeAspect="1" noChangeArrowheads="1"/>
+            </p:cNvSpPr>
+            <p:nvPr/>
+          </p:nvSpPr>
+          <p:spPr bwMode="auto">
+            <a:xfrm>
+              <a:off x="3265" y="2142"/>
+              <a:ext cx="218" cy="259"/>
+            </a:xfrm>
+            <a:prstGeom prst="ellipse">
+              <a:avLst/>
+            </a:prstGeom>
+            <a:solidFill>
+              <a:schemeClr val="accent1"/>
+            </a:solidFill>
+            <a:ln w="76200" algn="ctr">
+              <a:solidFill>
+                <a:srgbClr val="FFFFFF">
+                  <a:alpha val="50195"/>
+                </a:srgbClr>
+              </a:solidFill>
+              <a:round/>
+              <a:headEnd/>
+              <a:tailEnd/>
+            </a:ln>
+          </p:spPr>
+          <p:txBody>
+            <a:bodyPr wrap="none" anchor="ctr">
+              <a:spAutoFit/>
+            </a:bodyPr>
+            <a:lstStyle/>
+            <a:p>
+              <a:pPr algn="l">
+                <a:lnSpc>
+                  <a:spcPct val="100000"/>
+                </a:lnSpc>
+                <a:spcBef>
+                  <a:spcPct val="0"/>
+                </a:spcBef>
+                <a:buClrTx/>
+              </a:pPr>
+              <a:endParaRPr lang="en-US" sz="825" b="1">
+                <a:solidFill>
+                  <a:schemeClr val="bg1"/>
+                </a:solidFill>
+                <a:cs typeface="Arial" pitchFamily="34" charset="0"/>
+              </a:endParaRPr>
+            </a:p>
+          </p:txBody>
+        </p:sp>
+        <p:sp>
+          <p:nvSpPr>
+            <p:cNvPr id="231440" name="Text Box 16"/>
+            <p:cNvSpPr txBox="1">
+              <a:spLocks noChangeArrowheads="1"/>
+            </p:cNvSpPr>
+            <p:nvPr/>
+          </p:nvSpPr>
+          <p:spPr bwMode="auto">
+            <a:xfrm>
+              <a:off x="3442" y="2030"/>
+              <a:ext cx="1603" cy="465"/>
+            </a:xfrm>
+            <a:prstGeom prst="rect">
+              <a:avLst/>
+            </a:prstGeom>
+            <a:noFill/>
+            <a:ln w="9525" algn="ctr">
+              <a:noFill/>
+              <a:miter lim="800000"/>
+              <a:headEnd/>
+              <a:tailEnd/>
+            </a:ln>
+            <a:effectLst>
+              <a:prstShdw prst="shdw17" dist="17961" dir="2700000">
+                <a:schemeClr val="accent1">
+                  <a:gamma/>
+                  <a:shade val="60000"/>
+                  <a:invGamma/>
+                </a:schemeClr>
+              </a:prstShdw>
+            </a:effectLst>
+          </p:spPr>
+          <p:txBody>
+            <a:bodyPr wrap="square">
+              <a:spAutoFit/>
+            </a:bodyPr>
+            <a:lstStyle/>
+            <a:p>
+              <a:pPr marL="257175" indent="-257175">
+                <a:spcBef>
+                  <a:spcPct val="0"/>
+                </a:spcBef>
+                <a:buFont typeface="Arial" panose="020B0604020202020204" pitchFamily="34" charset="0"/>
+                <a:buChar char="•"/>
+                <a:defRPr/>
+              </a:pPr>
+              <a:r>
+                <a:rPr lang="en-US" sz="1500" b="1" dirty="0">
+                  <a:solidFill>
+                    <a:schemeClr val="bg1"/>
+                  </a:solidFill>
+                  <a:latin typeface="Arial" charset="0"/>
+                  <a:cs typeface="Arial" charset="0"/>
+                </a:rPr>
+                <a:t>4300% increase yearly by 2020</a:t>
+              </a:r>
+            </a:p>
+          </p:txBody>
+        </p:sp>
+      </p:grpSp>
+      <p:sp>
+        <p:nvSpPr>
+          <p:cNvPr id="231469" name="Text Box 45"/>
+          <p:cNvSpPr txBox="1">
+            <a:spLocks noChangeArrowheads="1"/>
+          </p:cNvSpPr>
+          <p:nvPr/>
+        </p:nvSpPr>
+        <p:spPr bwMode="auto">
+          <a:xfrm>
+            <a:off x="1821656" y="4094560"/>
+            <a:ext cx="486030" cy="253916"/>
+          </a:xfrm>
+          <a:prstGeom prst="rect">
+            <a:avLst/>
+          </a:prstGeom>
+          <a:noFill/>
+          <a:ln w="9525" algn="ctr">
+            <a:noFill/>
+            <a:miter lim="800000"/>
+            <a:headEnd/>
+            <a:tailEnd/>
+          </a:ln>
+          <a:effectLst>
+            <a:prstShdw prst="shdw17" dist="17961" dir="2700000">
+              <a:schemeClr val="accent1">
+                <a:gamma/>
+                <a:shade val="60000"/>
+                <a:invGamma/>
+              </a:schemeClr>
+            </a:prstShdw>
+          </a:effectLst>
+        </p:spPr>
+        <p:txBody>
+          <a:bodyPr wrap="none">
+            <a:spAutoFit/>
+          </a:bodyPr>
+          <a:lstStyle/>
+          <a:p>
+            <a:pPr>
+              <a:lnSpc>
+                <a:spcPct val="100000"/>
+              </a:lnSpc>
+              <a:spcBef>
+                <a:spcPct val="0"/>
+              </a:spcBef>
+              <a:buClrTx/>
+              <a:defRPr/>
+            </a:pPr>
+            <a:r>
+              <a:rPr lang="en-US" sz="1050" dirty="0">
+                <a:latin typeface="Arial" charset="0"/>
+                <a:cs typeface="Arial" charset="0"/>
+              </a:rPr>
+              <a:t>2006</a:t>
+            </a:r>
+          </a:p>
+        </p:txBody>
+      </p:sp>
+      <p:sp>
+        <p:nvSpPr>
+          <p:cNvPr id="231473" name="Text Box 49"/>
+          <p:cNvSpPr txBox="1">
+            <a:spLocks noChangeArrowheads="1"/>
+          </p:cNvSpPr>
+          <p:nvPr/>
+        </p:nvSpPr>
+        <p:spPr bwMode="auto">
+          <a:xfrm>
+            <a:off x="6190060" y="4094560"/>
+            <a:ext cx="486030" cy="253916"/>
+          </a:xfrm>
+          <a:prstGeom prst="rect">
+            <a:avLst/>
+          </a:prstGeom>
+          <a:noFill/>
+          <a:ln w="9525" algn="ctr">
+            <a:noFill/>
+            <a:miter lim="800000"/>
+            <a:headEnd/>
+            <a:tailEnd/>
+          </a:ln>
+          <a:effectLst>
+            <a:prstShdw prst="shdw17" dist="17961" dir="2700000">
+              <a:schemeClr val="accent1">
+                <a:gamma/>
+                <a:shade val="60000"/>
+                <a:invGamma/>
+              </a:schemeClr>
+            </a:prstShdw>
+          </a:effectLst>
+        </p:spPr>
+        <p:txBody>
+          <a:bodyPr wrap="none">
+            <a:spAutoFit/>
+          </a:bodyPr>
+          <a:lstStyle/>
+          <a:p>
+            <a:pPr>
+              <a:lnSpc>
+                <a:spcPct val="100000"/>
+              </a:lnSpc>
+              <a:spcBef>
+                <a:spcPct val="0"/>
+              </a:spcBef>
+              <a:buClrTx/>
+              <a:defRPr/>
+            </a:pPr>
+            <a:r>
+              <a:rPr lang="en-US" sz="1050" dirty="0">
+                <a:latin typeface="Arial" charset="0"/>
+                <a:cs typeface="Arial" charset="0"/>
+              </a:rPr>
+              <a:t>2020</a:t>
+            </a:r>
+            <a:endParaRPr lang="en-US" sz="1050" dirty="0">
+              <a:latin typeface="Arial" charset="0"/>
+              <a:cs typeface="Arial" charset="0"/>
+            </a:endParaRPr>
+          </a:p>
+        </p:txBody>
+      </p:sp>
+      <p:sp>
+        <p:nvSpPr>
+          <p:cNvPr id="6160" name="Oval 50"/>
+          <p:cNvSpPr>
+            <a:spLocks noChangeAspect="1" noChangeArrowheads="1"/>
+          </p:cNvSpPr>
+          <p:nvPr/>
+        </p:nvSpPr>
+        <p:spPr bwMode="auto">
+          <a:xfrm>
+            <a:off x="2003822" y="3484369"/>
+            <a:ext cx="259766" cy="308364"/>
+          </a:xfrm>
+          <a:prstGeom prst="ellipse">
+            <a:avLst/>
+          </a:prstGeom>
+          <a:solidFill>
+            <a:schemeClr val="accent1"/>
+          </a:solidFill>
+          <a:ln w="6350" algn="ctr">
+            <a:solidFill>
+              <a:schemeClr val="bg1">
+                <a:alpha val="50195"/>
+              </a:schemeClr>
+            </a:solidFill>
+            <a:round/>
+            <a:headEnd/>
+            <a:tailEnd/>
+          </a:ln>
+        </p:spPr>
+        <p:txBody>
+          <a:bodyPr wrap="none" anchor="ctr">
+            <a:spAutoFit/>
+          </a:bodyPr>
+          <a:lstStyle/>
+          <a:p>
+            <a:pPr algn="l">
+              <a:lnSpc>
+                <a:spcPct val="100000"/>
+              </a:lnSpc>
+              <a:spcBef>
+                <a:spcPct val="0"/>
+              </a:spcBef>
+              <a:buClrTx/>
+            </a:pPr>
+            <a:endParaRPr lang="en-US" sz="825" b="1">
+              <a:solidFill>
+                <a:schemeClr val="bg1"/>
+              </a:solidFill>
+              <a:cs typeface="Arial" pitchFamily="34" charset="0"/>
+            </a:endParaRPr>
+          </a:p>
+        </p:txBody>
+      </p:sp>
+      <p:sp>
+        <p:nvSpPr>
+          <p:cNvPr id="21" name="Text Box 45"/>
+          <p:cNvSpPr txBox="1">
+            <a:spLocks noChangeArrowheads="1"/>
+          </p:cNvSpPr>
+          <p:nvPr/>
+        </p:nvSpPr>
+        <p:spPr bwMode="auto">
+          <a:xfrm>
+            <a:off x="1659687" y="1125468"/>
+            <a:ext cx="3120085" cy="900246"/>
+          </a:xfrm>
+          <a:prstGeom prst="rect">
+            <a:avLst/>
+          </a:prstGeom>
+          <a:noFill/>
+          <a:ln w="9525" algn="ctr">
+            <a:noFill/>
+            <a:miter lim="800000"/>
+            <a:headEnd/>
+            <a:tailEnd/>
+          </a:ln>
+          <a:effectLst>
+            <a:prstShdw prst="shdw17" dist="17961" dir="2700000">
+              <a:schemeClr val="accent1">
+                <a:gamma/>
+                <a:shade val="60000"/>
+                <a:invGamma/>
+              </a:schemeClr>
+            </a:prstShdw>
+          </a:effectLst>
+        </p:spPr>
+        <p:txBody>
+          <a:bodyPr wrap="none">
+            <a:spAutoFit/>
+          </a:bodyPr>
+          <a:lstStyle/>
+          <a:p>
+            <a:pPr marL="214313" indent="-214313">
+              <a:spcBef>
+                <a:spcPct val="0"/>
+              </a:spcBef>
+              <a:buFont typeface="Arial" panose="020B0604020202020204" pitchFamily="34" charset="0"/>
+              <a:buChar char="•"/>
+              <a:defRPr/>
+            </a:pPr>
+            <a:r>
+              <a:rPr lang="en-US" sz="1050" dirty="0" err="1">
+                <a:latin typeface="Arial" charset="0"/>
+                <a:cs typeface="Arial" charset="0"/>
+              </a:rPr>
+              <a:t>Exabytes</a:t>
+            </a:r>
+            <a:r>
+              <a:rPr lang="en-US" sz="1050" dirty="0">
+                <a:latin typeface="Arial" charset="0"/>
+                <a:cs typeface="Arial" charset="0"/>
+              </a:rPr>
+              <a:t> get generated every day</a:t>
+            </a:r>
+          </a:p>
+          <a:p>
+            <a:pPr marL="214313" indent="-214313">
+              <a:spcBef>
+                <a:spcPct val="0"/>
+              </a:spcBef>
+              <a:buFont typeface="Arial" panose="020B0604020202020204" pitchFamily="34" charset="0"/>
+              <a:buChar char="•"/>
+              <a:defRPr/>
+            </a:pPr>
+            <a:r>
+              <a:rPr lang="en-US" sz="1050" dirty="0">
+                <a:latin typeface="Arial" charset="0"/>
+                <a:cs typeface="Arial" charset="0"/>
+              </a:rPr>
+              <a:t>Over half the data was created the last 1 year</a:t>
+            </a:r>
+          </a:p>
+          <a:p>
+            <a:pPr marL="214313" indent="-214313">
+              <a:spcBef>
+                <a:spcPct val="0"/>
+              </a:spcBef>
+              <a:buFont typeface="Arial" panose="020B0604020202020204" pitchFamily="34" charset="0"/>
+              <a:buChar char="•"/>
+              <a:defRPr/>
+            </a:pPr>
+            <a:r>
+              <a:rPr lang="en-US" sz="1050" dirty="0">
+                <a:latin typeface="Arial" charset="0"/>
+                <a:cs typeface="Arial" charset="0"/>
+              </a:rPr>
+              <a:t>Creation rate doubles every month</a:t>
+            </a:r>
+          </a:p>
+          <a:p>
+            <a:pPr marL="214313" indent="-214313">
+              <a:spcBef>
+                <a:spcPct val="0"/>
+              </a:spcBef>
+              <a:buFont typeface="Arial" panose="020B0604020202020204" pitchFamily="34" charset="0"/>
+              <a:buChar char="•"/>
+              <a:defRPr/>
+            </a:pPr>
+            <a:r>
+              <a:rPr lang="en-US" sz="1050" dirty="0">
+                <a:latin typeface="Arial" charset="0"/>
+                <a:cs typeface="Arial" charset="0"/>
+              </a:rPr>
+              <a:t>70% generated by individuals</a:t>
+            </a:r>
+          </a:p>
+          <a:p>
+            <a:pPr marL="214313" indent="-214313">
+              <a:spcBef>
+                <a:spcPct val="0"/>
+              </a:spcBef>
+              <a:buFont typeface="Arial" panose="020B0604020202020204" pitchFamily="34" charset="0"/>
+              <a:buChar char="•"/>
+              <a:defRPr/>
+            </a:pPr>
+            <a:r>
+              <a:rPr lang="en-US" sz="1050" dirty="0">
+                <a:latin typeface="Arial" charset="0"/>
+                <a:cs typeface="Arial" charset="0"/>
+              </a:rPr>
+              <a:t>BI usage increases exponentially as well</a:t>
+            </a:r>
+          </a:p>
+        </p:txBody>
+      </p:sp>
+    </p:spTree>
+    <p:extLst>
+      <p:ext uri="{BB962C8B-B14F-4D97-AF65-F5344CB8AC3E}">
+        <p14:creationId xmlns:p14="http://schemas.microsoft.com/office/powerpoint/2010/main" val="1536866368"/>
+      </p:ext>
+    </p:extLst>
+  </p:cSld>
+  <p:clrMapOvr>
+    <a:masterClrMapping/>
+  </p:clrMapOvr>
+  <p:transition spd="slow">
+    <p:cut/>
+  </p:transition>
+  <p:timing>
+    <p:tnLst>
+      <p:par>
+        <p:cTn id="1" dur="indefinite" restart="never" nodeType="tmRoot">
+          <p:childTnLst>
+            <p:seq concurrent="1" nextAc="seek">
+              <p:cTn id="2" dur="indefinite" nodeType="mainSeq">
+                <p:childTnLst>
+                  <p:par>
+                    <p:cTn id="3" fill="hold">
+                      <p:stCondLst>
+                        <p:cond delay="indefinite"/>
+                      </p:stCondLst>
+                      <p:childTnLst>
+                        <p:par>
+                          <p:cTn id="4" fill="hold">
+                            <p:stCondLst>
+                              <p:cond delay="0"/>
+                            </p:stCondLst>
+                            <p:childTnLst>
+                              <p:par>
+                                <p:cTn id="5" presetID="53" presetClass="entr" presetSubtype="16" fill="hold" grpId="0" nodeType="clickEffect">
+                                  <p:stCondLst>
+                                    <p:cond delay="0"/>
+                                  </p:stCondLst>
+                                  <p:childTnLst>
+                                    <p:set>
+                                      <p:cBhvr>
+                                        <p:cTn id="6" dur="1" fill="hold">
+                                          <p:stCondLst>
+                                            <p:cond delay="0"/>
+                                          </p:stCondLst>
+                                        </p:cTn>
+                                        <p:tgtEl>
+                                          <p:spTgt spid="6160"/>
+                                        </p:tgtEl>
+                                        <p:attrNameLst>
+                                          <p:attrName>style.visibility</p:attrName>
+                                        </p:attrNameLst>
+                                      </p:cBhvr>
+                                      <p:to>
+                                        <p:strVal val="visible"/>
+                                      </p:to>
+                                    </p:set>
+                                    <p:anim calcmode="lin" valueType="num">
+                                      <p:cBhvr>
+                                        <p:cTn id="7" dur="500" fill="hold"/>
+                                        <p:tgtEl>
+                                          <p:spTgt spid="6160"/>
+                                        </p:tgtEl>
+                                        <p:attrNameLst>
+                                          <p:attrName>ppt_w</p:attrName>
+                                        </p:attrNameLst>
+                                      </p:cBhvr>
+                                      <p:tavLst>
+                                        <p:tav tm="0">
+                                          <p:val>
+                                            <p:fltVal val="0"/>
+                                          </p:val>
+                                        </p:tav>
+                                        <p:tav tm="100000">
+                                          <p:val>
+                                            <p:strVal val="#ppt_w"/>
+                                          </p:val>
+                                        </p:tav>
+                                      </p:tavLst>
+                                    </p:anim>
+                                    <p:anim calcmode="lin" valueType="num">
+                                      <p:cBhvr>
+                                        <p:cTn id="8" dur="500" fill="hold"/>
+                                        <p:tgtEl>
+                                          <p:spTgt spid="6160"/>
+                                        </p:tgtEl>
+                                        <p:attrNameLst>
+                                          <p:attrName>ppt_h</p:attrName>
+                                        </p:attrNameLst>
+                                      </p:cBhvr>
+                                      <p:tavLst>
+                                        <p:tav tm="0">
+                                          <p:val>
+                                            <p:fltVal val="0"/>
+                                          </p:val>
+                                        </p:tav>
+                                        <p:tav tm="100000">
+                                          <p:val>
+                                            <p:strVal val="#ppt_h"/>
+                                          </p:val>
+                                        </p:tav>
+                                      </p:tavLst>
+                                    </p:anim>
+                                    <p:animEffect transition="in" filter="fade">
+                                      <p:cBhvr>
+                                        <p:cTn id="9" dur="500"/>
+                                        <p:tgtEl>
+                                          <p:spTgt spid="6160"/>
+                                        </p:tgtEl>
+                                      </p:cBhvr>
+                                    </p:animEffect>
+                                  </p:childTnLst>
+                                </p:cTn>
+                              </p:par>
+                            </p:childTnLst>
+                          </p:cTn>
+                        </p:par>
+                      </p:childTnLst>
+                    </p:cTn>
+                  </p:par>
+                  <p:par>
+                    <p:cTn id="10" fill="hold">
+                      <p:stCondLst>
+                        <p:cond delay="indefinite"/>
+                      </p:stCondLst>
+                      <p:childTnLst>
+                        <p:par>
+                          <p:cTn id="11" fill="hold">
+                            <p:stCondLst>
+                              <p:cond delay="0"/>
+                            </p:stCondLst>
+                            <p:childTnLst>
+                              <p:par>
+                                <p:cTn id="12" presetID="53" presetClass="entr" presetSubtype="16" fill="hold" grpId="0" nodeType="clickEffect">
+                                  <p:stCondLst>
+                                    <p:cond delay="0"/>
+                                  </p:stCondLst>
+                                  <p:childTnLst>
+                                    <p:set>
+                                      <p:cBhvr>
+                                        <p:cTn id="13" dur="1" fill="hold">
+                                          <p:stCondLst>
+                                            <p:cond delay="0"/>
+                                          </p:stCondLst>
+                                        </p:cTn>
+                                        <p:tgtEl>
+                                          <p:spTgt spid="6153"/>
+                                        </p:tgtEl>
+                                        <p:attrNameLst>
+                                          <p:attrName>style.visibility</p:attrName>
+                                        </p:attrNameLst>
+                                      </p:cBhvr>
+                                      <p:to>
+                                        <p:strVal val="visible"/>
+                                      </p:to>
+                                    </p:set>
+                                    <p:anim calcmode="lin" valueType="num">
+                                      <p:cBhvr>
+                                        <p:cTn id="14" dur="500" fill="hold"/>
+                                        <p:tgtEl>
+                                          <p:spTgt spid="6153"/>
+                                        </p:tgtEl>
+                                        <p:attrNameLst>
+                                          <p:attrName>ppt_w</p:attrName>
+                                        </p:attrNameLst>
+                                      </p:cBhvr>
+                                      <p:tavLst>
+                                        <p:tav tm="0">
+                                          <p:val>
+                                            <p:fltVal val="0"/>
+                                          </p:val>
+                                        </p:tav>
+                                        <p:tav tm="100000">
+                                          <p:val>
+                                            <p:strVal val="#ppt_w"/>
+                                          </p:val>
+                                        </p:tav>
+                                      </p:tavLst>
+                                    </p:anim>
+                                    <p:anim calcmode="lin" valueType="num">
+                                      <p:cBhvr>
+                                        <p:cTn id="15" dur="500" fill="hold"/>
+                                        <p:tgtEl>
+                                          <p:spTgt spid="6153"/>
+                                        </p:tgtEl>
+                                        <p:attrNameLst>
+                                          <p:attrName>ppt_h</p:attrName>
+                                        </p:attrNameLst>
+                                      </p:cBhvr>
+                                      <p:tavLst>
+                                        <p:tav tm="0">
+                                          <p:val>
+                                            <p:fltVal val="0"/>
+                                          </p:val>
+                                        </p:tav>
+                                        <p:tav tm="100000">
+                                          <p:val>
+                                            <p:strVal val="#ppt_h"/>
+                                          </p:val>
+                                        </p:tav>
+                                      </p:tavLst>
+                                    </p:anim>
+                                    <p:animEffect transition="in" filter="fade">
+                                      <p:cBhvr>
+                                        <p:cTn id="16" dur="500"/>
+                                        <p:tgtEl>
+                                          <p:spTgt spid="6153"/>
+                                        </p:tgtEl>
+                                      </p:cBhvr>
+                                    </p:animEffect>
+                                  </p:childTnLst>
+                                </p:cTn>
+                              </p:par>
+                            </p:childTnLst>
+                          </p:cTn>
+                        </p:par>
+                      </p:childTnLst>
+                    </p:cTn>
+                  </p:par>
+                  <p:par>
+                    <p:cTn id="17" fill="hold">
+                      <p:stCondLst>
+                        <p:cond delay="indefinite"/>
+                      </p:stCondLst>
+                      <p:childTnLst>
+                        <p:par>
+                          <p:cTn id="18" fill="hold">
+                            <p:stCondLst>
+                              <p:cond delay="0"/>
+                            </p:stCondLst>
+                            <p:childTnLst>
+                              <p:par>
+                                <p:cTn id="19" presetID="53" presetClass="entr" presetSubtype="16" fill="hold" grpId="0" nodeType="clickEffect">
+                                  <p:stCondLst>
+                                    <p:cond delay="0"/>
+                                  </p:stCondLst>
+                                  <p:childTnLst>
+                                    <p:set>
+                                      <p:cBhvr>
+                                        <p:cTn id="20" dur="1" fill="hold">
+                                          <p:stCondLst>
+                                            <p:cond delay="0"/>
+                                          </p:stCondLst>
+                                        </p:cTn>
+                                        <p:tgtEl>
+                                          <p:spTgt spid="6154"/>
+                                        </p:tgtEl>
+                                        <p:attrNameLst>
+                                          <p:attrName>style.visibility</p:attrName>
+                                        </p:attrNameLst>
+                                      </p:cBhvr>
+                                      <p:to>
+                                        <p:strVal val="visible"/>
+                                      </p:to>
+                                    </p:set>
+                                    <p:anim calcmode="lin" valueType="num">
+                                      <p:cBhvr>
+                                        <p:cTn id="21" dur="500" fill="hold"/>
+                                        <p:tgtEl>
+                                          <p:spTgt spid="6154"/>
+                                        </p:tgtEl>
+                                        <p:attrNameLst>
+                                          <p:attrName>ppt_w</p:attrName>
+                                        </p:attrNameLst>
+                                      </p:cBhvr>
+                                      <p:tavLst>
+                                        <p:tav tm="0">
+                                          <p:val>
+                                            <p:fltVal val="0"/>
+                                          </p:val>
+                                        </p:tav>
+                                        <p:tav tm="100000">
+                                          <p:val>
+                                            <p:strVal val="#ppt_w"/>
+                                          </p:val>
+                                        </p:tav>
+                                      </p:tavLst>
+                                    </p:anim>
+                                    <p:anim calcmode="lin" valueType="num">
+                                      <p:cBhvr>
+                                        <p:cTn id="22" dur="500" fill="hold"/>
+                                        <p:tgtEl>
+                                          <p:spTgt spid="6154"/>
+                                        </p:tgtEl>
+                                        <p:attrNameLst>
+                                          <p:attrName>ppt_h</p:attrName>
+                                        </p:attrNameLst>
+                                      </p:cBhvr>
+                                      <p:tavLst>
+                                        <p:tav tm="0">
+                                          <p:val>
+                                            <p:fltVal val="0"/>
+                                          </p:val>
+                                        </p:tav>
+                                        <p:tav tm="100000">
+                                          <p:val>
+                                            <p:strVal val="#ppt_h"/>
+                                          </p:val>
+                                        </p:tav>
+                                      </p:tavLst>
+                                    </p:anim>
+                                    <p:animEffect transition="in" filter="fade">
+                                      <p:cBhvr>
+                                        <p:cTn id="23" dur="500"/>
+                                        <p:tgtEl>
+                                          <p:spTgt spid="6154"/>
+                                        </p:tgtEl>
+                                      </p:cBhvr>
+                                    </p:animEffect>
+                                  </p:childTnLst>
+                                </p:cTn>
+                              </p:par>
+                            </p:childTnLst>
+                          </p:cTn>
+                        </p:par>
+                      </p:childTnLst>
+                    </p:cTn>
+                  </p:par>
+                  <p:par>
+                    <p:cTn id="24" fill="hold">
+                      <p:stCondLst>
+                        <p:cond delay="indefinite"/>
+                      </p:stCondLst>
+                      <p:childTnLst>
+                        <p:par>
+                          <p:cTn id="25" fill="hold">
+                            <p:stCondLst>
+                              <p:cond delay="0"/>
+                            </p:stCondLst>
+                            <p:childTnLst>
+                              <p:par>
+                                <p:cTn id="26" presetID="53" presetClass="entr" presetSubtype="16" fill="hold" grpId="0" nodeType="clickEffect">
+                                  <p:stCondLst>
+                                    <p:cond delay="0"/>
+                                  </p:stCondLst>
+                                  <p:childTnLst>
+                                    <p:set>
+                                      <p:cBhvr>
+                                        <p:cTn id="27" dur="1" fill="hold">
+                                          <p:stCondLst>
+                                            <p:cond delay="0"/>
+                                          </p:stCondLst>
+                                        </p:cTn>
+                                        <p:tgtEl>
+                                          <p:spTgt spid="6155"/>
+                                        </p:tgtEl>
+                                        <p:attrNameLst>
+                                          <p:attrName>style.visibility</p:attrName>
+                                        </p:attrNameLst>
+                                      </p:cBhvr>
+                                      <p:to>
+                                        <p:strVal val="visible"/>
+                                      </p:to>
+                                    </p:set>
+                                    <p:anim calcmode="lin" valueType="num">
+                                      <p:cBhvr>
+                                        <p:cTn id="28" dur="500" fill="hold"/>
+                                        <p:tgtEl>
+                                          <p:spTgt spid="6155"/>
+                                        </p:tgtEl>
+                                        <p:attrNameLst>
+                                          <p:attrName>ppt_w</p:attrName>
+                                        </p:attrNameLst>
+                                      </p:cBhvr>
+                                      <p:tavLst>
+                                        <p:tav tm="0">
+                                          <p:val>
+                                            <p:fltVal val="0"/>
+                                          </p:val>
+                                        </p:tav>
+                                        <p:tav tm="100000">
+                                          <p:val>
+                                            <p:strVal val="#ppt_w"/>
+                                          </p:val>
+                                        </p:tav>
+                                      </p:tavLst>
+                                    </p:anim>
+                                    <p:anim calcmode="lin" valueType="num">
+                                      <p:cBhvr>
+                                        <p:cTn id="29" dur="500" fill="hold"/>
+                                        <p:tgtEl>
+                                          <p:spTgt spid="6155"/>
+                                        </p:tgtEl>
+                                        <p:attrNameLst>
+                                          <p:attrName>ppt_h</p:attrName>
+                                        </p:attrNameLst>
+                                      </p:cBhvr>
+                                      <p:tavLst>
+                                        <p:tav tm="0">
+                                          <p:val>
+                                            <p:fltVal val="0"/>
+                                          </p:val>
+                                        </p:tav>
+                                        <p:tav tm="100000">
+                                          <p:val>
+                                            <p:strVal val="#ppt_h"/>
+                                          </p:val>
+                                        </p:tav>
+                                      </p:tavLst>
+                                    </p:anim>
+                                    <p:animEffect transition="in" filter="fade">
+                                      <p:cBhvr>
+                                        <p:cTn id="30" dur="500"/>
+                                        <p:tgtEl>
+                                          <p:spTgt spid="6155"/>
+                                        </p:tgtEl>
+                                      </p:cBhvr>
+                                    </p:animEffect>
+                                  </p:childTnLst>
+                                </p:cTn>
+                              </p:par>
+                            </p:childTnLst>
+                          </p:cTn>
+                        </p:par>
+                      </p:childTnLst>
+                    </p:cTn>
+                  </p:par>
+                  <p:par>
+                    <p:cTn id="31" fill="hold">
+                      <p:stCondLst>
+                        <p:cond delay="indefinite"/>
+                      </p:stCondLst>
+                      <p:childTnLst>
+                        <p:par>
+                          <p:cTn id="32" fill="hold">
+                            <p:stCondLst>
+                              <p:cond delay="0"/>
+                            </p:stCondLst>
+                            <p:childTnLst>
+                              <p:par>
+                                <p:cTn id="33" presetID="53" presetClass="entr" presetSubtype="16" fill="hold" grpId="0" nodeType="clickEffect">
+                                  <p:stCondLst>
+                                    <p:cond delay="0"/>
+                                  </p:stCondLst>
+                                  <p:childTnLst>
+                                    <p:set>
+                                      <p:cBhvr>
+                                        <p:cTn id="34" dur="1" fill="hold">
+                                          <p:stCondLst>
+                                            <p:cond delay="0"/>
+                                          </p:stCondLst>
+                                        </p:cTn>
+                                        <p:tgtEl>
+                                          <p:spTgt spid="6156"/>
+                                        </p:tgtEl>
+                                        <p:attrNameLst>
+                                          <p:attrName>style.visibility</p:attrName>
+                                        </p:attrNameLst>
+                                      </p:cBhvr>
+                                      <p:to>
+                                        <p:strVal val="visible"/>
+                                      </p:to>
+                                    </p:set>
+                                    <p:anim calcmode="lin" valueType="num">
+                                      <p:cBhvr>
+                                        <p:cTn id="35" dur="500" fill="hold"/>
+                                        <p:tgtEl>
+                                          <p:spTgt spid="6156"/>
+                                        </p:tgtEl>
+                                        <p:attrNameLst>
+                                          <p:attrName>ppt_w</p:attrName>
+                                        </p:attrNameLst>
+                                      </p:cBhvr>
+                                      <p:tavLst>
+                                        <p:tav tm="0">
+                                          <p:val>
+                                            <p:fltVal val="0"/>
+                                          </p:val>
+                                        </p:tav>
+                                        <p:tav tm="100000">
+                                          <p:val>
+                                            <p:strVal val="#ppt_w"/>
+                                          </p:val>
+                                        </p:tav>
+                                      </p:tavLst>
+                                    </p:anim>
+                                    <p:anim calcmode="lin" valueType="num">
+                                      <p:cBhvr>
+                                        <p:cTn id="36" dur="500" fill="hold"/>
+                                        <p:tgtEl>
+                                          <p:spTgt spid="6156"/>
+                                        </p:tgtEl>
+                                        <p:attrNameLst>
+                                          <p:attrName>ppt_h</p:attrName>
+                                        </p:attrNameLst>
+                                      </p:cBhvr>
+                                      <p:tavLst>
+                                        <p:tav tm="0">
+                                          <p:val>
+                                            <p:fltVal val="0"/>
+                                          </p:val>
+                                        </p:tav>
+                                        <p:tav tm="100000">
+                                          <p:val>
+                                            <p:strVal val="#ppt_h"/>
+                                          </p:val>
+                                        </p:tav>
+                                      </p:tavLst>
+                                    </p:anim>
+                                    <p:animEffect transition="in" filter="fade">
+                                      <p:cBhvr>
+                                        <p:cTn id="37" dur="500"/>
+                                        <p:tgtEl>
+                                          <p:spTgt spid="6156"/>
+                                        </p:tgtEl>
+                                      </p:cBhvr>
+                                    </p:animEffect>
+                                  </p:childTnLst>
+                                </p:cTn>
+                              </p:par>
+                            </p:childTnLst>
+                          </p:cTn>
+                        </p:par>
+                      </p:childTnLst>
+                    </p:cTn>
+                  </p:par>
+                  <p:par>
+                    <p:cTn id="38" fill="hold">
+                      <p:stCondLst>
+                        <p:cond delay="indefinite"/>
+                      </p:stCondLst>
+                      <p:childTnLst>
+                        <p:par>
+                          <p:cTn id="39" fill="hold">
+                            <p:stCondLst>
+                              <p:cond delay="0"/>
+                            </p:stCondLst>
+                            <p:childTnLst>
+                              <p:par>
+                                <p:cTn id="40" presetID="53" presetClass="entr" presetSubtype="16" fill="hold" nodeType="clickEffect">
+                                  <p:stCondLst>
+                                    <p:cond delay="0"/>
+                                  </p:stCondLst>
+                                  <p:childTnLst>
+                                    <p:set>
+                                      <p:cBhvr>
+                                        <p:cTn id="41" dur="1" fill="hold">
+                                          <p:stCondLst>
+                                            <p:cond delay="0"/>
+                                          </p:stCondLst>
+                                        </p:cTn>
+                                        <p:tgtEl>
+                                          <p:spTgt spid="6157"/>
+                                        </p:tgtEl>
+                                        <p:attrNameLst>
+                                          <p:attrName>style.visibility</p:attrName>
+                                        </p:attrNameLst>
+                                      </p:cBhvr>
+                                      <p:to>
+                                        <p:strVal val="visible"/>
+                                      </p:to>
+                                    </p:set>
+                                    <p:anim calcmode="lin" valueType="num">
+                                      <p:cBhvr>
+                                        <p:cTn id="42" dur="500" fill="hold"/>
+                                        <p:tgtEl>
+                                          <p:spTgt spid="6157"/>
+                                        </p:tgtEl>
+                                        <p:attrNameLst>
+                                          <p:attrName>ppt_w</p:attrName>
+                                        </p:attrNameLst>
+                                      </p:cBhvr>
+                                      <p:tavLst>
+                                        <p:tav tm="0">
+                                          <p:val>
+                                            <p:fltVal val="0"/>
+                                          </p:val>
+                                        </p:tav>
+                                        <p:tav tm="100000">
+                                          <p:val>
+                                            <p:strVal val="#ppt_w"/>
+                                          </p:val>
+                                        </p:tav>
+                                      </p:tavLst>
+                                    </p:anim>
+                                    <p:anim calcmode="lin" valueType="num">
+                                      <p:cBhvr>
+                                        <p:cTn id="43" dur="500" fill="hold"/>
+                                        <p:tgtEl>
+                                          <p:spTgt spid="6157"/>
+                                        </p:tgtEl>
+                                        <p:attrNameLst>
+                                          <p:attrName>ppt_h</p:attrName>
+                                        </p:attrNameLst>
+                                      </p:cBhvr>
+                                      <p:tavLst>
+                                        <p:tav tm="0">
+                                          <p:val>
+                                            <p:fltVal val="0"/>
+                                          </p:val>
+                                        </p:tav>
+                                        <p:tav tm="100000">
+                                          <p:val>
+                                            <p:strVal val="#ppt_h"/>
+                                          </p:val>
+                                        </p:tav>
+                                      </p:tavLst>
+                                    </p:anim>
+                                    <p:animEffect transition="in" filter="fade">
+                                      <p:cBhvr>
+                                        <p:cTn id="44" dur="500"/>
+                                        <p:tgtEl>
+                                          <p:spTgt spid="6157"/>
+                                        </p:tgtEl>
+                                      </p:cBhvr>
+                                    </p:animEffect>
+                                  </p:childTnLst>
+                                </p:cTn>
+                              </p:par>
+                            </p:childTnLst>
+                          </p:cTn>
+                        </p:par>
+                      </p:childTnLst>
+                    </p:cTn>
+                  </p:par>
+                  <p:par>
+                    <p:cTn id="45" fill="hold">
+                      <p:stCondLst>
+                        <p:cond delay="indefinite"/>
+                      </p:stCondLst>
+                      <p:childTnLst>
+                        <p:par>
+                          <p:cTn id="46" fill="hold">
+                            <p:stCondLst>
+                              <p:cond delay="0"/>
+                            </p:stCondLst>
+                            <p:childTnLst>
+                              <p:par>
+                                <p:cTn id="47" presetID="45" presetClass="entr" presetSubtype="0" fill="hold" grpId="0" nodeType="clickEffect">
+                                  <p:stCondLst>
+                                    <p:cond delay="0"/>
+                                  </p:stCondLst>
+                                  <p:childTnLst>
+                                    <p:set>
+                                      <p:cBhvr>
+                                        <p:cTn id="48" dur="1" fill="hold">
+                                          <p:stCondLst>
+                                            <p:cond delay="0"/>
+                                          </p:stCondLst>
+                                        </p:cTn>
+                                        <p:tgtEl>
+                                          <p:spTgt spid="231438"/>
+                                        </p:tgtEl>
+                                        <p:attrNameLst>
+                                          <p:attrName>style.visibility</p:attrName>
+                                        </p:attrNameLst>
+                                      </p:cBhvr>
+                                      <p:to>
+                                        <p:strVal val="visible"/>
+                                      </p:to>
+                                    </p:set>
+                                    <p:animEffect transition="in" filter="fade">
+                                      <p:cBhvr>
+                                        <p:cTn id="49" dur="2000"/>
+                                        <p:tgtEl>
+                                          <p:spTgt spid="231438"/>
+                                        </p:tgtEl>
+                                      </p:cBhvr>
+                                    </p:animEffect>
+                                    <p:anim calcmode="lin" valueType="num">
+                                      <p:cBhvr>
+                                        <p:cTn id="50" dur="2000" fill="hold"/>
+                                        <p:tgtEl>
+                                          <p:spTgt spid="231438"/>
+                                        </p:tgtEl>
+                                        <p:attrNameLst>
+                                          <p:attrName>ppt_w</p:attrName>
+                                        </p:attrNameLst>
+                                      </p:cBhvr>
+                                      <p:tavLst>
+                                        <p:tav tm="0" fmla="#ppt_w*sin(2.5*pi*$)">
+                                          <p:val>
+                                            <p:fltVal val="0"/>
+                                          </p:val>
+                                        </p:tav>
+                                        <p:tav tm="100000">
+                                          <p:val>
+                                            <p:fltVal val="1"/>
+                                          </p:val>
+                                        </p:tav>
+                                      </p:tavLst>
+                                    </p:anim>
+                                    <p:anim calcmode="lin" valueType="num">
+                                      <p:cBhvr>
+                                        <p:cTn id="51" dur="2000" fill="hold"/>
+                                        <p:tgtEl>
+                                          <p:spTgt spid="231438"/>
+                                        </p:tgtEl>
+                                        <p:attrNameLst>
+                                          <p:attrName>ppt_h</p:attrName>
+                                        </p:attrNameLst>
+                                      </p:cBhvr>
+                                      <p:tavLst>
+                                        <p:tav tm="0">
+                                          <p:val>
+                                            <p:strVal val="#ppt_h"/>
+                                          </p:val>
+                                        </p:tav>
+                                        <p:tav tm="100000">
+                                          <p:val>
+                                            <p:strVal val="#ppt_h"/>
+                                          </p:val>
+                                        </p:tav>
+                                      </p:tavLst>
+                                    </p:anim>
+                                  </p:childTnLst>
+                                </p:cTn>
+                              </p:par>
+                            </p:childTnLst>
+                          </p:cTn>
+                        </p:par>
+                      </p:childTnLst>
+                    </p:cTn>
+                  </p:par>
+                </p:childTnLst>
+              </p:cTn>
+              <p:prevCondLst>
+                <p:cond evt="onPrev" delay="0">
+                  <p:tgtEl>
+                    <p:sldTgt/>
+                  </p:tgtEl>
+                </p:cond>
+              </p:prevCondLst>
+              <p:nextCondLst>
+                <p:cond evt="onNext" delay="0">
+                  <p:tgtEl>
+                    <p:sldTgt/>
+                  </p:tgtEl>
+                </p:cond>
+              </p:nextCondLst>
+            </p:seq>
+          </p:childTnLst>
+        </p:cTn>
+      </p:par>
+    </p:tnLst>
+    <p:bldLst>
+      <p:bldP spid="231438" grpId="0"/>
+      <p:bldP spid="6153" grpId="0" animBg="1"/>
+      <p:bldP spid="6154" grpId="0" animBg="1"/>
+      <p:bldP spid="6155" grpId="0" animBg="1"/>
+      <p:bldP spid="6156" grpId="0" animBg="1"/>
+      <p:bldP spid="6160" grpId="0" animBg="1"/>
+    </p:bldLst>
+  </p:timing>
+</p:sld>
+</file>
+
+<file path=ppt/slides/slide20.xml><?xml version="1.0" encoding="utf-8"?>
 <p:sld xmlns:a="http://schemas.openxmlformats.org/drawingml/2006/main" xmlns:r="http://schemas.openxmlformats.org/officeDocument/2006/relationships" xmlns:p="http://schemas.openxmlformats.org/presentationml/2006/main">
   <p:cSld>
     <p:spTree>
@@ -11461,216 +14830,7 @@
 </p:sld>
 </file>
 
-<file path=ppt/slides/slide2.xml><?xml version="1.0" encoding="utf-8"?>
-<p:sld xmlns:a="http://schemas.openxmlformats.org/drawingml/2006/main" xmlns:r="http://schemas.openxmlformats.org/officeDocument/2006/relationships" xmlns:p="http://schemas.openxmlformats.org/presentationml/2006/main">
-  <p:cSld>
-    <p:spTree>
-      <p:nvGrpSpPr>
-        <p:cNvPr id="1" name="Shape 53"/>
-        <p:cNvGrpSpPr/>
-        <p:nvPr/>
-      </p:nvGrpSpPr>
-      <p:grpSpPr>
-        <a:xfrm>
-          <a:off x="0" y="0"/>
-          <a:ext cx="0" cy="0"/>
-          <a:chOff x="0" y="0"/>
-          <a:chExt cx="0" cy="0"/>
-        </a:xfrm>
-      </p:grpSpPr>
-      <p:sp>
-        <p:nvSpPr>
-          <p:cNvPr id="54" name="Shape 54"/>
-          <p:cNvSpPr txBox="1">
-            <a:spLocks noGrp="1"/>
-          </p:cNvSpPr>
-          <p:nvPr>
-            <p:ph type="body" idx="1"/>
-          </p:nvPr>
-        </p:nvSpPr>
-        <p:spPr>
-          <a:prstGeom prst="rect">
-            <a:avLst/>
-          </a:prstGeom>
-        </p:spPr>
-        <p:txBody>
-          <a:bodyPr lIns="91425" tIns="91425" rIns="91425" bIns="91425" anchor="t" anchorCtr="0">
-            <a:noAutofit/>
-          </a:bodyPr>
-          <a:lstStyle/>
-          <a:p>
-            <a:pPr marL="457200" lvl="0" indent="-431800" rtl="0">
-              <a:lnSpc>
-                <a:spcPct val="150000"/>
-              </a:lnSpc>
-              <a:spcBef>
-                <a:spcPts val="0"/>
-              </a:spcBef>
-              <a:buClr>
-                <a:schemeClr val="dk2"/>
-              </a:buClr>
-              <a:buSzPct val="100000"/>
-              <a:buFont typeface="Arial"/>
-              <a:buChar char="●"/>
-            </a:pPr>
-            <a:r>
-              <a:rPr lang="en" dirty="0"/>
-              <a:t>Learn a little about creating plots in R</a:t>
-            </a:r>
-          </a:p>
-          <a:p>
-            <a:pPr marL="914400" lvl="1" indent="-406400" rtl="0">
-              <a:lnSpc>
-                <a:spcPct val="150000"/>
-              </a:lnSpc>
-              <a:spcBef>
-                <a:spcPts val="0"/>
-              </a:spcBef>
-              <a:buClr>
-                <a:schemeClr val="dk2"/>
-              </a:buClr>
-              <a:buSzPct val="87500"/>
-              <a:buFont typeface="Courier New"/>
-              <a:buChar char="o"/>
-            </a:pPr>
-            <a:r>
-              <a:rPr lang="en" dirty="0"/>
-              <a:t>Boring presentation slides</a:t>
-            </a:r>
-          </a:p>
-          <a:p>
-            <a:pPr marL="914400" lvl="1" indent="-406400" rtl="0">
-              <a:lnSpc>
-                <a:spcPct val="150000"/>
-              </a:lnSpc>
-              <a:spcBef>
-                <a:spcPts val="0"/>
-              </a:spcBef>
-              <a:buClr>
-                <a:schemeClr val="dk2"/>
-              </a:buClr>
-              <a:buSzPct val="87500"/>
-              <a:buFont typeface="Courier New"/>
-              <a:buChar char="o"/>
-            </a:pPr>
-            <a:r>
-              <a:rPr lang="en" dirty="0"/>
-              <a:t>Demos</a:t>
-            </a:r>
-          </a:p>
-          <a:p>
-            <a:pPr marL="914400" lvl="1" indent="-406400" rtl="0">
-              <a:lnSpc>
-                <a:spcPct val="150000"/>
-              </a:lnSpc>
-              <a:spcBef>
-                <a:spcPts val="0"/>
-              </a:spcBef>
-              <a:buClr>
-                <a:schemeClr val="dk2"/>
-              </a:buClr>
-              <a:buSzPct val="87500"/>
-              <a:buFont typeface="Courier New"/>
-              <a:buChar char="o"/>
-            </a:pPr>
-            <a:r>
-              <a:rPr lang="en" dirty="0"/>
-              <a:t>Questions</a:t>
-            </a:r>
-          </a:p>
-          <a:p>
-            <a:pPr marL="457200" lvl="0" indent="-431800" rtl="0">
-              <a:lnSpc>
-                <a:spcPct val="150000"/>
-              </a:lnSpc>
-              <a:spcBef>
-                <a:spcPts val="0"/>
-              </a:spcBef>
-              <a:buClr>
-                <a:schemeClr val="dk2"/>
-              </a:buClr>
-              <a:buSzPct val="100000"/>
-              <a:buFont typeface="Arial"/>
-              <a:buChar char="●"/>
-            </a:pPr>
-            <a:r>
-              <a:rPr lang="en" dirty="0"/>
-              <a:t>Finish in time for lunch</a:t>
-            </a:r>
-          </a:p>
-          <a:p>
-            <a:pPr marL="457200" lvl="0" indent="0">
-              <a:spcBef>
-                <a:spcPts val="0"/>
-              </a:spcBef>
-              <a:buNone/>
-            </a:pPr>
-            <a:endParaRPr dirty="0"/>
-          </a:p>
-        </p:txBody>
-      </p:sp>
-      <p:sp>
-        <p:nvSpPr>
-          <p:cNvPr id="55" name="Shape 55"/>
-          <p:cNvSpPr txBox="1">
-            <a:spLocks noGrp="1"/>
-          </p:cNvSpPr>
-          <p:nvPr>
-            <p:ph type="title"/>
-          </p:nvPr>
-        </p:nvSpPr>
-        <p:spPr>
-          <a:prstGeom prst="rect">
-            <a:avLst/>
-          </a:prstGeom>
-        </p:spPr>
-        <p:txBody>
-          <a:bodyPr lIns="91425" tIns="91425" rIns="91425" bIns="91425" anchor="b" anchorCtr="0">
-            <a:noAutofit/>
-          </a:bodyPr>
-          <a:lstStyle/>
-          <a:p>
-            <a:pPr>
-              <a:spcBef>
-                <a:spcPts val="0"/>
-              </a:spcBef>
-              <a:buNone/>
-            </a:pPr>
-            <a:r>
-              <a:rPr lang="en"/>
-              <a:t>Goals</a:t>
-            </a:r>
-          </a:p>
-        </p:txBody>
-      </p:sp>
-    </p:spTree>
-  </p:cSld>
-  <p:clrMapOvr>
-    <a:masterClrMapping/>
-  </p:clrMapOvr>
-  <mc:AlternateContent xmlns:mc="http://schemas.openxmlformats.org/markup-compatibility/2006" xmlns:p14="http://schemas.microsoft.com/office/powerpoint/2010/main">
-    <mc:Choice Requires="p14">
-      <p:transition spd="slow" p14:dur="3400">
-        <p14:reveal/>
-      </p:transition>
-    </mc:Choice>
-    <mc:Fallback xmlns="">
-      <p:transition spd="slow">
-        <p:fade/>
-      </p:transition>
-    </mc:Fallback>
-  </mc:AlternateContent>
-  <p:timing>
-    <p:tnLst>
-      <p:par>
-        <p:cTn id="1" dur="indefinite" restart="never" nodeType="tmRoot"/>
-      </p:par>
-    </p:tnLst>
-  </p:timing>
-</p:sld>
-</file>
-
-<file path=ppt/slides/slide20.xml><?xml version="1.0" encoding="utf-8"?>
+<file path=ppt/slides/slide21.xml><?xml version="1.0" encoding="utf-8"?>
 <p:sld xmlns:a="http://schemas.openxmlformats.org/drawingml/2006/main" xmlns:r="http://schemas.openxmlformats.org/officeDocument/2006/relationships" xmlns:p="http://schemas.openxmlformats.org/presentationml/2006/main">
   <p:cSld>
     <p:spTree>
@@ -11785,7 +14945,7 @@
 </p:sld>
 </file>
 
-<file path=ppt/slides/slide21.xml><?xml version="1.0" encoding="utf-8"?>
+<file path=ppt/slides/slide22.xml><?xml version="1.0" encoding="utf-8"?>
 <p:sld xmlns:a="http://schemas.openxmlformats.org/drawingml/2006/main" xmlns:r="http://schemas.openxmlformats.org/officeDocument/2006/relationships" xmlns:p="http://schemas.openxmlformats.org/presentationml/2006/main">
   <p:cSld>
     <p:spTree>
@@ -11996,7 +15156,7 @@
 </p:sld>
 </file>
 
-<file path=ppt/slides/slide22.xml><?xml version="1.0" encoding="utf-8"?>
+<file path=ppt/slides/slide23.xml><?xml version="1.0" encoding="utf-8"?>
 <p:sld xmlns:a="http://schemas.openxmlformats.org/drawingml/2006/main" xmlns:r="http://schemas.openxmlformats.org/officeDocument/2006/relationships" xmlns:p="http://schemas.openxmlformats.org/presentationml/2006/main">
   <p:cSld>
     <p:spTree>
@@ -12161,7 +15321,7 @@
 </p:sld>
 </file>
 
-<file path=ppt/slides/slide23.xml><?xml version="1.0" encoding="utf-8"?>
+<file path=ppt/slides/slide24.xml><?xml version="1.0" encoding="utf-8"?>
 <p:sld xmlns:a="http://schemas.openxmlformats.org/drawingml/2006/main" xmlns:r="http://schemas.openxmlformats.org/officeDocument/2006/relationships" xmlns:p="http://schemas.openxmlformats.org/presentationml/2006/main">
   <p:cSld>
     <p:spTree>
@@ -12267,7 +15427,7 @@
 </p:sld>
 </file>
 
-<file path=ppt/slides/slide24.xml><?xml version="1.0" encoding="utf-8"?>
+<file path=ppt/slides/slide25.xml><?xml version="1.0" encoding="utf-8"?>
 <p:sld xmlns:a="http://schemas.openxmlformats.org/drawingml/2006/main" xmlns:r="http://schemas.openxmlformats.org/officeDocument/2006/relationships" xmlns:p="http://schemas.openxmlformats.org/presentationml/2006/main">
   <p:cSld>
     <p:spTree>
@@ -12427,7 +15587,7 @@
 </p:sld>
 </file>
 
-<file path=ppt/slides/slide25.xml><?xml version="1.0" encoding="utf-8"?>
+<file path=ppt/slides/slide26.xml><?xml version="1.0" encoding="utf-8"?>
 <p:sld xmlns:a="http://schemas.openxmlformats.org/drawingml/2006/main" xmlns:r="http://schemas.openxmlformats.org/officeDocument/2006/relationships" xmlns:p="http://schemas.openxmlformats.org/presentationml/2006/main">
   <p:cSld>
     <p:spTree>
@@ -12537,7 +15697,7 @@
 </p:sld>
 </file>
 
-<file path=ppt/slides/slide26.xml><?xml version="1.0" encoding="utf-8"?>
+<file path=ppt/slides/slide27.xml><?xml version="1.0" encoding="utf-8"?>
 <p:sld xmlns:a="http://schemas.openxmlformats.org/drawingml/2006/main" xmlns:r="http://schemas.openxmlformats.org/officeDocument/2006/relationships" xmlns:p="http://schemas.openxmlformats.org/presentationml/2006/main">
   <p:cSld>
     <p:spTree>
@@ -12638,7 +15798,7 @@
 </p:sld>
 </file>
 
-<file path=ppt/slides/slide27.xml><?xml version="1.0" encoding="utf-8"?>
+<file path=ppt/slides/slide28.xml><?xml version="1.0" encoding="utf-8"?>
 <p:sld xmlns:a="http://schemas.openxmlformats.org/drawingml/2006/main" xmlns:r="http://schemas.openxmlformats.org/officeDocument/2006/relationships" xmlns:p="http://schemas.openxmlformats.org/presentationml/2006/main">
   <p:cSld>
     <p:spTree>
@@ -12761,69 +15921,6 @@
           </a:p>
         </p:txBody>
       </p:sp>
-    </p:spTree>
-  </p:cSld>
-  <p:clrMapOvr>
-    <a:masterClrMapping/>
-  </p:clrMapOvr>
-  <p:transition spd="slow">
-    <p:cut/>
-  </p:transition>
-  <p:timing>
-    <p:tnLst>
-      <p:par>
-        <p:cTn id="1" dur="indefinite" restart="never" nodeType="tmRoot"/>
-      </p:par>
-    </p:tnLst>
-  </p:timing>
-</p:sld>
-</file>
-
-<file path=ppt/slides/slide28.xml><?xml version="1.0" encoding="utf-8"?>
-<p:sld xmlns:a="http://schemas.openxmlformats.org/drawingml/2006/main" xmlns:r="http://schemas.openxmlformats.org/officeDocument/2006/relationships" xmlns:p="http://schemas.openxmlformats.org/presentationml/2006/main">
-  <p:cSld>
-    <p:spTree>
-      <p:nvGrpSpPr>
-        <p:cNvPr id="1" name="Shape 202"/>
-        <p:cNvGrpSpPr/>
-        <p:nvPr/>
-      </p:nvGrpSpPr>
-      <p:grpSpPr>
-        <a:xfrm>
-          <a:off x="0" y="0"/>
-          <a:ext cx="0" cy="0"/>
-          <a:chOff x="0" y="0"/>
-          <a:chExt cx="0" cy="0"/>
-        </a:xfrm>
-      </p:grpSpPr>
-      <p:pic>
-        <p:nvPicPr>
-          <p:cNvPr id="204" name="Shape 204"/>
-          <p:cNvPicPr preferRelativeResize="0"/>
-          <p:nvPr/>
-        </p:nvPicPr>
-        <p:blipFill>
-          <a:blip r:embed="rId3">
-            <a:alphaModFix/>
-          </a:blip>
-          <a:stretch>
-            <a:fillRect/>
-          </a:stretch>
-        </p:blipFill>
-        <p:spPr>
-          <a:xfrm>
-            <a:off x="3064749" y="1749200"/>
-            <a:ext cx="2493950" cy="3149900"/>
-          </a:xfrm>
-          <a:prstGeom prst="rect">
-            <a:avLst/>
-          </a:prstGeom>
-          <a:noFill/>
-          <a:ln>
-            <a:noFill/>
-          </a:ln>
-        </p:spPr>
-      </p:pic>
     </p:spTree>
   </p:cSld>
   <p:clrMapOvr>
@@ -12847,6 +15944,296 @@
   <p:cSld>
     <p:spTree>
       <p:nvGrpSpPr>
+        <p:cNvPr id="1" name=""/>
+        <p:cNvGrpSpPr/>
+        <p:nvPr/>
+      </p:nvGrpSpPr>
+      <p:grpSpPr>
+        <a:xfrm>
+          <a:off x="0" y="0"/>
+          <a:ext cx="0" cy="0"/>
+          <a:chOff x="0" y="0"/>
+          <a:chExt cx="0" cy="0"/>
+        </a:xfrm>
+      </p:grpSpPr>
+      <p:sp>
+        <p:nvSpPr>
+          <p:cNvPr id="2" name="Slide Number Placeholder 1"/>
+          <p:cNvSpPr>
+            <a:spLocks noGrp="1"/>
+          </p:cNvSpPr>
+          <p:nvPr>
+            <p:ph type="sldNum" sz="quarter" idx="12"/>
+          </p:nvPr>
+        </p:nvSpPr>
+        <p:spPr/>
+        <p:txBody>
+          <a:bodyPr/>
+          <a:lstStyle/>
+          <a:p>
+            <a:fld id="{90C7FAB7-A015-1C4E-BC6D-609B5E539335}" type="slidenum">
+              <a:rPr lang="en-US" smtClean="0"/>
+              <a:pPr/>
+              <a:t>29</a:t>
+            </a:fld>
+            <a:endParaRPr lang="en-US" dirty="0"/>
+          </a:p>
+        </p:txBody>
+      </p:sp>
+      <p:pic>
+        <p:nvPicPr>
+          <p:cNvPr id="3" name="Picture 2"/>
+          <p:cNvPicPr>
+            <a:picLocks noChangeAspect="1"/>
+          </p:cNvPicPr>
+          <p:nvPr/>
+        </p:nvPicPr>
+        <p:blipFill>
+          <a:blip r:embed="rId2"/>
+          <a:stretch>
+            <a:fillRect/>
+          </a:stretch>
+        </p:blipFill>
+        <p:spPr>
+          <a:xfrm>
+            <a:off x="1991224" y="0"/>
+            <a:ext cx="5625060" cy="6036399"/>
+          </a:xfrm>
+          <a:prstGeom prst="rect">
+            <a:avLst/>
+          </a:prstGeom>
+        </p:spPr>
+      </p:pic>
+    </p:spTree>
+    <p:extLst>
+      <p:ext uri="{BB962C8B-B14F-4D97-AF65-F5344CB8AC3E}">
+        <p14:creationId xmlns:p14="http://schemas.microsoft.com/office/powerpoint/2010/main" val="3529625423"/>
+      </p:ext>
+    </p:extLst>
+  </p:cSld>
+  <p:clrMapOvr>
+    <a:masterClrMapping/>
+  </p:clrMapOvr>
+  <p:transition spd="slow">
+    <p:cut/>
+  </p:transition>
+</p:sld>
+</file>
+
+<file path=ppt/slides/slide3.xml><?xml version="1.0" encoding="utf-8"?>
+<p:sld xmlns:a="http://schemas.openxmlformats.org/drawingml/2006/main" xmlns:r="http://schemas.openxmlformats.org/officeDocument/2006/relationships" xmlns:p="http://schemas.openxmlformats.org/presentationml/2006/main">
+  <p:cSld>
+    <p:spTree>
+      <p:nvGrpSpPr>
+        <p:cNvPr id="1" name="Shape 53"/>
+        <p:cNvGrpSpPr/>
+        <p:nvPr/>
+      </p:nvGrpSpPr>
+      <p:grpSpPr>
+        <a:xfrm>
+          <a:off x="0" y="0"/>
+          <a:ext cx="0" cy="0"/>
+          <a:chOff x="0" y="0"/>
+          <a:chExt cx="0" cy="0"/>
+        </a:xfrm>
+      </p:grpSpPr>
+      <p:sp>
+        <p:nvSpPr>
+          <p:cNvPr id="54" name="Shape 54"/>
+          <p:cNvSpPr txBox="1">
+            <a:spLocks noGrp="1"/>
+          </p:cNvSpPr>
+          <p:nvPr>
+            <p:ph type="body" idx="1"/>
+          </p:nvPr>
+        </p:nvSpPr>
+        <p:spPr>
+          <a:prstGeom prst="rect">
+            <a:avLst/>
+          </a:prstGeom>
+        </p:spPr>
+        <p:txBody>
+          <a:bodyPr lIns="91425" tIns="91425" rIns="91425" bIns="91425" anchor="t" anchorCtr="0">
+            <a:noAutofit/>
+          </a:bodyPr>
+          <a:lstStyle/>
+          <a:p>
+            <a:pPr marL="457200" lvl="0" indent="-431800" rtl="0">
+              <a:lnSpc>
+                <a:spcPct val="150000"/>
+              </a:lnSpc>
+              <a:spcBef>
+                <a:spcPts val="0"/>
+              </a:spcBef>
+              <a:buClr>
+                <a:schemeClr val="dk2"/>
+              </a:buClr>
+              <a:buSzPct val="100000"/>
+              <a:buFont typeface="Arial"/>
+              <a:buChar char="●"/>
+            </a:pPr>
+            <a:r>
+              <a:rPr lang="en" dirty="0"/>
+              <a:t>Learn a little about creating plots in R</a:t>
+            </a:r>
+          </a:p>
+          <a:p>
+            <a:pPr marL="914400" lvl="1" indent="-406400" rtl="0">
+              <a:lnSpc>
+                <a:spcPct val="150000"/>
+              </a:lnSpc>
+              <a:spcBef>
+                <a:spcPts val="0"/>
+              </a:spcBef>
+              <a:buClr>
+                <a:schemeClr val="dk2"/>
+              </a:buClr>
+              <a:buSzPct val="87500"/>
+              <a:buFont typeface="Courier New"/>
+              <a:buChar char="o"/>
+            </a:pPr>
+            <a:r>
+              <a:rPr lang="en" dirty="0"/>
+              <a:t>Boring presentation slides</a:t>
+            </a:r>
+          </a:p>
+          <a:p>
+            <a:pPr marL="914400" lvl="1" indent="-406400" rtl="0">
+              <a:lnSpc>
+                <a:spcPct val="150000"/>
+              </a:lnSpc>
+              <a:spcBef>
+                <a:spcPts val="0"/>
+              </a:spcBef>
+              <a:buClr>
+                <a:schemeClr val="dk2"/>
+              </a:buClr>
+              <a:buSzPct val="87500"/>
+              <a:buFont typeface="Courier New"/>
+              <a:buChar char="o"/>
+            </a:pPr>
+            <a:r>
+              <a:rPr lang="en" dirty="0"/>
+              <a:t>Demos</a:t>
+            </a:r>
+          </a:p>
+          <a:p>
+            <a:pPr marL="914400" lvl="1" indent="-406400" rtl="0">
+              <a:lnSpc>
+                <a:spcPct val="150000"/>
+              </a:lnSpc>
+              <a:spcBef>
+                <a:spcPts val="0"/>
+              </a:spcBef>
+              <a:buClr>
+                <a:schemeClr val="dk2"/>
+              </a:buClr>
+              <a:buSzPct val="87500"/>
+              <a:buFont typeface="Courier New"/>
+              <a:buChar char="o"/>
+            </a:pPr>
+            <a:r>
+              <a:rPr lang="en" dirty="0"/>
+              <a:t>Questions</a:t>
+            </a:r>
+          </a:p>
+          <a:p>
+            <a:pPr marL="457200" lvl="0" indent="-431800" rtl="0">
+              <a:lnSpc>
+                <a:spcPct val="150000"/>
+              </a:lnSpc>
+              <a:spcBef>
+                <a:spcPts val="0"/>
+              </a:spcBef>
+              <a:buClr>
+                <a:schemeClr val="dk2"/>
+              </a:buClr>
+              <a:buSzPct val="100000"/>
+              <a:buFont typeface="Arial"/>
+              <a:buChar char="●"/>
+            </a:pPr>
+            <a:r>
+              <a:rPr lang="en" dirty="0"/>
+              <a:t>Finish in time for lunch</a:t>
+            </a:r>
+          </a:p>
+          <a:p>
+            <a:pPr marL="457200" lvl="0" indent="0">
+              <a:spcBef>
+                <a:spcPts val="0"/>
+              </a:spcBef>
+              <a:buNone/>
+            </a:pPr>
+            <a:endParaRPr dirty="0"/>
+          </a:p>
+        </p:txBody>
+      </p:sp>
+      <p:sp>
+        <p:nvSpPr>
+          <p:cNvPr id="55" name="Shape 55"/>
+          <p:cNvSpPr txBox="1">
+            <a:spLocks noGrp="1"/>
+          </p:cNvSpPr>
+          <p:nvPr>
+            <p:ph type="title"/>
+          </p:nvPr>
+        </p:nvSpPr>
+        <p:spPr>
+          <a:prstGeom prst="rect">
+            <a:avLst/>
+          </a:prstGeom>
+        </p:spPr>
+        <p:txBody>
+          <a:bodyPr lIns="91425" tIns="91425" rIns="91425" bIns="91425" anchor="b" anchorCtr="0">
+            <a:noAutofit/>
+          </a:bodyPr>
+          <a:lstStyle/>
+          <a:p>
+            <a:pPr>
+              <a:spcBef>
+                <a:spcPts val="0"/>
+              </a:spcBef>
+              <a:buNone/>
+            </a:pPr>
+            <a:r>
+              <a:rPr lang="en"/>
+              <a:t>Goals</a:t>
+            </a:r>
+          </a:p>
+        </p:txBody>
+      </p:sp>
+    </p:spTree>
+  </p:cSld>
+  <p:clrMapOvr>
+    <a:masterClrMapping/>
+  </p:clrMapOvr>
+  <mc:AlternateContent xmlns:mc="http://schemas.openxmlformats.org/markup-compatibility/2006" xmlns:p14="http://schemas.microsoft.com/office/powerpoint/2010/main">
+    <mc:Choice Requires="p14">
+      <p:transition spd="slow" p14:dur="3400">
+        <p14:reveal/>
+      </p:transition>
+    </mc:Choice>
+    <mc:Fallback xmlns="">
+      <p:transition spd="slow">
+        <p:fade/>
+      </p:transition>
+    </mc:Fallback>
+  </mc:AlternateContent>
+  <p:timing>
+    <p:tnLst>
+      <p:par>
+        <p:cTn id="1" dur="indefinite" restart="never" nodeType="tmRoot"/>
+      </p:par>
+    </p:tnLst>
+  </p:timing>
+</p:sld>
+</file>
+
+<file path=ppt/slides/slide30.xml><?xml version="1.0" encoding="utf-8"?>
+<p:sld xmlns:a="http://schemas.openxmlformats.org/drawingml/2006/main" xmlns:r="http://schemas.openxmlformats.org/officeDocument/2006/relationships" xmlns:p="http://schemas.openxmlformats.org/presentationml/2006/main">
+  <p:cSld>
+    <p:spTree>
+      <p:nvGrpSpPr>
         <p:cNvPr id="1" name="Shape 208"/>
         <p:cNvGrpSpPr/>
         <p:nvPr/>
@@ -12984,183 +16371,7 @@
 </p:sld>
 </file>
 
-<file path=ppt/slides/slide3.xml><?xml version="1.0" encoding="utf-8"?>
-<p:sld xmlns:a="http://schemas.openxmlformats.org/drawingml/2006/main" xmlns:r="http://schemas.openxmlformats.org/officeDocument/2006/relationships" xmlns:p="http://schemas.openxmlformats.org/presentationml/2006/main">
-  <p:cSld>
-    <p:spTree>
-      <p:nvGrpSpPr>
-        <p:cNvPr id="1" name="Shape 59"/>
-        <p:cNvGrpSpPr/>
-        <p:nvPr/>
-      </p:nvGrpSpPr>
-      <p:grpSpPr>
-        <a:xfrm>
-          <a:off x="0" y="0"/>
-          <a:ext cx="0" cy="0"/>
-          <a:chOff x="0" y="0"/>
-          <a:chExt cx="0" cy="0"/>
-        </a:xfrm>
-      </p:grpSpPr>
-      <p:sp>
-        <p:nvSpPr>
-          <p:cNvPr id="61" name="Shape 61"/>
-          <p:cNvSpPr txBox="1">
-            <a:spLocks noGrp="1"/>
-          </p:cNvSpPr>
-          <p:nvPr>
-            <p:ph type="body" idx="1"/>
-          </p:nvPr>
-        </p:nvSpPr>
-        <p:spPr>
-          <a:prstGeom prst="rect">
-            <a:avLst/>
-          </a:prstGeom>
-        </p:spPr>
-        <p:txBody>
-          <a:bodyPr lIns="91425" tIns="91425" rIns="91425" bIns="91425" anchor="t" anchorCtr="0">
-            <a:noAutofit/>
-          </a:bodyPr>
-          <a:lstStyle/>
-          <a:p>
-            <a:pPr marL="457200" lvl="0" indent="-431800" rtl="0">
-              <a:lnSpc>
-                <a:spcPct val="150000"/>
-              </a:lnSpc>
-              <a:spcBef>
-                <a:spcPts val="0"/>
-              </a:spcBef>
-              <a:buClr>
-                <a:schemeClr val="dk2"/>
-              </a:buClr>
-              <a:buSzPct val="100000"/>
-              <a:buFont typeface="Arial"/>
-              <a:buChar char="●"/>
-            </a:pPr>
-            <a:r>
-              <a:rPr lang="en" dirty="0"/>
-              <a:t>Briefly describe Oracle R Enterprise (ORE)</a:t>
-            </a:r>
-          </a:p>
-          <a:p>
-            <a:pPr marL="457200" lvl="0" indent="-431800" rtl="0">
-              <a:lnSpc>
-                <a:spcPct val="150000"/>
-              </a:lnSpc>
-              <a:spcBef>
-                <a:spcPts val="0"/>
-              </a:spcBef>
-              <a:buClr>
-                <a:schemeClr val="dk2"/>
-              </a:buClr>
-              <a:buSzPct val="100000"/>
-              <a:buFont typeface="Arial"/>
-              <a:buChar char="●"/>
-            </a:pPr>
-            <a:r>
-              <a:rPr lang="en" dirty="0"/>
-              <a:t>Exploratory plots in R</a:t>
-            </a:r>
-          </a:p>
-          <a:p>
-            <a:pPr marL="457200" lvl="0" indent="-431800" rtl="0">
-              <a:lnSpc>
-                <a:spcPct val="150000"/>
-              </a:lnSpc>
-              <a:spcBef>
-                <a:spcPts val="0"/>
-              </a:spcBef>
-              <a:buClr>
-                <a:schemeClr val="dk2"/>
-              </a:buClr>
-              <a:buSzPct val="100000"/>
-              <a:buFont typeface="Arial"/>
-              <a:buChar char="●"/>
-            </a:pPr>
-            <a:r>
-              <a:rPr lang="en" dirty="0"/>
-              <a:t>Map based plots with R</a:t>
-            </a:r>
-          </a:p>
-          <a:p>
-            <a:pPr marL="457200" lvl="0" indent="-431800">
-              <a:lnSpc>
-                <a:spcPct val="150000"/>
-              </a:lnSpc>
-              <a:spcBef>
-                <a:spcPts val="0"/>
-              </a:spcBef>
-              <a:buClr>
-                <a:schemeClr val="dk2"/>
-              </a:buClr>
-              <a:buSzPct val="100000"/>
-              <a:buFont typeface="Arial"/>
-              <a:buChar char="●"/>
-            </a:pPr>
-            <a:r>
-              <a:rPr lang="en" dirty="0"/>
-              <a:t>Interactive pots with </a:t>
-            </a:r>
-            <a:r>
-              <a:rPr lang="en" dirty="0" smtClean="0"/>
-              <a:t>R (if we have time)</a:t>
-            </a:r>
-            <a:endParaRPr lang="en" dirty="0"/>
-          </a:p>
-        </p:txBody>
-      </p:sp>
-      <p:sp>
-        <p:nvSpPr>
-          <p:cNvPr id="60" name="Shape 60"/>
-          <p:cNvSpPr txBox="1">
-            <a:spLocks noGrp="1"/>
-          </p:cNvSpPr>
-          <p:nvPr>
-            <p:ph type="title"/>
-          </p:nvPr>
-        </p:nvSpPr>
-        <p:spPr>
-          <a:prstGeom prst="rect">
-            <a:avLst/>
-          </a:prstGeom>
-        </p:spPr>
-        <p:txBody>
-          <a:bodyPr lIns="91425" tIns="91425" rIns="91425" bIns="91425" anchor="b" anchorCtr="0">
-            <a:noAutofit/>
-          </a:bodyPr>
-          <a:lstStyle/>
-          <a:p>
-            <a:pPr>
-              <a:spcBef>
-                <a:spcPts val="0"/>
-              </a:spcBef>
-              <a:buNone/>
-            </a:pPr>
-            <a:r>
-              <a:rPr lang="en"/>
-              <a:t>Agenda</a:t>
-            </a:r>
-          </a:p>
-        </p:txBody>
-      </p:sp>
-    </p:spTree>
-  </p:cSld>
-  <p:clrMapOvr>
-    <a:masterClrMapping/>
-  </p:clrMapOvr>
-  <p:transition spd="slow">
-    <p:wipe/>
-  </p:transition>
-  <p:timing>
-    <p:tnLst>
-      <p:par>
-        <p:cTn id="1" dur="indefinite" restart="never" nodeType="tmRoot"/>
-      </p:par>
-    </p:tnLst>
-  </p:timing>
-</p:sld>
-</file>
-
-<file path=ppt/slides/slide30.xml><?xml version="1.0" encoding="utf-8"?>
+<file path=ppt/slides/slide31.xml><?xml version="1.0" encoding="utf-8"?>
 <p:sld xmlns:a="http://schemas.openxmlformats.org/drawingml/2006/main" xmlns:r="http://schemas.openxmlformats.org/officeDocument/2006/relationships" xmlns:p="http://schemas.openxmlformats.org/presentationml/2006/main">
   <p:cSld>
     <p:spTree>
@@ -13331,7 +16542,7 @@
   <p:cSld>
     <p:spTree>
       <p:nvGrpSpPr>
-        <p:cNvPr id="1" name="Shape 65"/>
+        <p:cNvPr id="1" name="Shape 59"/>
         <p:cNvGrpSpPr/>
         <p:nvPr/>
       </p:nvGrpSpPr>
@@ -13345,7 +16556,7 @@
       </p:grpSpPr>
       <p:sp>
         <p:nvSpPr>
-          <p:cNvPr id="66" name="Shape 66"/>
+          <p:cNvPr id="61" name="Shape 61"/>
           <p:cNvSpPr txBox="1">
             <a:spLocks noGrp="1"/>
           </p:cNvSpPr>
@@ -13380,7 +16591,7 @@
             </a:pPr>
             <a:r>
               <a:rPr lang="en" dirty="0"/>
-              <a:t>Oracle Advanced Analytics Option ($$)</a:t>
+              <a:t>Briefly describe Oracle R Enterprise (ORE)</a:t>
             </a:r>
           </a:p>
           <a:p>
@@ -13400,7 +16611,7 @@
             </a:pPr>
             <a:r>
               <a:rPr lang="en" dirty="0"/>
-              <a:t>Integrates R with Oracle</a:t>
+              <a:t>Exploratory plots in R</a:t>
             </a:r>
           </a:p>
           <a:p>
@@ -13420,55 +16631,7 @@
             </a:pPr>
             <a:r>
               <a:rPr lang="en" dirty="0"/>
-              <a:t>Overcomes memory limitation of R</a:t>
-            </a:r>
-          </a:p>
-          <a:p>
-            <a:pPr marL="914400" lvl="1" indent="-406400" rtl="0">
-              <a:lnSpc>
-                <a:spcPct val="150000"/>
-              </a:lnSpc>
-              <a:spcBef>
-                <a:spcPts val="0"/>
-              </a:spcBef>
-              <a:buClr>
-                <a:schemeClr val="dk2"/>
-              </a:buClr>
-              <a:buSzPct val="87500"/>
-              <a:buFont typeface="Courier New"/>
-              <a:buChar char="o"/>
-            </a:pPr>
-            <a:r>
-              <a:rPr lang="en" dirty="0"/>
-              <a:t>Keep data in the database</a:t>
-            </a:r>
-          </a:p>
-          <a:p>
-            <a:pPr marL="914400" lvl="1" indent="-406400" rtl="0">
-              <a:lnSpc>
-                <a:spcPct val="150000"/>
-              </a:lnSpc>
-              <a:spcBef>
-                <a:spcPts val="0"/>
-              </a:spcBef>
-              <a:buClr>
-                <a:schemeClr val="dk2"/>
-              </a:buClr>
-              <a:buSzPct val="87500"/>
-              <a:buFont typeface="Courier New"/>
-              <a:buChar char="o"/>
-            </a:pPr>
-            <a:r>
-              <a:rPr lang="en" dirty="0"/>
-              <a:t>Run </a:t>
-            </a:r>
-            <a:r>
-              <a:rPr lang="en" dirty="0" smtClean="0"/>
-              <a:t>R </a:t>
-            </a:r>
-            <a:r>
-              <a:rPr lang="en" dirty="0"/>
-              <a:t>code on database server</a:t>
+              <a:t>Map based plots with R</a:t>
             </a:r>
           </a:p>
           <a:p>
@@ -13480,26 +16643,27 @@
                 <a:spcPts val="0"/>
               </a:spcBef>
               <a:buClr>
-                <a:srgbClr val="FF0000"/>
+                <a:schemeClr val="dk2"/>
               </a:buClr>
               <a:buSzPct val="100000"/>
               <a:buFont typeface="Arial"/>
               <a:buChar char="●"/>
             </a:pPr>
             <a:r>
-              <a:rPr lang="en" dirty="0">
-                <a:solidFill>
-                  <a:srgbClr val="FF0000"/>
-                </a:solidFill>
-              </a:rPr>
-              <a:t>Our focus will be on the R portion of ORE</a:t>
-            </a:r>
+              <a:rPr lang="en" dirty="0"/>
+              <a:t>Interactive pots with </a:t>
+            </a:r>
+            <a:r>
+              <a:rPr lang="en" dirty="0" smtClean="0"/>
+              <a:t>R (if we have time)</a:t>
+            </a:r>
+            <a:endParaRPr lang="en" dirty="0"/>
           </a:p>
         </p:txBody>
       </p:sp>
       <p:sp>
         <p:nvSpPr>
-          <p:cNvPr id="67" name="Shape 67"/>
+          <p:cNvPr id="60" name="Shape 60"/>
           <p:cNvSpPr txBox="1">
             <a:spLocks noGrp="1"/>
           </p:cNvSpPr>
@@ -13525,8 +16689,8 @@
               <a:buNone/>
             </a:pPr>
             <a:r>
-              <a:rPr lang="en" dirty="0"/>
-              <a:t>Oracle R Enterprise (ORE)</a:t>
+              <a:rPr lang="en"/>
+              <a:t>Agenda</a:t>
             </a:r>
           </a:p>
         </p:txBody>
@@ -13550,6 +16714,229 @@
 </file>
 
 <file path=ppt/slides/slide5.xml><?xml version="1.0" encoding="utf-8"?>
+<p:sld xmlns:a="http://schemas.openxmlformats.org/drawingml/2006/main" xmlns:r="http://schemas.openxmlformats.org/officeDocument/2006/relationships" xmlns:p="http://schemas.openxmlformats.org/presentationml/2006/main">
+  <p:cSld>
+    <p:spTree>
+      <p:nvGrpSpPr>
+        <p:cNvPr id="1" name="Shape 65"/>
+        <p:cNvGrpSpPr/>
+        <p:nvPr/>
+      </p:nvGrpSpPr>
+      <p:grpSpPr>
+        <a:xfrm>
+          <a:off x="0" y="0"/>
+          <a:ext cx="0" cy="0"/>
+          <a:chOff x="0" y="0"/>
+          <a:chExt cx="0" cy="0"/>
+        </a:xfrm>
+      </p:grpSpPr>
+      <p:sp>
+        <p:nvSpPr>
+          <p:cNvPr id="66" name="Shape 66"/>
+          <p:cNvSpPr txBox="1">
+            <a:spLocks noGrp="1"/>
+          </p:cNvSpPr>
+          <p:nvPr>
+            <p:ph type="body" idx="1"/>
+          </p:nvPr>
+        </p:nvSpPr>
+        <p:spPr>
+          <a:prstGeom prst="rect">
+            <a:avLst/>
+          </a:prstGeom>
+        </p:spPr>
+        <p:txBody>
+          <a:bodyPr lIns="91425" tIns="91425" rIns="91425" bIns="91425" anchor="t" anchorCtr="0">
+            <a:noAutofit/>
+          </a:bodyPr>
+          <a:lstStyle/>
+          <a:p>
+            <a:pPr marL="457200" lvl="0" indent="-431800" rtl="0">
+              <a:lnSpc>
+                <a:spcPct val="150000"/>
+              </a:lnSpc>
+              <a:spcBef>
+                <a:spcPts val="0"/>
+              </a:spcBef>
+              <a:buClr>
+                <a:schemeClr val="dk2"/>
+              </a:buClr>
+              <a:buSzPct val="100000"/>
+              <a:buFont typeface="Arial"/>
+              <a:buChar char="●"/>
+            </a:pPr>
+            <a:r>
+              <a:rPr lang="en" dirty="0"/>
+              <a:t>Oracle Advanced Analytics Option ($$)</a:t>
+            </a:r>
+          </a:p>
+          <a:p>
+            <a:pPr marL="457200" lvl="0" indent="-431800" rtl="0">
+              <a:lnSpc>
+                <a:spcPct val="150000"/>
+              </a:lnSpc>
+              <a:spcBef>
+                <a:spcPts val="0"/>
+              </a:spcBef>
+              <a:buClr>
+                <a:schemeClr val="dk2"/>
+              </a:buClr>
+              <a:buSzPct val="100000"/>
+              <a:buFont typeface="Arial"/>
+              <a:buChar char="●"/>
+            </a:pPr>
+            <a:r>
+              <a:rPr lang="en" dirty="0"/>
+              <a:t>Integrates R with Oracle</a:t>
+            </a:r>
+          </a:p>
+          <a:p>
+            <a:pPr marL="457200" lvl="0" indent="-431800" rtl="0">
+              <a:lnSpc>
+                <a:spcPct val="150000"/>
+              </a:lnSpc>
+              <a:spcBef>
+                <a:spcPts val="0"/>
+              </a:spcBef>
+              <a:buClr>
+                <a:schemeClr val="dk2"/>
+              </a:buClr>
+              <a:buSzPct val="100000"/>
+              <a:buFont typeface="Arial"/>
+              <a:buChar char="●"/>
+            </a:pPr>
+            <a:r>
+              <a:rPr lang="en" dirty="0"/>
+              <a:t>Overcomes memory limitation of R</a:t>
+            </a:r>
+          </a:p>
+          <a:p>
+            <a:pPr marL="914400" lvl="1" indent="-406400" rtl="0">
+              <a:lnSpc>
+                <a:spcPct val="150000"/>
+              </a:lnSpc>
+              <a:spcBef>
+                <a:spcPts val="0"/>
+              </a:spcBef>
+              <a:buClr>
+                <a:schemeClr val="dk2"/>
+              </a:buClr>
+              <a:buSzPct val="87500"/>
+              <a:buFont typeface="Courier New"/>
+              <a:buChar char="o"/>
+            </a:pPr>
+            <a:r>
+              <a:rPr lang="en" dirty="0"/>
+              <a:t>Keep data in the database</a:t>
+            </a:r>
+          </a:p>
+          <a:p>
+            <a:pPr marL="914400" lvl="1" indent="-406400" rtl="0">
+              <a:lnSpc>
+                <a:spcPct val="150000"/>
+              </a:lnSpc>
+              <a:spcBef>
+                <a:spcPts val="0"/>
+              </a:spcBef>
+              <a:buClr>
+                <a:schemeClr val="dk2"/>
+              </a:buClr>
+              <a:buSzPct val="87500"/>
+              <a:buFont typeface="Courier New"/>
+              <a:buChar char="o"/>
+            </a:pPr>
+            <a:r>
+              <a:rPr lang="en" dirty="0"/>
+              <a:t>Run </a:t>
+            </a:r>
+            <a:r>
+              <a:rPr lang="en" dirty="0" smtClean="0"/>
+              <a:t>R </a:t>
+            </a:r>
+            <a:r>
+              <a:rPr lang="en" dirty="0"/>
+              <a:t>code on database server</a:t>
+            </a:r>
+          </a:p>
+          <a:p>
+            <a:pPr marL="457200" lvl="0" indent="-431800">
+              <a:lnSpc>
+                <a:spcPct val="150000"/>
+              </a:lnSpc>
+              <a:spcBef>
+                <a:spcPts val="0"/>
+              </a:spcBef>
+              <a:buClr>
+                <a:srgbClr val="FF0000"/>
+              </a:buClr>
+              <a:buSzPct val="100000"/>
+              <a:buFont typeface="Arial"/>
+              <a:buChar char="●"/>
+            </a:pPr>
+            <a:r>
+              <a:rPr lang="en" dirty="0">
+                <a:solidFill>
+                  <a:srgbClr val="FF0000"/>
+                </a:solidFill>
+              </a:rPr>
+              <a:t>Our focus will be on the R portion of ORE</a:t>
+            </a:r>
+          </a:p>
+        </p:txBody>
+      </p:sp>
+      <p:sp>
+        <p:nvSpPr>
+          <p:cNvPr id="67" name="Shape 67"/>
+          <p:cNvSpPr txBox="1">
+            <a:spLocks noGrp="1"/>
+          </p:cNvSpPr>
+          <p:nvPr>
+            <p:ph type="title"/>
+          </p:nvPr>
+        </p:nvSpPr>
+        <p:spPr>
+          <a:prstGeom prst="rect">
+            <a:avLst/>
+          </a:prstGeom>
+        </p:spPr>
+        <p:txBody>
+          <a:bodyPr lIns="91425" tIns="91425" rIns="91425" bIns="91425" anchor="b" anchorCtr="0">
+            <a:noAutofit/>
+          </a:bodyPr>
+          <a:lstStyle/>
+          <a:p>
+            <a:pPr>
+              <a:spcBef>
+                <a:spcPts val="0"/>
+              </a:spcBef>
+              <a:buNone/>
+            </a:pPr>
+            <a:r>
+              <a:rPr lang="en" dirty="0"/>
+              <a:t>Oracle R Enterprise (ORE)</a:t>
+            </a:r>
+          </a:p>
+        </p:txBody>
+      </p:sp>
+    </p:spTree>
+  </p:cSld>
+  <p:clrMapOvr>
+    <a:masterClrMapping/>
+  </p:clrMapOvr>
+  <p:transition spd="slow">
+    <p:wipe/>
+  </p:transition>
+  <p:timing>
+    <p:tnLst>
+      <p:par>
+        <p:cTn id="1" dur="indefinite" restart="never" nodeType="tmRoot"/>
+      </p:par>
+    </p:tnLst>
+  </p:timing>
+</p:sld>
+</file>
+
+<file path=ppt/slides/slide6.xml><?xml version="1.0" encoding="utf-8"?>
 <p:sld xmlns:a="http://schemas.openxmlformats.org/drawingml/2006/main" xmlns:r="http://schemas.openxmlformats.org/officeDocument/2006/relationships" xmlns:p="http://schemas.openxmlformats.org/presentationml/2006/main">
   <p:cSld>
     <p:spTree>
@@ -13621,7 +17008,7 @@
 </p:sld>
 </file>
 
-<file path=ppt/slides/slide6.xml><?xml version="1.0" encoding="utf-8"?>
+<file path=ppt/slides/slide7.xml><?xml version="1.0" encoding="utf-8"?>
 <p:sld xmlns:a="http://schemas.openxmlformats.org/drawingml/2006/main" xmlns:r="http://schemas.openxmlformats.org/officeDocument/2006/relationships" xmlns:p="http://schemas.openxmlformats.org/presentationml/2006/main">
   <p:cSld>
     <p:spTree>
@@ -13750,235 +17137,6 @@
             <a:r>
               <a:rPr lang="en"/>
               <a:t>What is R ?</a:t>
-            </a:r>
-          </a:p>
-        </p:txBody>
-      </p:sp>
-    </p:spTree>
-  </p:cSld>
-  <p:clrMapOvr>
-    <a:masterClrMapping/>
-  </p:clrMapOvr>
-  <p:transition spd="slow">
-    <p:wipe/>
-  </p:transition>
-  <p:timing>
-    <p:tnLst>
-      <p:par>
-        <p:cTn id="1" dur="indefinite" restart="never" nodeType="tmRoot"/>
-      </p:par>
-    </p:tnLst>
-  </p:timing>
-</p:sld>
-</file>
-
-<file path=ppt/slides/slide7.xml><?xml version="1.0" encoding="utf-8"?>
-<p:sld xmlns:a="http://schemas.openxmlformats.org/drawingml/2006/main" xmlns:r="http://schemas.openxmlformats.org/officeDocument/2006/relationships" xmlns:p="http://schemas.openxmlformats.org/presentationml/2006/main">
-  <p:cSld>
-    <p:spTree>
-      <p:nvGrpSpPr>
-        <p:cNvPr id="1" name="Shape 82"/>
-        <p:cNvGrpSpPr/>
-        <p:nvPr/>
-      </p:nvGrpSpPr>
-      <p:grpSpPr>
-        <a:xfrm>
-          <a:off x="0" y="0"/>
-          <a:ext cx="0" cy="0"/>
-          <a:chOff x="0" y="0"/>
-          <a:chExt cx="0" cy="0"/>
-        </a:xfrm>
-      </p:grpSpPr>
-      <p:sp>
-        <p:nvSpPr>
-          <p:cNvPr id="84" name="Shape 84"/>
-          <p:cNvSpPr txBox="1">
-            <a:spLocks noGrp="1"/>
-          </p:cNvSpPr>
-          <p:nvPr>
-            <p:ph type="body" idx="1"/>
-          </p:nvPr>
-        </p:nvSpPr>
-        <p:spPr>
-          <a:prstGeom prst="rect">
-            <a:avLst/>
-          </a:prstGeom>
-        </p:spPr>
-        <p:txBody>
-          <a:bodyPr lIns="91425" tIns="91425" rIns="91425" bIns="91425" anchor="t" anchorCtr="0">
-            <a:noAutofit/>
-          </a:bodyPr>
-          <a:lstStyle/>
-          <a:p>
-            <a:pPr marL="457200" lvl="0" indent="-431800" rtl="0">
-              <a:lnSpc>
-                <a:spcPct val="150000"/>
-              </a:lnSpc>
-              <a:spcBef>
-                <a:spcPts val="0"/>
-              </a:spcBef>
-              <a:buClr>
-                <a:schemeClr val="dk2"/>
-              </a:buClr>
-              <a:buSzPct val="100000"/>
-              <a:buFont typeface="Arial"/>
-              <a:buChar char="●"/>
-            </a:pPr>
-            <a:r>
-              <a:rPr lang="en" dirty="0"/>
-              <a:t>Cheap</a:t>
-            </a:r>
-          </a:p>
-          <a:p>
-            <a:pPr marL="914400" lvl="1" indent="-406400" rtl="0">
-              <a:lnSpc>
-                <a:spcPct val="150000"/>
-              </a:lnSpc>
-              <a:spcBef>
-                <a:spcPts val="0"/>
-              </a:spcBef>
-              <a:buClr>
-                <a:schemeClr val="dk2"/>
-              </a:buClr>
-              <a:buSzPct val="87500"/>
-              <a:buFont typeface="Courier New"/>
-              <a:buChar char="o"/>
-            </a:pPr>
-            <a:r>
-              <a:rPr lang="en" dirty="0"/>
-              <a:t>free</a:t>
-            </a:r>
-          </a:p>
-          <a:p>
-            <a:pPr marL="914400" lvl="1" indent="-406400" rtl="0">
-              <a:lnSpc>
-                <a:spcPct val="150000"/>
-              </a:lnSpc>
-              <a:spcBef>
-                <a:spcPts val="0"/>
-              </a:spcBef>
-              <a:buClr>
-                <a:schemeClr val="dk2"/>
-              </a:buClr>
-              <a:buSzPct val="87500"/>
-              <a:buFont typeface="Courier New"/>
-              <a:buChar char="o"/>
-            </a:pPr>
-            <a:r>
-              <a:rPr lang="en" dirty="0"/>
-              <a:t>most popular development tool (RStudio) is free</a:t>
-            </a:r>
-          </a:p>
-          <a:p>
-            <a:pPr marL="457200" lvl="0" indent="-431800" rtl="0">
-              <a:lnSpc>
-                <a:spcPct val="150000"/>
-              </a:lnSpc>
-              <a:spcBef>
-                <a:spcPts val="0"/>
-              </a:spcBef>
-              <a:buClr>
-                <a:schemeClr val="dk2"/>
-              </a:buClr>
-              <a:buSzPct val="100000"/>
-              <a:buFont typeface="Arial"/>
-              <a:buChar char="●"/>
-            </a:pPr>
-            <a:r>
-              <a:rPr lang="en" dirty="0"/>
-              <a:t>Powerful</a:t>
-            </a:r>
-          </a:p>
-          <a:p>
-            <a:pPr marL="914400" lvl="1" indent="-406400" rtl="0">
-              <a:lnSpc>
-                <a:spcPct val="150000"/>
-              </a:lnSpc>
-              <a:spcBef>
-                <a:spcPts val="0"/>
-              </a:spcBef>
-              <a:buClr>
-                <a:schemeClr val="dk2"/>
-              </a:buClr>
-              <a:buSzPct val="87500"/>
-              <a:buFont typeface="Courier New"/>
-              <a:buChar char="o"/>
-            </a:pPr>
-            <a:r>
-              <a:rPr lang="en" dirty="0"/>
-              <a:t>Over 6000 packages on Comprehensive R Archive Network (CRAN)</a:t>
-            </a:r>
-          </a:p>
-          <a:p>
-            <a:pPr marL="457200" lvl="0" indent="-431800" rtl="0">
-              <a:lnSpc>
-                <a:spcPct val="150000"/>
-              </a:lnSpc>
-              <a:spcBef>
-                <a:spcPts val="0"/>
-              </a:spcBef>
-              <a:buClr>
-                <a:schemeClr val="dk2"/>
-              </a:buClr>
-              <a:buSzPct val="100000"/>
-              <a:buFont typeface="Arial"/>
-              <a:buChar char="●"/>
-            </a:pPr>
-            <a:r>
-              <a:rPr lang="en" dirty="0"/>
-              <a:t>Popular</a:t>
-            </a:r>
-          </a:p>
-          <a:p>
-            <a:pPr marL="457200" lvl="0" indent="0" rtl="0">
-              <a:spcBef>
-                <a:spcPts val="0"/>
-              </a:spcBef>
-              <a:buNone/>
-            </a:pPr>
-            <a:endParaRPr dirty="0"/>
-          </a:p>
-          <a:p>
-            <a:pPr lvl="0">
-              <a:spcBef>
-                <a:spcPts val="0"/>
-              </a:spcBef>
-              <a:buNone/>
-            </a:pPr>
-            <a:endParaRPr dirty="0"/>
-          </a:p>
-        </p:txBody>
-      </p:sp>
-      <p:sp>
-        <p:nvSpPr>
-          <p:cNvPr id="83" name="Shape 83"/>
-          <p:cNvSpPr txBox="1">
-            <a:spLocks noGrp="1"/>
-          </p:cNvSpPr>
-          <p:nvPr>
-            <p:ph type="title"/>
-          </p:nvPr>
-        </p:nvSpPr>
-        <p:spPr>
-          <a:prstGeom prst="rect">
-            <a:avLst/>
-          </a:prstGeom>
-        </p:spPr>
-        <p:txBody>
-          <a:bodyPr lIns="91425" tIns="91425" rIns="91425" bIns="91425" anchor="b" anchorCtr="0">
-            <a:noAutofit/>
-          </a:bodyPr>
-          <a:lstStyle/>
-          <a:p>
-            <a:pPr>
-              <a:spcBef>
-                <a:spcPts val="0"/>
-              </a:spcBef>
-              <a:buNone/>
-            </a:pPr>
-            <a:r>
-              <a:rPr lang="en"/>
-              <a:t>Why use R?</a:t>
             </a:r>
           </a:p>
         </p:txBody>
@@ -14006,7 +17164,7 @@
   <p:cSld>
     <p:spTree>
       <p:nvGrpSpPr>
-        <p:cNvPr id="1" name="Shape 88"/>
+        <p:cNvPr id="1" name="Shape 82"/>
         <p:cNvGrpSpPr/>
         <p:nvPr/>
       </p:nvGrpSpPr>
@@ -14020,7 +17178,7 @@
       </p:grpSpPr>
       <p:sp>
         <p:nvSpPr>
-          <p:cNvPr id="89" name="Shape 89"/>
+          <p:cNvPr id="84" name="Shape 84"/>
           <p:cNvSpPr txBox="1">
             <a:spLocks noGrp="1"/>
           </p:cNvSpPr>
@@ -14055,7 +17213,47 @@
             </a:pPr>
             <a:r>
               <a:rPr lang="en" dirty="0"/>
-              <a:t>Classes</a:t>
+              <a:t>Cheap</a:t>
+            </a:r>
+          </a:p>
+          <a:p>
+            <a:pPr marL="914400" lvl="1" indent="-406400" rtl="0">
+              <a:lnSpc>
+                <a:spcPct val="150000"/>
+              </a:lnSpc>
+              <a:spcBef>
+                <a:spcPts val="0"/>
+              </a:spcBef>
+              <a:buClr>
+                <a:schemeClr val="dk2"/>
+              </a:buClr>
+              <a:buSzPct val="87500"/>
+              <a:buFont typeface="Courier New"/>
+              <a:buChar char="o"/>
+            </a:pPr>
+            <a:r>
+              <a:rPr lang="en" dirty="0"/>
+              <a:t>free</a:t>
+            </a:r>
+          </a:p>
+          <a:p>
+            <a:pPr marL="914400" lvl="1" indent="-406400" rtl="0">
+              <a:lnSpc>
+                <a:spcPct val="150000"/>
+              </a:lnSpc>
+              <a:spcBef>
+                <a:spcPts val="0"/>
+              </a:spcBef>
+              <a:buClr>
+                <a:schemeClr val="dk2"/>
+              </a:buClr>
+              <a:buSzPct val="87500"/>
+              <a:buFont typeface="Courier New"/>
+              <a:buChar char="o"/>
+            </a:pPr>
+            <a:r>
+              <a:rPr lang="en" dirty="0"/>
+              <a:t>most popular development tool (RStudio) is free</a:t>
             </a:r>
           </a:p>
           <a:p>
@@ -14075,7 +17273,27 @@
             </a:pPr>
             <a:r>
               <a:rPr lang="en" dirty="0"/>
-              <a:t>Other sources</a:t>
+              <a:t>Powerful</a:t>
+            </a:r>
+          </a:p>
+          <a:p>
+            <a:pPr marL="914400" lvl="1" indent="-406400" rtl="0">
+              <a:lnSpc>
+                <a:spcPct val="150000"/>
+              </a:lnSpc>
+              <a:spcBef>
+                <a:spcPts val="0"/>
+              </a:spcBef>
+              <a:buClr>
+                <a:schemeClr val="dk2"/>
+              </a:buClr>
+              <a:buSzPct val="87500"/>
+              <a:buFont typeface="Courier New"/>
+              <a:buChar char="o"/>
+            </a:pPr>
+            <a:r>
+              <a:rPr lang="en" dirty="0"/>
+              <a:t>Over 6000 packages on Comprehensive R Archive Network (CRAN)</a:t>
             </a:r>
           </a:p>
           <a:p>
@@ -14095,74 +17313,32 @@
             </a:pPr>
             <a:r>
               <a:rPr lang="en" dirty="0"/>
-              <a:t>Application help</a:t>
-            </a:r>
-          </a:p>
-          <a:p>
-            <a:pPr marL="914400" lvl="1" indent="-406400" rtl="0">
-              <a:lnSpc>
-                <a:spcPct val="150000"/>
-              </a:lnSpc>
-              <a:spcBef>
-                <a:spcPts val="0"/>
-              </a:spcBef>
-              <a:buClr>
-                <a:schemeClr val="dk2"/>
-              </a:buClr>
-              <a:buSzPct val="87500"/>
-              <a:buFont typeface="Courier New"/>
-              <a:buChar char="o"/>
+              <a:t>Popular</a:t>
+            </a:r>
+          </a:p>
+          <a:p>
+            <a:pPr marL="457200" lvl="0" indent="0" rtl="0">
+              <a:spcBef>
+                <a:spcPts val="0"/>
+              </a:spcBef>
+              <a:buNone/>
             </a:pPr>
-            <a:r>
-              <a:rPr lang="en" dirty="0"/>
-              <a:t>?&lt;function&gt;, &lt;dataset&gt;, etc.</a:t>
-            </a:r>
-          </a:p>
-          <a:p>
-            <a:pPr marL="914400" lvl="1" indent="-406400" rtl="0">
-              <a:lnSpc>
-                <a:spcPct val="150000"/>
-              </a:lnSpc>
-              <a:spcBef>
-                <a:spcPts val="0"/>
-              </a:spcBef>
-              <a:buClr>
-                <a:schemeClr val="dk2"/>
-              </a:buClr>
-              <a:buSzPct val="87500"/>
-              <a:buFont typeface="Courier New"/>
-              <a:buChar char="o"/>
+            <a:endParaRPr dirty="0"/>
+          </a:p>
+          <a:p>
+            <a:pPr lvl="0">
+              <a:spcBef>
+                <a:spcPts val="0"/>
+              </a:spcBef>
+              <a:buNone/>
             </a:pPr>
-            <a:r>
-              <a:rPr lang="en" dirty="0"/>
-              <a:t>??&lt;search term&gt;</a:t>
-            </a:r>
-          </a:p>
-          <a:p>
-            <a:pPr marL="914400" lvl="1" indent="-406400">
-              <a:lnSpc>
-                <a:spcPct val="150000"/>
-              </a:lnSpc>
-              <a:spcBef>
-                <a:spcPts val="0"/>
-              </a:spcBef>
-              <a:buClr>
-                <a:schemeClr val="dk2"/>
-              </a:buClr>
-              <a:buSzPct val="87500"/>
-              <a:buFont typeface="Courier New"/>
-              <a:buChar char="o"/>
-            </a:pPr>
-            <a:r>
-              <a:rPr lang="en" dirty="0"/>
-              <a:t>example(&lt;function&gt;)</a:t>
-            </a:r>
+            <a:endParaRPr dirty="0"/>
           </a:p>
         </p:txBody>
       </p:sp>
       <p:sp>
         <p:nvSpPr>
-          <p:cNvPr id="90" name="Shape 90"/>
+          <p:cNvPr id="83" name="Shape 83"/>
           <p:cNvSpPr txBox="1">
             <a:spLocks noGrp="1"/>
           </p:cNvSpPr>
@@ -14188,8 +17364,8 @@
               <a:buNone/>
             </a:pPr>
             <a:r>
-              <a:rPr lang="en" dirty="0"/>
-              <a:t>Help with R (demo)</a:t>
+              <a:rPr lang="en"/>
+              <a:t>Why use R?</a:t>
             </a:r>
           </a:p>
         </p:txBody>
@@ -14217,7 +17393,7 @@
   <p:cSld>
     <p:spTree>
       <p:nvGrpSpPr>
-        <p:cNvPr id="1" name="Shape 94"/>
+        <p:cNvPr id="1" name="Shape 88"/>
         <p:cNvGrpSpPr/>
         <p:nvPr/>
       </p:nvGrpSpPr>
@@ -14231,7 +17407,7 @@
       </p:grpSpPr>
       <p:sp>
         <p:nvSpPr>
-          <p:cNvPr id="95" name="Shape 95"/>
+          <p:cNvPr id="89" name="Shape 89"/>
           <p:cNvSpPr txBox="1">
             <a:spLocks noGrp="1"/>
           </p:cNvSpPr>
@@ -14240,10 +17416,6 @@
           </p:nvPr>
         </p:nvSpPr>
         <p:spPr>
-          <a:xfrm>
-            <a:off x="457200" y="1463040"/>
-            <a:ext cx="8229600" cy="2921051"/>
-          </a:xfrm>
           <a:prstGeom prst="rect">
             <a:avLst/>
           </a:prstGeom>
@@ -14270,7 +17442,7 @@
             </a:pPr>
             <a:r>
               <a:rPr lang="en" dirty="0"/>
-              <a:t>Oracle R Enterprise (ORE)</a:t>
+              <a:t>Classes</a:t>
             </a:r>
           </a:p>
           <a:p>
@@ -14290,7 +17462,7 @@
             </a:pPr>
             <a:r>
               <a:rPr lang="en" dirty="0"/>
-              <a:t>ROracle</a:t>
+              <a:t>Other sources</a:t>
             </a:r>
           </a:p>
           <a:p>
@@ -14309,13 +17481,12 @@
               <a:buChar char="●"/>
             </a:pPr>
             <a:r>
-              <a:rPr lang="en" dirty="0" smtClean="0"/>
-              <a:t>RODBC/RJDBC</a:t>
-            </a:r>
-            <a:endParaRPr lang="en" dirty="0"/>
-          </a:p>
-          <a:p>
-            <a:pPr marL="457200" lvl="0" indent="-431800" rtl="0">
+              <a:rPr lang="en" dirty="0"/>
+              <a:t>Application help</a:t>
+            </a:r>
+          </a:p>
+          <a:p>
+            <a:pPr marL="914400" lvl="1" indent="-406400" rtl="0">
               <a:lnSpc>
                 <a:spcPct val="150000"/>
               </a:lnSpc>
@@ -14325,17 +17496,17 @@
               <a:buClr>
                 <a:schemeClr val="dk2"/>
               </a:buClr>
-              <a:buSzPct val="100000"/>
-              <a:buFont typeface="Arial"/>
-              <a:buChar char="●"/>
+              <a:buSzPct val="87500"/>
+              <a:buFont typeface="Courier New"/>
+              <a:buChar char="o"/>
             </a:pPr>
             <a:r>
               <a:rPr lang="en" dirty="0"/>
-              <a:t>Output table query to csv</a:t>
-            </a:r>
-          </a:p>
-          <a:p>
-            <a:pPr marL="457200" lvl="0" indent="-431800">
+              <a:t>?&lt;function&gt;, &lt;dataset&gt;, etc.</a:t>
+            </a:r>
+          </a:p>
+          <a:p>
+            <a:pPr marL="914400" lvl="1" indent="-406400" rtl="0">
               <a:lnSpc>
                 <a:spcPct val="150000"/>
               </a:lnSpc>
@@ -14345,25 +17516,40 @@
               <a:buClr>
                 <a:schemeClr val="dk2"/>
               </a:buClr>
-              <a:buSzPct val="100000"/>
-              <a:buFont typeface="Arial"/>
-              <a:buChar char="●"/>
+              <a:buSzPct val="87500"/>
+              <a:buFont typeface="Courier New"/>
+              <a:buChar char="o"/>
             </a:pPr>
             <a:r>
-              <a:rPr lang="en" u="sng" dirty="0">
-                <a:solidFill>
-                  <a:schemeClr val="hlink"/>
-                </a:solidFill>
-                <a:hlinkClick r:id="rId3"/>
-              </a:rPr>
-              <a:t>Use R to access Oracle data</a:t>
+              <a:rPr lang="en" dirty="0"/>
+              <a:t>??&lt;search term&gt;</a:t>
+            </a:r>
+          </a:p>
+          <a:p>
+            <a:pPr marL="914400" lvl="1" indent="-406400">
+              <a:lnSpc>
+                <a:spcPct val="150000"/>
+              </a:lnSpc>
+              <a:spcBef>
+                <a:spcPts val="0"/>
+              </a:spcBef>
+              <a:buClr>
+                <a:schemeClr val="dk2"/>
+              </a:buClr>
+              <a:buSzPct val="87500"/>
+              <a:buFont typeface="Courier New"/>
+              <a:buChar char="o"/>
+            </a:pPr>
+            <a:r>
+              <a:rPr lang="en" dirty="0"/>
+              <a:t>example(&lt;function&gt;)</a:t>
             </a:r>
           </a:p>
         </p:txBody>
       </p:sp>
       <p:sp>
         <p:nvSpPr>
-          <p:cNvPr id="96" name="Shape 96"/>
+          <p:cNvPr id="90" name="Shape 90"/>
           <p:cNvSpPr txBox="1">
             <a:spLocks noGrp="1"/>
           </p:cNvSpPr>
@@ -14390,7 +17576,7 @@
             </a:pPr>
             <a:r>
               <a:rPr lang="en" dirty="0"/>
-              <a:t>Using R with Oracle Database</a:t>
+              <a:t>Help with R (demo)</a:t>
             </a:r>
           </a:p>
         </p:txBody>

--- a/garrison_presentation.pptx
+++ b/garrison_presentation.pptx
@@ -7,7 +7,7 @@
     <p:sldMasterId id="2147483676" r:id="rId3"/>
   </p:sldMasterIdLst>
   <p:notesMasterIdLst>
-    <p:notesMasterId r:id="rId35"/>
+    <p:notesMasterId r:id="rId34"/>
   </p:notesMasterIdLst>
   <p:sldIdLst>
     <p:sldId id="256" r:id="rId4"/>
@@ -37,10 +37,9 @@
     <p:sldId id="278" r:id="rId28"/>
     <p:sldId id="279" r:id="rId29"/>
     <p:sldId id="280" r:id="rId30"/>
-    <p:sldId id="281" r:id="rId31"/>
-    <p:sldId id="288" r:id="rId32"/>
-    <p:sldId id="283" r:id="rId33"/>
-    <p:sldId id="284" r:id="rId34"/>
+    <p:sldId id="288" r:id="rId31"/>
+    <p:sldId id="283" r:id="rId32"/>
+    <p:sldId id="284" r:id="rId33"/>
   </p:sldIdLst>
   <p:sldSz cx="9144000" cy="5143500" type="screen16x9"/>
   <p:notesSz cx="6858000" cy="9144000"/>
@@ -257,7 +256,18 @@
   </p:defaultTextStyle>
   <p:extLst>
     <p:ext uri="{EFAFB233-063F-42B5-8137-9DF3F51BA10A}">
-      <p15:sldGuideLst xmlns:p15="http://schemas.microsoft.com/office/powerpoint/2012/main"/>
+      <p15:sldGuideLst xmlns:p15="http://schemas.microsoft.com/office/powerpoint/2012/main">
+        <p15:guide id="1" orient="horz" pos="1620">
+          <p15:clr>
+            <a:srgbClr val="A4A3A4"/>
+          </p15:clr>
+        </p15:guide>
+        <p15:guide id="2" pos="2880">
+          <p15:clr>
+            <a:srgbClr val="A4A3A4"/>
+          </p15:clr>
+        </p15:guide>
+      </p15:sldGuideLst>
     </p:ext>
   </p:extLst>
 </p:presentation>
@@ -2198,7 +2208,7 @@
                 </a:spcBef>
                 <a:buClrTx/>
               </a:pPr>
-              <a:t>1/15/2015</a:t>
+              <a:t>2/2/2015</a:t>
             </a:fld>
             <a:endParaRPr lang="en-US" sz="1200">
               <a:cs typeface="Arial" pitchFamily="34" charset="0"/>
@@ -3785,7 +3795,7 @@
   <p:cSld>
     <p:spTree>
       <p:nvGrpSpPr>
-        <p:cNvPr id="1" name="Shape 199"/>
+        <p:cNvPr id="1" name="Shape 211"/>
         <p:cNvGrpSpPr/>
         <p:nvPr/>
       </p:nvGrpSpPr>
@@ -3799,7 +3809,7 @@
       </p:grpSpPr>
       <p:sp>
         <p:nvSpPr>
-          <p:cNvPr id="200" name="Shape 200"/>
+          <p:cNvPr id="212" name="Shape 212"/>
           <p:cNvSpPr>
             <a:spLocks noGrp="1" noRot="1" noChangeAspect="1"/>
           </p:cNvSpPr>
@@ -3850,122 +3860,6 @@
       </p:sp>
       <p:sp>
         <p:nvSpPr>
-          <p:cNvPr id="201" name="Shape 201"/>
-          <p:cNvSpPr txBox="1">
-            <a:spLocks noGrp="1"/>
-          </p:cNvSpPr>
-          <p:nvPr>
-            <p:ph type="body" idx="1"/>
-          </p:nvPr>
-        </p:nvSpPr>
-        <p:spPr>
-          <a:xfrm>
-            <a:off x="685800" y="4343400"/>
-            <a:ext cx="5486399" cy="4114800"/>
-          </a:xfrm>
-          <a:prstGeom prst="rect">
-            <a:avLst/>
-          </a:prstGeom>
-        </p:spPr>
-        <p:txBody>
-          <a:bodyPr lIns="91425" tIns="91425" rIns="91425" bIns="91425" anchor="t" anchorCtr="0">
-            <a:noAutofit/>
-          </a:bodyPr>
-          <a:lstStyle/>
-          <a:p>
-            <a:pPr>
-              <a:spcBef>
-                <a:spcPts val="0"/>
-              </a:spcBef>
-              <a:buNone/>
-            </a:pPr>
-            <a:endParaRPr/>
-          </a:p>
-        </p:txBody>
-      </p:sp>
-    </p:spTree>
-    <p:extLst>
-      <p:ext uri="{BB962C8B-B14F-4D97-AF65-F5344CB8AC3E}">
-        <p14:creationId xmlns:p14="http://schemas.microsoft.com/office/powerpoint/2010/main" val="169483712"/>
-      </p:ext>
-    </p:extLst>
-  </p:cSld>
-  <p:clrMapOvr>
-    <a:masterClrMapping/>
-  </p:clrMapOvr>
-</p:notes>
-</file>
-
-<file path=ppt/notesSlides/notesSlide28.xml><?xml version="1.0" encoding="utf-8"?>
-<p:notes xmlns:a="http://schemas.openxmlformats.org/drawingml/2006/main" xmlns:r="http://schemas.openxmlformats.org/officeDocument/2006/relationships" xmlns:p="http://schemas.openxmlformats.org/presentationml/2006/main" showMasterSp="0" showMasterPhAnim="0">
-  <p:cSld>
-    <p:spTree>
-      <p:nvGrpSpPr>
-        <p:cNvPr id="1" name="Shape 211"/>
-        <p:cNvGrpSpPr/>
-        <p:nvPr/>
-      </p:nvGrpSpPr>
-      <p:grpSpPr>
-        <a:xfrm>
-          <a:off x="0" y="0"/>
-          <a:ext cx="0" cy="0"/>
-          <a:chOff x="0" y="0"/>
-          <a:chExt cx="0" cy="0"/>
-        </a:xfrm>
-      </p:grpSpPr>
-      <p:sp>
-        <p:nvSpPr>
-          <p:cNvPr id="212" name="Shape 212"/>
-          <p:cNvSpPr>
-            <a:spLocks noGrp="1" noRot="1" noChangeAspect="1"/>
-          </p:cNvSpPr>
-          <p:nvPr>
-            <p:ph type="sldImg" idx="2"/>
-          </p:nvPr>
-        </p:nvSpPr>
-        <p:spPr>
-          <a:xfrm>
-            <a:off x="381000" y="685800"/>
-            <a:ext cx="6096000" cy="3429000"/>
-          </a:xfrm>
-          <a:custGeom>
-            <a:avLst/>
-            <a:gdLst/>
-            <a:ahLst/>
-            <a:cxnLst/>
-            <a:rect l="0" t="0" r="0" b="0"/>
-            <a:pathLst>
-              <a:path w="120000" h="120000" extrusionOk="0">
-                <a:moveTo>
-                  <a:pt x="0" y="0"/>
-                </a:moveTo>
-                <a:lnTo>
-                  <a:pt x="120000" y="0"/>
-                </a:lnTo>
-                <a:lnTo>
-                  <a:pt x="120000" y="120000"/>
-                </a:lnTo>
-                <a:lnTo>
-                  <a:pt x="0" y="120000"/>
-                </a:lnTo>
-                <a:close/>
-              </a:path>
-            </a:pathLst>
-          </a:custGeom>
-          <a:noFill/>
-          <a:ln w="9525" cap="flat">
-            <a:solidFill>
-              <a:srgbClr val="000000"/>
-            </a:solidFill>
-            <a:prstDash val="solid"/>
-            <a:round/>
-            <a:headEnd type="none" w="med" len="med"/>
-            <a:tailEnd type="none" w="med" len="med"/>
-          </a:ln>
-        </p:spPr>
-      </p:sp>
-      <p:sp>
-        <p:nvSpPr>
           <p:cNvPr id="213" name="Shape 213"/>
           <p:cNvSpPr txBox="1">
             <a:spLocks noGrp="1"/>
@@ -4012,7 +3906,7 @@
 </p:notes>
 </file>
 
-<file path=ppt/notesSlides/notesSlide29.xml><?xml version="1.0" encoding="utf-8"?>
+<file path=ppt/notesSlides/notesSlide28.xml><?xml version="1.0" encoding="utf-8"?>
 <p:notes xmlns:a="http://schemas.openxmlformats.org/drawingml/2006/main" xmlns:r="http://schemas.openxmlformats.org/officeDocument/2006/relationships" xmlns:p="http://schemas.openxmlformats.org/presentationml/2006/main" showMasterSp="0" showMasterPhAnim="0">
   <p:cSld>
     <p:spTree>
@@ -5158,7 +5052,7 @@
           <a:p>
             <a:fld id="{2B620634-F1E7-4F42-B7F2-04F33F3FC495}" type="datetimeFigureOut">
               <a:rPr lang="en-US" smtClean="0"/>
-              <a:t>1/15/2015</a:t>
+              <a:t>2/2/2015</a:t>
             </a:fld>
             <a:endParaRPr lang="en-US"/>
           </a:p>
@@ -11705,7 +11599,7 @@
             </a:pPr>
             <a:r>
               <a:rPr lang="en-US" dirty="0" smtClean="0"/>
-              <a:t>Better than base R for creating plotting</a:t>
+              <a:t>Better than base R for creating plots</a:t>
             </a:r>
             <a:endParaRPr lang="en-US" dirty="0"/>
           </a:p>
@@ -11777,9 +11671,18 @@
   <p:clrMapOvr>
     <a:masterClrMapping/>
   </p:clrMapOvr>
-  <p:transition spd="slow">
-    <p:cut/>
-  </p:transition>
+  <mc:AlternateContent xmlns:mc="http://schemas.openxmlformats.org/markup-compatibility/2006">
+    <mc:Choice xmlns:p14="http://schemas.microsoft.com/office/powerpoint/2010/main" Requires="p14">
+      <p:transition spd="slow" p14:dur="3400">
+        <p14:reveal/>
+      </p:transition>
+    </mc:Choice>
+    <mc:Fallback>
+      <p:transition spd="slow">
+        <p:fade/>
+      </p:transition>
+    </mc:Fallback>
+  </mc:AlternateContent>
   <p:timing>
     <p:tnLst>
       <p:par>
@@ -13108,19 +13011,8 @@
                 <a:ea typeface="ＭＳ Ｐゴシック" pitchFamily="34" charset="-128"/>
                 <a:cs typeface="Arial" pitchFamily="34" charset="0"/>
               </a:rPr>
-              <a:t>Source: </a:t>
-            </a:r>
-            <a:r>
-              <a:rPr lang="en-US" sz="750" b="1" dirty="0">
-                <a:ea typeface="ＭＳ Ｐゴシック" pitchFamily="34" charset="-128"/>
-                <a:cs typeface="Arial" pitchFamily="34" charset="0"/>
-              </a:rPr>
-              <a:t>CSC</a:t>
-            </a:r>
-            <a:endParaRPr lang="en-US" sz="750" b="1" dirty="0">
-              <a:ea typeface="ＭＳ Ｐゴシック" pitchFamily="34" charset="-128"/>
-              <a:cs typeface="Arial" pitchFamily="34" charset="0"/>
-            </a:endParaRPr>
+              <a:t>Source: CSC</a:t>
+            </a:r>
           </a:p>
         </p:txBody>
       </p:sp>
@@ -13183,13 +13075,6 @@
               </a:rPr>
               <a:t>35 ZB</a:t>
             </a:r>
-            <a:endParaRPr lang="en-US" sz="1200" b="1" dirty="0">
-              <a:solidFill>
-                <a:schemeClr val="hlink"/>
-              </a:solidFill>
-              <a:latin typeface="Arial" charset="0"/>
-              <a:cs typeface="Arial" charset="0"/>
-            </a:endParaRPr>
           </a:p>
         </p:txBody>
       </p:sp>
@@ -13788,10 +13673,6 @@
               </a:rPr>
               <a:t>2020</a:t>
             </a:r>
-            <a:endParaRPr lang="en-US" sz="1050" dirty="0">
-              <a:latin typeface="Arial" charset="0"/>
-              <a:cs typeface="Arial" charset="0"/>
-            </a:endParaRPr>
           </a:p>
         </p:txBody>
       </p:sp>
@@ -15803,7 +15684,7 @@
   <p:cSld>
     <p:spTree>
       <p:nvGrpSpPr>
-        <p:cNvPr id="1" name="Shape 196"/>
+        <p:cNvPr id="1" name=""/>
         <p:cNvGrpSpPr/>
         <p:nvPr/>
       </p:nvGrpSpPr>
@@ -15817,111 +15698,58 @@
       </p:grpSpPr>
       <p:sp>
         <p:nvSpPr>
-          <p:cNvPr id="197" name="Shape 197"/>
-          <p:cNvSpPr txBox="1">
+          <p:cNvPr id="2" name="Slide Number Placeholder 1"/>
+          <p:cNvSpPr>
             <a:spLocks noGrp="1"/>
           </p:cNvSpPr>
           <p:nvPr>
-            <p:ph type="body" idx="1"/>
-          </p:nvPr>
-        </p:nvSpPr>
+            <p:ph type="sldNum" sz="quarter" idx="12"/>
+          </p:nvPr>
+        </p:nvSpPr>
+        <p:spPr/>
+        <p:txBody>
+          <a:bodyPr/>
+          <a:lstStyle/>
+          <a:p>
+            <a:fld id="{90C7FAB7-A015-1C4E-BC6D-609B5E539335}" type="slidenum">
+              <a:rPr lang="en-US" smtClean="0"/>
+              <a:pPr/>
+              <a:t>28</a:t>
+            </a:fld>
+            <a:endParaRPr lang="en-US" dirty="0"/>
+          </a:p>
+        </p:txBody>
+      </p:sp>
+      <p:pic>
+        <p:nvPicPr>
+          <p:cNvPr id="3" name="Picture 2"/>
+          <p:cNvPicPr>
+            <a:picLocks noChangeAspect="1"/>
+          </p:cNvPicPr>
+          <p:nvPr/>
+        </p:nvPicPr>
+        <p:blipFill>
+          <a:blip r:embed="rId2"/>
+          <a:stretch>
+            <a:fillRect/>
+          </a:stretch>
+        </p:blipFill>
         <p:spPr>
+          <a:xfrm>
+            <a:off x="1991224" y="0"/>
+            <a:ext cx="5625060" cy="6036399"/>
+          </a:xfrm>
           <a:prstGeom prst="rect">
             <a:avLst/>
           </a:prstGeom>
         </p:spPr>
-        <p:txBody>
-          <a:bodyPr lIns="91425" tIns="91425" rIns="91425" bIns="91425" anchor="t" anchorCtr="0">
-            <a:noAutofit/>
-          </a:bodyPr>
-          <a:lstStyle/>
-          <a:p>
-            <a:pPr marL="457200" lvl="0" indent="-431800" rtl="0">
-              <a:lnSpc>
-                <a:spcPct val="150000"/>
-              </a:lnSpc>
-              <a:spcBef>
-                <a:spcPts val="0"/>
-              </a:spcBef>
-              <a:buClr>
-                <a:schemeClr val="dk2"/>
-              </a:buClr>
-              <a:buSzPct val="100000"/>
-              <a:buFont typeface="Arial"/>
-              <a:buChar char="●"/>
-            </a:pPr>
-            <a:r>
-              <a:rPr lang="en" dirty="0" smtClean="0"/>
-              <a:t>ggvis</a:t>
-            </a:r>
-            <a:endParaRPr lang="en" dirty="0"/>
-          </a:p>
-          <a:p>
-            <a:pPr marL="457200" lvl="0" indent="-431800" rtl="0">
-              <a:lnSpc>
-                <a:spcPct val="150000"/>
-              </a:lnSpc>
-              <a:spcBef>
-                <a:spcPts val="0"/>
-              </a:spcBef>
-              <a:buClr>
-                <a:schemeClr val="dk2"/>
-              </a:buClr>
-              <a:buSzPct val="100000"/>
-              <a:buFont typeface="Arial"/>
-              <a:buChar char="●"/>
-            </a:pPr>
-            <a:r>
-              <a:rPr lang="en" dirty="0"/>
-              <a:t>Demo (if we have time)</a:t>
-            </a:r>
-          </a:p>
-          <a:p>
-            <a:pPr lvl="0">
-              <a:spcBef>
-                <a:spcPts val="0"/>
-              </a:spcBef>
-              <a:buNone/>
-            </a:pPr>
-            <a:endParaRPr dirty="0"/>
-          </a:p>
-        </p:txBody>
-      </p:sp>
-      <p:sp>
-        <p:nvSpPr>
-          <p:cNvPr id="198" name="Shape 198"/>
-          <p:cNvSpPr txBox="1">
-            <a:spLocks noGrp="1"/>
-          </p:cNvSpPr>
-          <p:nvPr>
-            <p:ph type="title"/>
-          </p:nvPr>
-        </p:nvSpPr>
-        <p:spPr>
-          <a:prstGeom prst="rect">
-            <a:avLst/>
-          </a:prstGeom>
-        </p:spPr>
-        <p:txBody>
-          <a:bodyPr lIns="91425" tIns="91425" rIns="91425" bIns="91425" anchor="b" anchorCtr="0">
-            <a:noAutofit/>
-          </a:bodyPr>
-          <a:lstStyle/>
-          <a:p>
-            <a:pPr>
-              <a:spcBef>
-                <a:spcPts val="0"/>
-              </a:spcBef>
-              <a:buNone/>
-            </a:pPr>
-            <a:r>
-              <a:rPr lang="en"/>
-              <a:t>Demo R Interactive Plots</a:t>
-            </a:r>
-          </a:p>
-        </p:txBody>
-      </p:sp>
+      </p:pic>
     </p:spTree>
+    <p:extLst>
+      <p:ext uri="{BB962C8B-B14F-4D97-AF65-F5344CB8AC3E}">
+        <p14:creationId xmlns:p14="http://schemas.microsoft.com/office/powerpoint/2010/main" val="3529625423"/>
+      </p:ext>
+    </p:extLst>
   </p:cSld>
   <p:clrMapOvr>
     <a:masterClrMapping/>
@@ -15944,7 +15772,7 @@
   <p:cSld>
     <p:spTree>
       <p:nvGrpSpPr>
-        <p:cNvPr id="1" name=""/>
+        <p:cNvPr id="1" name="Shape 208"/>
         <p:cNvGrpSpPr/>
         <p:nvPr/>
       </p:nvGrpSpPr>
@@ -15958,58 +15786,112 @@
       </p:grpSpPr>
       <p:sp>
         <p:nvSpPr>
-          <p:cNvPr id="2" name="Slide Number Placeholder 1"/>
-          <p:cNvSpPr>
+          <p:cNvPr id="209" name="Shape 209"/>
+          <p:cNvSpPr txBox="1">
             <a:spLocks noGrp="1"/>
           </p:cNvSpPr>
           <p:nvPr>
-            <p:ph type="sldNum" sz="quarter" idx="12"/>
-          </p:nvPr>
-        </p:nvSpPr>
-        <p:spPr/>
-        <p:txBody>
-          <a:bodyPr/>
-          <a:lstStyle/>
-          <a:p>
-            <a:fld id="{90C7FAB7-A015-1C4E-BC6D-609B5E539335}" type="slidenum">
-              <a:rPr lang="en-US" smtClean="0"/>
-              <a:pPr/>
-              <a:t>29</a:t>
-            </a:fld>
-            <a:endParaRPr lang="en-US" dirty="0"/>
-          </a:p>
-        </p:txBody>
-      </p:sp>
-      <p:pic>
-        <p:nvPicPr>
-          <p:cNvPr id="3" name="Picture 2"/>
-          <p:cNvPicPr>
-            <a:picLocks noChangeAspect="1"/>
-          </p:cNvPicPr>
-          <p:nvPr/>
-        </p:nvPicPr>
-        <p:blipFill>
-          <a:blip r:embed="rId2"/>
-          <a:stretch>
-            <a:fillRect/>
-          </a:stretch>
-        </p:blipFill>
+            <p:ph type="body" idx="1"/>
+          </p:nvPr>
+        </p:nvSpPr>
         <p:spPr>
-          <a:xfrm>
-            <a:off x="1991224" y="0"/>
-            <a:ext cx="5625060" cy="6036399"/>
-          </a:xfrm>
           <a:prstGeom prst="rect">
             <a:avLst/>
           </a:prstGeom>
         </p:spPr>
-      </p:pic>
+        <p:txBody>
+          <a:bodyPr lIns="91425" tIns="91425" rIns="91425" bIns="91425" anchor="t" anchorCtr="0">
+            <a:noAutofit/>
+          </a:bodyPr>
+          <a:lstStyle/>
+          <a:p>
+            <a:pPr marL="457200" lvl="0" indent="-381000" rtl="0">
+              <a:spcBef>
+                <a:spcPts val="0"/>
+              </a:spcBef>
+              <a:buClr>
+                <a:schemeClr val="dk2"/>
+              </a:buClr>
+              <a:buSzPct val="100000"/>
+              <a:buFont typeface="Trebuchet MS"/>
+              <a:buAutoNum type="arabicPeriod"/>
+            </a:pPr>
+            <a:r>
+              <a:rPr lang="en" sz="2400" dirty="0"/>
+              <a:t>Chang, Winston. R Graphics Cookbook, 2013.</a:t>
+            </a:r>
+          </a:p>
+          <a:p>
+            <a:pPr marL="457200" lvl="0" indent="-381000" rtl="0">
+              <a:spcBef>
+                <a:spcPts val="0"/>
+              </a:spcBef>
+              <a:buClr>
+                <a:schemeClr val="dk2"/>
+              </a:buClr>
+              <a:buSzPct val="100000"/>
+              <a:buFont typeface="Trebuchet MS"/>
+              <a:buAutoNum type="arabicPeriod"/>
+            </a:pPr>
+            <a:r>
+              <a:rPr lang="en" sz="2400" dirty="0"/>
+              <a:t>Rittman, Mark. Using Oracle R Enterprise to Analyze Large In-Database Datasets, 2014. URL http://www.rittmanmead.com/2014/03/using-oracle-r-enterprise-to-analyze-large-in-database-datasets/. </a:t>
+            </a:r>
+          </a:p>
+          <a:p>
+            <a:pPr marL="457200" lvl="0" indent="-381000">
+              <a:spcBef>
+                <a:spcPts val="0"/>
+              </a:spcBef>
+              <a:buClr>
+                <a:schemeClr val="dk2"/>
+              </a:buClr>
+              <a:buSzPct val="100000"/>
+              <a:buFont typeface="Trebuchet MS"/>
+              <a:buAutoNum type="arabicPeriod"/>
+            </a:pPr>
+            <a:r>
+              <a:rPr lang="en" sz="2400" dirty="0"/>
+              <a:t>Wickham, Hadley. ggplot2: Elegant Graphics for Data Analysis (Use R!), 2009.</a:t>
+            </a:r>
+          </a:p>
+        </p:txBody>
+      </p:sp>
+      <p:sp>
+        <p:nvSpPr>
+          <p:cNvPr id="210" name="Shape 210"/>
+          <p:cNvSpPr txBox="1">
+            <a:spLocks noGrp="1"/>
+          </p:cNvSpPr>
+          <p:nvPr>
+            <p:ph type="title"/>
+          </p:nvPr>
+        </p:nvSpPr>
+        <p:spPr>
+          <a:prstGeom prst="rect">
+            <a:avLst/>
+          </a:prstGeom>
+        </p:spPr>
+        <p:txBody>
+          <a:bodyPr lIns="91425" tIns="91425" rIns="91425" bIns="91425" anchor="b" anchorCtr="0">
+            <a:noAutofit/>
+          </a:bodyPr>
+          <a:lstStyle/>
+          <a:p>
+            <a:pPr>
+              <a:spcBef>
+                <a:spcPts val="0"/>
+              </a:spcBef>
+              <a:buNone/>
+            </a:pPr>
+            <a:r>
+              <a:rPr lang="en"/>
+              <a:t>References</a:t>
+            </a:r>
+          </a:p>
+        </p:txBody>
+      </p:sp>
     </p:spTree>
-    <p:extLst>
-      <p:ext uri="{BB962C8B-B14F-4D97-AF65-F5344CB8AC3E}">
-        <p14:creationId xmlns:p14="http://schemas.microsoft.com/office/powerpoint/2010/main" val="3529625423"/>
-      </p:ext>
-    </p:extLst>
   </p:cSld>
   <p:clrMapOvr>
     <a:masterClrMapping/>
@@ -16017,6 +15899,13 @@
   <p:transition spd="slow">
     <p:cut/>
   </p:transition>
+  <p:timing>
+    <p:tnLst>
+      <p:par>
+        <p:cTn id="1" dur="indefinite" restart="never" nodeType="tmRoot"/>
+      </p:par>
+    </p:tnLst>
+  </p:timing>
 </p:sld>
 </file>
 
@@ -16154,8 +16043,28 @@
             </a:pPr>
             <a:r>
               <a:rPr lang="en" dirty="0"/>
-              <a:t>Finish in time for lunch</a:t>
-            </a:r>
+              <a:t>Finish </a:t>
+            </a:r>
+            <a:r>
+              <a:rPr lang="en" dirty="0" smtClean="0"/>
+              <a:t>on time</a:t>
+            </a:r>
+          </a:p>
+          <a:p>
+            <a:pPr marL="25400" lvl="0" indent="0" rtl="0">
+              <a:lnSpc>
+                <a:spcPct val="150000"/>
+              </a:lnSpc>
+              <a:spcBef>
+                <a:spcPts val="0"/>
+              </a:spcBef>
+              <a:buClr>
+                <a:schemeClr val="dk2"/>
+              </a:buClr>
+              <a:buSzPct val="100000"/>
+              <a:buNone/>
+            </a:pPr>
+            <a:endParaRPr lang="en" dirty="0"/>
           </a:p>
           <a:p>
             <a:pPr marL="457200" lvl="0" indent="0">
@@ -16234,148 +16143,6 @@
   <p:cSld>
     <p:spTree>
       <p:nvGrpSpPr>
-        <p:cNvPr id="1" name="Shape 208"/>
-        <p:cNvGrpSpPr/>
-        <p:nvPr/>
-      </p:nvGrpSpPr>
-      <p:grpSpPr>
-        <a:xfrm>
-          <a:off x="0" y="0"/>
-          <a:ext cx="0" cy="0"/>
-          <a:chOff x="0" y="0"/>
-          <a:chExt cx="0" cy="0"/>
-        </a:xfrm>
-      </p:grpSpPr>
-      <p:sp>
-        <p:nvSpPr>
-          <p:cNvPr id="209" name="Shape 209"/>
-          <p:cNvSpPr txBox="1">
-            <a:spLocks noGrp="1"/>
-          </p:cNvSpPr>
-          <p:nvPr>
-            <p:ph type="body" idx="1"/>
-          </p:nvPr>
-        </p:nvSpPr>
-        <p:spPr>
-          <a:prstGeom prst="rect">
-            <a:avLst/>
-          </a:prstGeom>
-        </p:spPr>
-        <p:txBody>
-          <a:bodyPr lIns="91425" tIns="91425" rIns="91425" bIns="91425" anchor="t" anchorCtr="0">
-            <a:noAutofit/>
-          </a:bodyPr>
-          <a:lstStyle/>
-          <a:p>
-            <a:pPr marL="457200" lvl="0" indent="-381000" rtl="0">
-              <a:spcBef>
-                <a:spcPts val="0"/>
-              </a:spcBef>
-              <a:buClr>
-                <a:schemeClr val="dk2"/>
-              </a:buClr>
-              <a:buSzPct val="100000"/>
-              <a:buFont typeface="Trebuchet MS"/>
-              <a:buAutoNum type="arabicPeriod"/>
-            </a:pPr>
-            <a:r>
-              <a:rPr lang="en" sz="2400" dirty="0"/>
-              <a:t>Chang, Winston. R Graphics Cookbook, 2013.</a:t>
-            </a:r>
-          </a:p>
-          <a:p>
-            <a:pPr marL="457200" lvl="0" indent="-381000" rtl="0">
-              <a:spcBef>
-                <a:spcPts val="0"/>
-              </a:spcBef>
-              <a:buClr>
-                <a:schemeClr val="dk2"/>
-              </a:buClr>
-              <a:buSzPct val="100000"/>
-              <a:buFont typeface="Trebuchet MS"/>
-              <a:buAutoNum type="arabicPeriod"/>
-            </a:pPr>
-            <a:r>
-              <a:rPr lang="en" sz="2400" dirty="0"/>
-              <a:t>Rittman, Mark. Using Oracle R Enterprise to Analyze Large In-Database Datasets, 2014. URL http://www.rittmanmead.com/2014/03/using-oracle-r-enterprise-to-analyze-large-in-database-datasets/. </a:t>
-            </a:r>
-          </a:p>
-          <a:p>
-            <a:pPr marL="457200" lvl="0" indent="-381000">
-              <a:spcBef>
-                <a:spcPts val="0"/>
-              </a:spcBef>
-              <a:buClr>
-                <a:schemeClr val="dk2"/>
-              </a:buClr>
-              <a:buSzPct val="100000"/>
-              <a:buFont typeface="Trebuchet MS"/>
-              <a:buAutoNum type="arabicPeriod"/>
-            </a:pPr>
-            <a:r>
-              <a:rPr lang="en" sz="2400" dirty="0"/>
-              <a:t>Wickham, Hadley. ggplot2: Elegant Graphics for Data Analysis (Use R!), 2009.</a:t>
-            </a:r>
-          </a:p>
-        </p:txBody>
-      </p:sp>
-      <p:sp>
-        <p:nvSpPr>
-          <p:cNvPr id="210" name="Shape 210"/>
-          <p:cNvSpPr txBox="1">
-            <a:spLocks noGrp="1"/>
-          </p:cNvSpPr>
-          <p:nvPr>
-            <p:ph type="title"/>
-          </p:nvPr>
-        </p:nvSpPr>
-        <p:spPr>
-          <a:prstGeom prst="rect">
-            <a:avLst/>
-          </a:prstGeom>
-        </p:spPr>
-        <p:txBody>
-          <a:bodyPr lIns="91425" tIns="91425" rIns="91425" bIns="91425" anchor="b" anchorCtr="0">
-            <a:noAutofit/>
-          </a:bodyPr>
-          <a:lstStyle/>
-          <a:p>
-            <a:pPr>
-              <a:spcBef>
-                <a:spcPts val="0"/>
-              </a:spcBef>
-              <a:buNone/>
-            </a:pPr>
-            <a:r>
-              <a:rPr lang="en"/>
-              <a:t>References</a:t>
-            </a:r>
-          </a:p>
-        </p:txBody>
-      </p:sp>
-    </p:spTree>
-  </p:cSld>
-  <p:clrMapOvr>
-    <a:masterClrMapping/>
-  </p:clrMapOvr>
-  <p:transition spd="slow">
-    <p:cut/>
-  </p:transition>
-  <p:timing>
-    <p:tnLst>
-      <p:par>
-        <p:cTn id="1" dur="indefinite" restart="never" nodeType="tmRoot"/>
-      </p:par>
-    </p:tnLst>
-  </p:timing>
-</p:sld>
-</file>
-
-<file path=ppt/slides/slide31.xml><?xml version="1.0" encoding="utf-8"?>
-<p:sld xmlns:a="http://schemas.openxmlformats.org/drawingml/2006/main" xmlns:r="http://schemas.openxmlformats.org/officeDocument/2006/relationships" xmlns:p="http://schemas.openxmlformats.org/presentationml/2006/main">
-  <p:cSld>
-    <p:spTree>
-      <p:nvGrpSpPr>
         <p:cNvPr id="1" name="Shape 214"/>
         <p:cNvGrpSpPr/>
         <p:nvPr/>
@@ -16416,9 +16183,10 @@
               <a:buNone/>
             </a:pPr>
             <a:r>
-              <a:rPr lang="en" sz="3000"/>
+              <a:rPr lang="en" sz="3000" dirty="0"/>
               <a:t>Contact: </a:t>
             </a:r>
+            <a:endParaRPr lang="en" sz="3000" dirty="0" smtClean="0"/>
           </a:p>
           <a:p>
             <a:pPr rtl="0">
@@ -16428,27 +16196,36 @@
               <a:buNone/>
             </a:pPr>
             <a:r>
-              <a:rPr lang="en" sz="3000" u="sng">
-                <a:solidFill>
-                  <a:schemeClr val="hlink"/>
-                </a:solidFill>
-                <a:hlinkClick r:id="rId3"/>
+              <a:rPr lang="en-US" sz="3000" dirty="0" err="1" smtClean="0">
+                <a:hlinkClick r:id="rId3" action="ppaction://hlinkfile"/>
               </a:rPr>
-              <a:t>gary.garrison@arisant.com</a:t>
-            </a:r>
-            <a:r>
-              <a:rPr lang="en" sz="3000"/>
-              <a:t> or </a:t>
-            </a:r>
-            <a:r>
-              <a:rPr lang="en" sz="3000" u="sng">
+              <a:t>arisant</a:t>
+            </a:r>
+            <a:r>
+              <a:rPr lang="en" sz="3000" dirty="0" smtClean="0">
+                <a:hlinkClick r:id="rId3" action="ppaction://hlinkfile"/>
+              </a:rPr>
+              <a:t>.com</a:t>
+            </a:r>
+            <a:endParaRPr lang="en" sz="3000" dirty="0"/>
+          </a:p>
+          <a:p>
+            <a:pPr rtl="0">
+              <a:spcBef>
+                <a:spcPts val="0"/>
+              </a:spcBef>
+              <a:buNone/>
+            </a:pPr>
+            <a:r>
+              <a:rPr lang="en" sz="3000" u="sng" dirty="0" smtClean="0">
                 <a:solidFill>
                   <a:schemeClr val="hlink"/>
                 </a:solidFill>
                 <a:hlinkClick r:id="rId4"/>
               </a:rPr>
-              <a:t>garrisongw@gmail.com</a:t>
-            </a:r>
+              <a:t>gary.garrison@arisant.com</a:t>
+            </a:r>
+            <a:endParaRPr lang="en-US" dirty="0" smtClean="0"/>
           </a:p>
           <a:p>
             <a:pPr rtl="0">
@@ -16457,7 +16234,7 @@
               </a:spcBef>
               <a:buNone/>
             </a:pPr>
-            <a:endParaRPr/>
+            <a:endParaRPr dirty="0"/>
           </a:p>
           <a:p>
             <a:pPr rtl="0">
@@ -16467,7 +16244,7 @@
               <a:buNone/>
             </a:pPr>
             <a:r>
-              <a:rPr lang="en" sz="3000"/>
+              <a:rPr lang="en" sz="3000" dirty="0"/>
               <a:t>Github Repository:</a:t>
             </a:r>
           </a:p>
@@ -16479,9 +16256,45 @@
               <a:buNone/>
             </a:pPr>
             <a:r>
-              <a:rPr lang="en" sz="3000"/>
-              <a:t>https://github.com/gwgarrison/rmoug_2015</a:t>
-            </a:r>
+              <a:rPr lang="en" sz="3000" dirty="0">
+                <a:hlinkClick r:id="rId5"/>
+              </a:rPr>
+              <a:t>https://</a:t>
+            </a:r>
+            <a:r>
+              <a:rPr lang="en" sz="3000" dirty="0" smtClean="0">
+                <a:hlinkClick r:id="rId5"/>
+              </a:rPr>
+              <a:t>github.com/gwgarrison/rmoug_2015</a:t>
+            </a:r>
+            <a:endParaRPr lang="en" sz="3000" dirty="0" smtClean="0"/>
+          </a:p>
+          <a:p>
+            <a:pPr>
+              <a:spcBef>
+                <a:spcPts val="0"/>
+              </a:spcBef>
+              <a:buNone/>
+            </a:pPr>
+            <a:endParaRPr lang="en" sz="3000" dirty="0" smtClean="0"/>
+          </a:p>
+          <a:p>
+            <a:pPr>
+              <a:spcBef>
+                <a:spcPts val="0"/>
+              </a:spcBef>
+              <a:buNone/>
+            </a:pPr>
+            <a:endParaRPr lang="en" sz="3000" dirty="0"/>
+          </a:p>
+          <a:p>
+            <a:pPr>
+              <a:spcBef>
+                <a:spcPts val="0"/>
+              </a:spcBef>
+              <a:buNone/>
+            </a:pPr>
+            <a:endParaRPr lang="en" sz="3000" dirty="0"/>
           </a:p>
         </p:txBody>
       </p:sp>
@@ -16631,31 +16444,11 @@
             </a:pPr>
             <a:r>
               <a:rPr lang="en" dirty="0"/>
-              <a:t>Map based plots with R</a:t>
-            </a:r>
-          </a:p>
-          <a:p>
-            <a:pPr marL="457200" lvl="0" indent="-431800">
-              <a:lnSpc>
-                <a:spcPct val="150000"/>
-              </a:lnSpc>
-              <a:spcBef>
-                <a:spcPts val="0"/>
-              </a:spcBef>
-              <a:buClr>
-                <a:schemeClr val="dk2"/>
-              </a:buClr>
-              <a:buSzPct val="100000"/>
-              <a:buFont typeface="Arial"/>
-              <a:buChar char="●"/>
-            </a:pPr>
-            <a:r>
-              <a:rPr lang="en" dirty="0"/>
-              <a:t>Interactive pots with </a:t>
+              <a:t>Map based plots with </a:t>
             </a:r>
             <a:r>
               <a:rPr lang="en" dirty="0" smtClean="0"/>
-              <a:t>R (if we have time)</a:t>
+              <a:t>R</a:t>
             </a:r>
             <a:endParaRPr lang="en" dirty="0"/>
           </a:p>
@@ -17312,9 +17105,10 @@
               <a:buChar char="●"/>
             </a:pPr>
             <a:r>
-              <a:rPr lang="en" dirty="0"/>
-              <a:t>Popular</a:t>
-            </a:r>
+              <a:rPr lang="en" dirty="0" smtClean="0"/>
+              <a:t>Popular </a:t>
+            </a:r>
+            <a:endParaRPr lang="en" dirty="0"/>
           </a:p>
           <a:p>
             <a:pPr marL="457200" lvl="0" indent="0" rtl="0">

--- a/garrison_presentation.pptx
+++ b/garrison_presentation.pptx
@@ -634,7 +634,7 @@
               </a:spcBef>
               <a:buNone/>
             </a:pPr>
-            <a:endParaRPr/>
+            <a:endParaRPr dirty="0"/>
           </a:p>
         </p:txBody>
       </p:sp>
@@ -878,7 +878,7 @@
               </a:spcBef>
               <a:buNone/>
             </a:pPr>
-            <a:endParaRPr/>
+            <a:endParaRPr dirty="0"/>
           </a:p>
         </p:txBody>
       </p:sp>
@@ -994,7 +994,7 @@
               </a:spcBef>
               <a:buNone/>
             </a:pPr>
-            <a:endParaRPr/>
+            <a:endParaRPr dirty="0"/>
           </a:p>
         </p:txBody>
       </p:sp>
@@ -1110,7 +1110,7 @@
               </a:spcBef>
               <a:buNone/>
             </a:pPr>
-            <a:endParaRPr/>
+            <a:endParaRPr dirty="0"/>
           </a:p>
         </p:txBody>
       </p:sp>
@@ -1345,7 +1345,7 @@
               </a:spcBef>
               <a:buNone/>
             </a:pPr>
-            <a:endParaRPr/>
+            <a:endParaRPr dirty="0"/>
           </a:p>
         </p:txBody>
       </p:sp>
@@ -1461,7 +1461,7 @@
               </a:spcBef>
               <a:buNone/>
             </a:pPr>
-            <a:endParaRPr/>
+            <a:endParaRPr dirty="0"/>
           </a:p>
         </p:txBody>
       </p:sp>
@@ -1577,7 +1577,7 @@
               </a:spcBef>
               <a:buNone/>
             </a:pPr>
-            <a:endParaRPr/>
+            <a:endParaRPr dirty="0"/>
           </a:p>
         </p:txBody>
       </p:sp>
@@ -1693,7 +1693,7 @@
               </a:spcBef>
               <a:buNone/>
             </a:pPr>
-            <a:endParaRPr/>
+            <a:endParaRPr dirty="0"/>
           </a:p>
         </p:txBody>
       </p:sp>
@@ -1809,7 +1809,7 @@
               </a:spcBef>
               <a:buNone/>
             </a:pPr>
-            <a:endParaRPr/>
+            <a:endParaRPr dirty="0"/>
           </a:p>
         </p:txBody>
       </p:sp>
@@ -2015,7 +2015,7 @@
               <a:pPr/>
               <a:t>2</a:t>
             </a:fld>
-            <a:endParaRPr lang="en-US" sz="1200">
+            <a:endParaRPr lang="en-US" sz="1200" dirty="0">
               <a:latin typeface="Times" pitchFamily="18" charset="0"/>
             </a:endParaRPr>
           </a:p>
@@ -2208,9 +2208,9 @@
                 </a:spcBef>
                 <a:buClrTx/>
               </a:pPr>
-              <a:t>2/2/2015</a:t>
+              <a:t>2/6/2015</a:t>
             </a:fld>
-            <a:endParaRPr lang="en-US" sz="1200">
+            <a:endParaRPr lang="en-US" sz="1200" dirty="0">
               <a:cs typeface="Arial" pitchFamily="34" charset="0"/>
             </a:endParaRPr>
           </a:p>
@@ -2391,7 +2391,7 @@
               <a:buClrTx/>
             </a:pPr>
             <a:r>
-              <a:rPr lang="en-US" sz="1200">
+              <a:rPr lang="en-US" sz="1200" dirty="0">
                 <a:cs typeface="Arial" pitchFamily="34" charset="0"/>
               </a:rPr>
               <a:t>Oracle Confidential</a:t>
@@ -2588,7 +2588,7 @@
               </a:pPr>
               <a:t>2</a:t>
             </a:fld>
-            <a:endParaRPr lang="en-US" sz="1200">
+            <a:endParaRPr lang="en-US" sz="1200" dirty="0">
               <a:cs typeface="Arial" pitchFamily="34" charset="0"/>
             </a:endParaRPr>
           </a:p>
@@ -2780,31 +2780,7 @@
                 <a:ea typeface="+mn-ea"/>
                 <a:cs typeface="+mn-cs"/>
               </a:rPr>
-              <a:t>(Source: a presentation by Jim Diamond, Managing Director of Operations &amp; Research at American Airlines. Given at the </a:t>
-            </a:r>
-            <a:r>
-              <a:rPr lang="en-US" sz="1200" i="1" kern="1200" dirty="0" err="1" smtClean="0">
-                <a:solidFill>
-                  <a:schemeClr val="tx1"/>
-                </a:solidFill>
-                <a:effectLst/>
-                <a:latin typeface="+mn-lt"/>
-                <a:ea typeface="+mn-ea"/>
-                <a:cs typeface="+mn-cs"/>
-              </a:rPr>
-              <a:t>Evanta</a:t>
-            </a:r>
-            <a:r>
-              <a:rPr lang="en-US" sz="1200" i="1" kern="1200" dirty="0" smtClean="0">
-                <a:solidFill>
-                  <a:schemeClr val="tx1"/>
-                </a:solidFill>
-                <a:effectLst/>
-                <a:latin typeface="+mn-lt"/>
-                <a:ea typeface="+mn-ea"/>
-                <a:cs typeface="+mn-cs"/>
-              </a:rPr>
-              <a:t> CIO event in Dallas, TX 6/7/13)</a:t>
+              <a:t>(Source: a presentation by Jim Diamond, Managing Director of Operations &amp; Research at American Airlines. Given at the Evanta CIO event in Dallas, TX 6/7/13)</a:t>
             </a:r>
           </a:p>
           <a:p>
@@ -3071,7 +3047,7 @@
               </a:spcBef>
               <a:buNone/>
             </a:pPr>
-            <a:endParaRPr/>
+            <a:endParaRPr dirty="0"/>
           </a:p>
         </p:txBody>
       </p:sp>
@@ -3187,7 +3163,7 @@
               </a:spcBef>
               <a:buNone/>
             </a:pPr>
-            <a:endParaRPr/>
+            <a:endParaRPr dirty="0"/>
           </a:p>
         </p:txBody>
       </p:sp>
@@ -3303,7 +3279,7 @@
               </a:spcBef>
               <a:buNone/>
             </a:pPr>
-            <a:endParaRPr/>
+            <a:endParaRPr dirty="0"/>
           </a:p>
         </p:txBody>
       </p:sp>
@@ -3538,7 +3514,7 @@
               </a:spcBef>
               <a:buNone/>
             </a:pPr>
-            <a:endParaRPr/>
+            <a:endParaRPr dirty="0"/>
           </a:p>
         </p:txBody>
       </p:sp>
@@ -3773,7 +3749,7 @@
               </a:spcBef>
               <a:buNone/>
             </a:pPr>
-            <a:endParaRPr/>
+            <a:endParaRPr dirty="0"/>
           </a:p>
         </p:txBody>
       </p:sp>
@@ -3889,7 +3865,7 @@
               </a:spcBef>
               <a:buNone/>
             </a:pPr>
-            <a:endParaRPr/>
+            <a:endParaRPr dirty="0"/>
           </a:p>
         </p:txBody>
       </p:sp>
@@ -4005,7 +3981,7 @@
               </a:spcBef>
               <a:buNone/>
             </a:pPr>
-            <a:endParaRPr/>
+            <a:endParaRPr dirty="0"/>
           </a:p>
         </p:txBody>
       </p:sp>
@@ -4121,7 +4097,7 @@
               </a:spcBef>
               <a:buNone/>
             </a:pPr>
-            <a:endParaRPr/>
+            <a:endParaRPr dirty="0"/>
           </a:p>
         </p:txBody>
       </p:sp>
@@ -4237,7 +4213,7 @@
               </a:spcBef>
               <a:buNone/>
             </a:pPr>
-            <a:endParaRPr/>
+            <a:endParaRPr dirty="0"/>
           </a:p>
         </p:txBody>
       </p:sp>
@@ -4353,7 +4329,7 @@
               </a:spcBef>
               <a:buNone/>
             </a:pPr>
-            <a:endParaRPr/>
+            <a:endParaRPr dirty="0"/>
           </a:p>
         </p:txBody>
       </p:sp>
@@ -4469,7 +4445,7 @@
               </a:spcBef>
               <a:buNone/>
             </a:pPr>
-            <a:endParaRPr/>
+            <a:endParaRPr dirty="0"/>
           </a:p>
         </p:txBody>
       </p:sp>
@@ -4585,7 +4561,7 @@
               </a:spcBef>
               <a:buNone/>
             </a:pPr>
-            <a:endParaRPr/>
+            <a:endParaRPr dirty="0"/>
           </a:p>
         </p:txBody>
       </p:sp>
@@ -4701,7 +4677,7 @@
               </a:spcBef>
               <a:buNone/>
             </a:pPr>
-            <a:endParaRPr/>
+            <a:endParaRPr dirty="0"/>
           </a:p>
         </p:txBody>
       </p:sp>
@@ -5052,9 +5028,9 @@
           <a:p>
             <a:fld id="{2B620634-F1E7-4F42-B7F2-04F33F3FC495}" type="datetimeFigureOut">
               <a:rPr lang="en-US" smtClean="0"/>
-              <a:t>2/2/2015</a:t>
+              <a:t>2/6/2015</a:t>
             </a:fld>
-            <a:endParaRPr lang="en-US"/>
+            <a:endParaRPr lang="en-US" dirty="0"/>
           </a:p>
         </p:txBody>
       </p:sp>
@@ -5073,7 +5049,7 @@
           <a:bodyPr/>
           <a:lstStyle/>
           <a:p>
-            <a:endParaRPr lang="en-US"/>
+            <a:endParaRPr lang="en-US" dirty="0"/>
           </a:p>
         </p:txBody>
       </p:sp>
@@ -5096,7 +5072,7 @@
               <a:rPr lang="en-US" smtClean="0"/>
               <a:t>‹#›</a:t>
             </a:fld>
-            <a:endParaRPr lang="en-US"/>
+            <a:endParaRPr lang="en-US" dirty="0"/>
           </a:p>
         </p:txBody>
       </p:sp>
@@ -5487,7 +5463,7 @@
           <a:p>
             <a:pPr lvl="0"/>
             <a:r>
-              <a:rPr lang="en-US" noProof="0" smtClean="0"/>
+              <a:rPr lang="en-US" noProof="0" dirty="0" smtClean="0"/>
               <a:t>Click icon to add chart</a:t>
             </a:r>
             <a:endParaRPr lang="en-US" noProof="0" dirty="0"/>
@@ -10909,8 +10885,8 @@
         </p:nvSpPr>
         <p:spPr>
           <a:xfrm>
-            <a:off x="556952" y="3310731"/>
-            <a:ext cx="7772400" cy="1101725"/>
+            <a:off x="1213658" y="3310731"/>
+            <a:ext cx="6417424" cy="1101725"/>
           </a:xfrm>
           <a:prstGeom prst="rect">
             <a:avLst/>
@@ -10949,7 +10925,15 @@
                   <a:schemeClr val="bg1"/>
                 </a:solidFill>
               </a:rPr>
-              <a:t>Visualize Voluminous Quantities of Data with Oracle R Enterprise</a:t>
+              <a:t>Visualize Voluminous Quantities of Data with </a:t>
+            </a:r>
+            <a:r>
+              <a:rPr lang="en" sz="3200" dirty="0" smtClean="0">
+                <a:solidFill>
+                  <a:schemeClr val="bg1"/>
+                </a:solidFill>
+              </a:rPr>
+              <a:t>R</a:t>
             </a:r>
             <a:r>
               <a:rPr lang="en" sz="3600" dirty="0">
@@ -11621,12 +11605,8 @@
           <a:lstStyle/>
           <a:p>
             <a:r>
-              <a:rPr lang="en-US" dirty="0" err="1" smtClean="0"/>
-              <a:t>ggplot</a:t>
-            </a:r>
-            <a:r>
               <a:rPr lang="en-US" dirty="0" smtClean="0"/>
-              <a:t> package</a:t>
+              <a:t>ggplot package</a:t>
             </a:r>
             <a:endParaRPr lang="en-US" dirty="0"/>
           </a:p>
@@ -11671,13 +11651,13 @@
   <p:clrMapOvr>
     <a:masterClrMapping/>
   </p:clrMapOvr>
-  <mc:AlternateContent xmlns:mc="http://schemas.openxmlformats.org/markup-compatibility/2006">
-    <mc:Choice xmlns:p14="http://schemas.microsoft.com/office/powerpoint/2010/main" Requires="p14">
+  <mc:AlternateContent xmlns:mc="http://schemas.openxmlformats.org/markup-compatibility/2006" xmlns:p14="http://schemas.microsoft.com/office/powerpoint/2010/main">
+    <mc:Choice Requires="p14">
       <p:transition spd="slow" p14:dur="3400">
         <p14:reveal/>
       </p:transition>
     </mc:Choice>
-    <mc:Fallback>
+    <mc:Fallback xmlns="">
       <p:transition spd="slow">
         <p:fade/>
       </p:transition>
@@ -12666,7 +12646,7 @@
           </a:lstStyle>
           <a:p>
             <a:r>
-              <a:rPr lang="en-US" sz="1050">
+              <a:rPr lang="en-US" sz="1050" dirty="0">
                 <a:cs typeface="Times New Roman" pitchFamily="18" charset="0"/>
               </a:rPr>
               <a:t>                                                                                                                                                                         </a:t>
@@ -12678,7 +12658,7 @@
               <a:pPr/>
               <a:t>2</a:t>
             </a:fld>
-            <a:endParaRPr lang="en-US" sz="1050">
+            <a:endParaRPr lang="en-US" sz="1050" dirty="0">
               <a:cs typeface="Times New Roman" pitchFamily="18" charset="0"/>
             </a:endParaRPr>
           </a:p>
@@ -12740,7 +12720,7 @@
               </a:spcBef>
               <a:buClrTx/>
             </a:pPr>
-            <a:endParaRPr lang="en-US" sz="1350">
+            <a:endParaRPr lang="en-US" sz="1350" dirty="0">
               <a:cs typeface="Arial" pitchFamily="34" charset="0"/>
             </a:endParaRPr>
           </a:p>
@@ -12806,7 +12786,7 @@
               </a:spcBef>
               <a:buClrTx/>
             </a:pPr>
-            <a:endParaRPr lang="en-US" sz="825" b="1">
+            <a:endParaRPr lang="en-US" sz="825" b="1" dirty="0">
               <a:solidFill>
                 <a:schemeClr val="bg1"/>
               </a:solidFill>
@@ -13144,7 +13124,7 @@
                 </a:spcBef>
                 <a:buClrTx/>
               </a:pPr>
-              <a:endParaRPr lang="en-US" sz="825" b="1">
+              <a:endParaRPr lang="en-US" sz="825" b="1" dirty="0">
                 <a:solidFill>
                   <a:schemeClr val="bg1"/>
                 </a:solidFill>
@@ -13201,7 +13181,7 @@
                 </a:spcBef>
                 <a:buClrTx/>
               </a:pPr>
-              <a:endParaRPr lang="en-US" sz="825" b="1">
+              <a:endParaRPr lang="en-US" sz="825" b="1" dirty="0">
                 <a:solidFill>
                   <a:schemeClr val="bg1"/>
                 </a:solidFill>
@@ -13256,7 +13236,7 @@
               </a:spcBef>
               <a:buClrTx/>
             </a:pPr>
-            <a:endParaRPr lang="en-US" sz="825" b="1">
+            <a:endParaRPr lang="en-US" sz="825" b="1" dirty="0">
               <a:solidFill>
                 <a:schemeClr val="bg1"/>
               </a:solidFill>
@@ -13310,7 +13290,7 @@
               </a:spcBef>
               <a:buClrTx/>
             </a:pPr>
-            <a:endParaRPr lang="en-US" sz="825" b="1">
+            <a:endParaRPr lang="en-US" sz="825" b="1" dirty="0">
               <a:solidFill>
                 <a:schemeClr val="bg1"/>
               </a:solidFill>
@@ -13364,7 +13344,7 @@
               </a:spcBef>
               <a:buClrTx/>
             </a:pPr>
-            <a:endParaRPr lang="en-US" sz="825" b="1">
+            <a:endParaRPr lang="en-US" sz="825" b="1" dirty="0">
               <a:solidFill>
                 <a:schemeClr val="bg1"/>
               </a:solidFill>
@@ -13418,7 +13398,7 @@
               </a:spcBef>
               <a:buClrTx/>
             </a:pPr>
-            <a:endParaRPr lang="en-US" sz="825" b="1">
+            <a:endParaRPr lang="en-US" sz="825" b="1" dirty="0">
               <a:solidFill>
                 <a:schemeClr val="bg1"/>
               </a:solidFill>
@@ -13488,7 +13468,7 @@
                 </a:spcBef>
                 <a:buClrTx/>
               </a:pPr>
-              <a:endParaRPr lang="en-US" sz="825" b="1">
+              <a:endParaRPr lang="en-US" sz="825" b="1" dirty="0">
                 <a:solidFill>
                   <a:schemeClr val="bg1"/>
                 </a:solidFill>
@@ -13721,7 +13701,7 @@
               </a:spcBef>
               <a:buClrTx/>
             </a:pPr>
-            <a:endParaRPr lang="en-US" sz="825" b="1">
+            <a:endParaRPr lang="en-US" sz="825" b="1" dirty="0">
               <a:solidFill>
                 <a:schemeClr val="bg1"/>
               </a:solidFill>
@@ -13778,18 +13758,11 @@
               <a:defRPr/>
             </a:pPr>
             <a:r>
-              <a:rPr lang="en-US" sz="1050" dirty="0" err="1">
-                <a:latin typeface="Arial" charset="0"/>
-                <a:cs typeface="Arial" charset="0"/>
-              </a:rPr>
-              <a:t>Exabytes</a:t>
-            </a:r>
-            <a:r>
               <a:rPr lang="en-US" sz="1050" dirty="0">
                 <a:latin typeface="Arial" charset="0"/>
                 <a:cs typeface="Arial" charset="0"/>
               </a:rPr>
-              <a:t> get generated every day</a:t>
+              <a:t>Exabytes get generated every day</a:t>
             </a:r>
           </a:p>
           <a:p>
